--- a/präsi.pptx
+++ b/präsi.pptx
@@ -529,30 +529,7 @@
           <a:bodyPr/>
           <a:lstStyle/>
           <a:p>
-            <a:r>
-              <a:rPr lang="de-DE" dirty="0"/>
-              <a:t>-Sehr abstrakte Sprache, wenn es etwas nicht gibt kann man es dazu schreiben</a:t>
-            </a:r>
-          </a:p>
-          <a:p>
-            <a:r>
-              <a:rPr lang="de-DE" dirty="0"/>
-              <a:t>-Hardware direkt ansprechbar</a:t>
-            </a:r>
-          </a:p>
-          <a:p>
-            <a:r>
-              <a:rPr lang="de-DE" dirty="0"/>
-              <a:t>-Viele verschiedene Sprachkonzepte enthalten (</a:t>
-            </a:r>
-            <a:r>
-              <a:rPr lang="de-DE" dirty="0" err="1"/>
-              <a:t>Templates,preprocessor,etc</a:t>
-            </a:r>
-            <a:r>
-              <a:rPr lang="de-DE" dirty="0"/>
-              <a:t>.)</a:t>
-            </a:r>
+            <a:endParaRPr lang="de-DE"/>
           </a:p>
         </p:txBody>
       </p:sp>
@@ -573,7 +550,7 @@
           <a:p>
             <a:fld id="{A36B5070-147E-453A-9D66-845762D79ED0}" type="slidenum">
               <a:rPr lang="de-DE" smtClean="0"/>
-              <a:t>2</a:t>
+              <a:t>1</a:t>
             </a:fld>
             <a:endParaRPr lang="de-DE"/>
           </a:p>
@@ -582,7 +559,847 @@
     </p:spTree>
     <p:extLst>
       <p:ext uri="{BB962C8B-B14F-4D97-AF65-F5344CB8AC3E}">
-        <p14:creationId xmlns:p14="http://schemas.microsoft.com/office/powerpoint/2010/main" val="3634697197"/>
+        <p14:creationId xmlns:p14="http://schemas.microsoft.com/office/powerpoint/2010/main" val="148294618"/>
+      </p:ext>
+    </p:extLst>
+  </p:cSld>
+  <p:clrMapOvr>
+    <a:masterClrMapping/>
+  </p:clrMapOvr>
+</p:notes>
+</file>
+
+<file path=ppt/notesSlides/notesSlide10.xml><?xml version="1.0" encoding="utf-8"?>
+<p:notes xmlns:a="http://schemas.openxmlformats.org/drawingml/2006/main" xmlns:r="http://schemas.openxmlformats.org/officeDocument/2006/relationships" xmlns:p="http://schemas.openxmlformats.org/presentationml/2006/main">
+  <p:cSld>
+    <p:spTree>
+      <p:nvGrpSpPr>
+        <p:cNvPr id="1" name=""/>
+        <p:cNvGrpSpPr/>
+        <p:nvPr/>
+      </p:nvGrpSpPr>
+      <p:grpSpPr>
+        <a:xfrm>
+          <a:off x="0" y="0"/>
+          <a:ext cx="0" cy="0"/>
+          <a:chOff x="0" y="0"/>
+          <a:chExt cx="0" cy="0"/>
+        </a:xfrm>
+      </p:grpSpPr>
+      <p:sp>
+        <p:nvSpPr>
+          <p:cNvPr id="2" name="Folienbildplatzhalter 1"/>
+          <p:cNvSpPr>
+            <a:spLocks noGrp="1" noRot="1" noChangeAspect="1"/>
+          </p:cNvSpPr>
+          <p:nvPr>
+            <p:ph type="sldImg"/>
+          </p:nvPr>
+        </p:nvSpPr>
+        <p:spPr/>
+      </p:sp>
+      <p:sp>
+        <p:nvSpPr>
+          <p:cNvPr id="3" name="Notizenplatzhalter 2"/>
+          <p:cNvSpPr>
+            <a:spLocks noGrp="1"/>
+          </p:cNvSpPr>
+          <p:nvPr>
+            <p:ph type="body" idx="1"/>
+          </p:nvPr>
+        </p:nvSpPr>
+        <p:spPr/>
+        <p:txBody>
+          <a:bodyPr/>
+          <a:lstStyle/>
+          <a:p>
+            <a:endParaRPr lang="de-DE"/>
+          </a:p>
+        </p:txBody>
+      </p:sp>
+      <p:sp>
+        <p:nvSpPr>
+          <p:cNvPr id="4" name="Foliennummernplatzhalter 3"/>
+          <p:cNvSpPr>
+            <a:spLocks noGrp="1"/>
+          </p:cNvSpPr>
+          <p:nvPr>
+            <p:ph type="sldNum" sz="quarter" idx="10"/>
+          </p:nvPr>
+        </p:nvSpPr>
+        <p:spPr/>
+        <p:txBody>
+          <a:bodyPr/>
+          <a:lstStyle/>
+          <a:p>
+            <a:fld id="{A36B5070-147E-453A-9D66-845762D79ED0}" type="slidenum">
+              <a:rPr lang="de-DE" smtClean="0"/>
+              <a:t>10</a:t>
+            </a:fld>
+            <a:endParaRPr lang="de-DE"/>
+          </a:p>
+        </p:txBody>
+      </p:sp>
+    </p:spTree>
+    <p:extLst>
+      <p:ext uri="{BB962C8B-B14F-4D97-AF65-F5344CB8AC3E}">
+        <p14:creationId xmlns:p14="http://schemas.microsoft.com/office/powerpoint/2010/main" val="1444419440"/>
+      </p:ext>
+    </p:extLst>
+  </p:cSld>
+  <p:clrMapOvr>
+    <a:masterClrMapping/>
+  </p:clrMapOvr>
+</p:notes>
+</file>
+
+<file path=ppt/notesSlides/notesSlide11.xml><?xml version="1.0" encoding="utf-8"?>
+<p:notes xmlns:a="http://schemas.openxmlformats.org/drawingml/2006/main" xmlns:r="http://schemas.openxmlformats.org/officeDocument/2006/relationships" xmlns:p="http://schemas.openxmlformats.org/presentationml/2006/main">
+  <p:cSld>
+    <p:spTree>
+      <p:nvGrpSpPr>
+        <p:cNvPr id="1" name=""/>
+        <p:cNvGrpSpPr/>
+        <p:nvPr/>
+      </p:nvGrpSpPr>
+      <p:grpSpPr>
+        <a:xfrm>
+          <a:off x="0" y="0"/>
+          <a:ext cx="0" cy="0"/>
+          <a:chOff x="0" y="0"/>
+          <a:chExt cx="0" cy="0"/>
+        </a:xfrm>
+      </p:grpSpPr>
+      <p:sp>
+        <p:nvSpPr>
+          <p:cNvPr id="2" name="Folienbildplatzhalter 1"/>
+          <p:cNvSpPr>
+            <a:spLocks noGrp="1" noRot="1" noChangeAspect="1"/>
+          </p:cNvSpPr>
+          <p:nvPr>
+            <p:ph type="sldImg"/>
+          </p:nvPr>
+        </p:nvSpPr>
+        <p:spPr/>
+      </p:sp>
+      <p:sp>
+        <p:nvSpPr>
+          <p:cNvPr id="3" name="Notizenplatzhalter 2"/>
+          <p:cNvSpPr>
+            <a:spLocks noGrp="1"/>
+          </p:cNvSpPr>
+          <p:nvPr>
+            <p:ph type="body" idx="1"/>
+          </p:nvPr>
+        </p:nvSpPr>
+        <p:spPr/>
+        <p:txBody>
+          <a:bodyPr/>
+          <a:lstStyle/>
+          <a:p>
+            <a:endParaRPr lang="de-DE"/>
+          </a:p>
+        </p:txBody>
+      </p:sp>
+      <p:sp>
+        <p:nvSpPr>
+          <p:cNvPr id="4" name="Foliennummernplatzhalter 3"/>
+          <p:cNvSpPr>
+            <a:spLocks noGrp="1"/>
+          </p:cNvSpPr>
+          <p:nvPr>
+            <p:ph type="sldNum" sz="quarter" idx="10"/>
+          </p:nvPr>
+        </p:nvSpPr>
+        <p:spPr/>
+        <p:txBody>
+          <a:bodyPr/>
+          <a:lstStyle/>
+          <a:p>
+            <a:fld id="{A36B5070-147E-453A-9D66-845762D79ED0}" type="slidenum">
+              <a:rPr lang="de-DE" smtClean="0"/>
+              <a:t>11</a:t>
+            </a:fld>
+            <a:endParaRPr lang="de-DE"/>
+          </a:p>
+        </p:txBody>
+      </p:sp>
+    </p:spTree>
+    <p:extLst>
+      <p:ext uri="{BB962C8B-B14F-4D97-AF65-F5344CB8AC3E}">
+        <p14:creationId xmlns:p14="http://schemas.microsoft.com/office/powerpoint/2010/main" val="2654308605"/>
+      </p:ext>
+    </p:extLst>
+  </p:cSld>
+  <p:clrMapOvr>
+    <a:masterClrMapping/>
+  </p:clrMapOvr>
+</p:notes>
+</file>
+
+<file path=ppt/notesSlides/notesSlide12.xml><?xml version="1.0" encoding="utf-8"?>
+<p:notes xmlns:a="http://schemas.openxmlformats.org/drawingml/2006/main" xmlns:r="http://schemas.openxmlformats.org/officeDocument/2006/relationships" xmlns:p="http://schemas.openxmlformats.org/presentationml/2006/main">
+  <p:cSld>
+    <p:spTree>
+      <p:nvGrpSpPr>
+        <p:cNvPr id="1" name=""/>
+        <p:cNvGrpSpPr/>
+        <p:nvPr/>
+      </p:nvGrpSpPr>
+      <p:grpSpPr>
+        <a:xfrm>
+          <a:off x="0" y="0"/>
+          <a:ext cx="0" cy="0"/>
+          <a:chOff x="0" y="0"/>
+          <a:chExt cx="0" cy="0"/>
+        </a:xfrm>
+      </p:grpSpPr>
+      <p:sp>
+        <p:nvSpPr>
+          <p:cNvPr id="2" name="Folienbildplatzhalter 1"/>
+          <p:cNvSpPr>
+            <a:spLocks noGrp="1" noRot="1" noChangeAspect="1"/>
+          </p:cNvSpPr>
+          <p:nvPr>
+            <p:ph type="sldImg"/>
+          </p:nvPr>
+        </p:nvSpPr>
+        <p:spPr/>
+      </p:sp>
+      <p:sp>
+        <p:nvSpPr>
+          <p:cNvPr id="3" name="Notizenplatzhalter 2"/>
+          <p:cNvSpPr>
+            <a:spLocks noGrp="1"/>
+          </p:cNvSpPr>
+          <p:nvPr>
+            <p:ph type="body" idx="1"/>
+          </p:nvPr>
+        </p:nvSpPr>
+        <p:spPr/>
+        <p:txBody>
+          <a:bodyPr/>
+          <a:lstStyle/>
+          <a:p>
+            <a:endParaRPr lang="de-DE"/>
+          </a:p>
+        </p:txBody>
+      </p:sp>
+      <p:sp>
+        <p:nvSpPr>
+          <p:cNvPr id="4" name="Foliennummernplatzhalter 3"/>
+          <p:cNvSpPr>
+            <a:spLocks noGrp="1"/>
+          </p:cNvSpPr>
+          <p:nvPr>
+            <p:ph type="sldNum" sz="quarter" idx="10"/>
+          </p:nvPr>
+        </p:nvSpPr>
+        <p:spPr/>
+        <p:txBody>
+          <a:bodyPr/>
+          <a:lstStyle/>
+          <a:p>
+            <a:fld id="{A36B5070-147E-453A-9D66-845762D79ED0}" type="slidenum">
+              <a:rPr lang="de-DE" smtClean="0"/>
+              <a:t>12</a:t>
+            </a:fld>
+            <a:endParaRPr lang="de-DE"/>
+          </a:p>
+        </p:txBody>
+      </p:sp>
+    </p:spTree>
+    <p:extLst>
+      <p:ext uri="{BB962C8B-B14F-4D97-AF65-F5344CB8AC3E}">
+        <p14:creationId xmlns:p14="http://schemas.microsoft.com/office/powerpoint/2010/main" val="3824090169"/>
+      </p:ext>
+    </p:extLst>
+  </p:cSld>
+  <p:clrMapOvr>
+    <a:masterClrMapping/>
+  </p:clrMapOvr>
+</p:notes>
+</file>
+
+<file path=ppt/notesSlides/notesSlide13.xml><?xml version="1.0" encoding="utf-8"?>
+<p:notes xmlns:a="http://schemas.openxmlformats.org/drawingml/2006/main" xmlns:r="http://schemas.openxmlformats.org/officeDocument/2006/relationships" xmlns:p="http://schemas.openxmlformats.org/presentationml/2006/main">
+  <p:cSld>
+    <p:spTree>
+      <p:nvGrpSpPr>
+        <p:cNvPr id="1" name=""/>
+        <p:cNvGrpSpPr/>
+        <p:nvPr/>
+      </p:nvGrpSpPr>
+      <p:grpSpPr>
+        <a:xfrm>
+          <a:off x="0" y="0"/>
+          <a:ext cx="0" cy="0"/>
+          <a:chOff x="0" y="0"/>
+          <a:chExt cx="0" cy="0"/>
+        </a:xfrm>
+      </p:grpSpPr>
+      <p:sp>
+        <p:nvSpPr>
+          <p:cNvPr id="2" name="Folienbildplatzhalter 1"/>
+          <p:cNvSpPr>
+            <a:spLocks noGrp="1" noRot="1" noChangeAspect="1"/>
+          </p:cNvSpPr>
+          <p:nvPr>
+            <p:ph type="sldImg"/>
+          </p:nvPr>
+        </p:nvSpPr>
+        <p:spPr/>
+      </p:sp>
+      <p:sp>
+        <p:nvSpPr>
+          <p:cNvPr id="3" name="Notizenplatzhalter 2"/>
+          <p:cNvSpPr>
+            <a:spLocks noGrp="1"/>
+          </p:cNvSpPr>
+          <p:nvPr>
+            <p:ph type="body" idx="1"/>
+          </p:nvPr>
+        </p:nvSpPr>
+        <p:spPr/>
+        <p:txBody>
+          <a:bodyPr/>
+          <a:lstStyle/>
+          <a:p>
+            <a:endParaRPr lang="de-DE"/>
+          </a:p>
+        </p:txBody>
+      </p:sp>
+      <p:sp>
+        <p:nvSpPr>
+          <p:cNvPr id="4" name="Foliennummernplatzhalter 3"/>
+          <p:cNvSpPr>
+            <a:spLocks noGrp="1"/>
+          </p:cNvSpPr>
+          <p:nvPr>
+            <p:ph type="sldNum" sz="quarter" idx="10"/>
+          </p:nvPr>
+        </p:nvSpPr>
+        <p:spPr/>
+        <p:txBody>
+          <a:bodyPr/>
+          <a:lstStyle/>
+          <a:p>
+            <a:fld id="{A36B5070-147E-453A-9D66-845762D79ED0}" type="slidenum">
+              <a:rPr lang="de-DE" smtClean="0"/>
+              <a:t>13</a:t>
+            </a:fld>
+            <a:endParaRPr lang="de-DE"/>
+          </a:p>
+        </p:txBody>
+      </p:sp>
+    </p:spTree>
+    <p:extLst>
+      <p:ext uri="{BB962C8B-B14F-4D97-AF65-F5344CB8AC3E}">
+        <p14:creationId xmlns:p14="http://schemas.microsoft.com/office/powerpoint/2010/main" val="180274757"/>
+      </p:ext>
+    </p:extLst>
+  </p:cSld>
+  <p:clrMapOvr>
+    <a:masterClrMapping/>
+  </p:clrMapOvr>
+</p:notes>
+</file>
+
+<file path=ppt/notesSlides/notesSlide14.xml><?xml version="1.0" encoding="utf-8"?>
+<p:notes xmlns:a="http://schemas.openxmlformats.org/drawingml/2006/main" xmlns:r="http://schemas.openxmlformats.org/officeDocument/2006/relationships" xmlns:p="http://schemas.openxmlformats.org/presentationml/2006/main">
+  <p:cSld>
+    <p:spTree>
+      <p:nvGrpSpPr>
+        <p:cNvPr id="1" name=""/>
+        <p:cNvGrpSpPr/>
+        <p:nvPr/>
+      </p:nvGrpSpPr>
+      <p:grpSpPr>
+        <a:xfrm>
+          <a:off x="0" y="0"/>
+          <a:ext cx="0" cy="0"/>
+          <a:chOff x="0" y="0"/>
+          <a:chExt cx="0" cy="0"/>
+        </a:xfrm>
+      </p:grpSpPr>
+      <p:sp>
+        <p:nvSpPr>
+          <p:cNvPr id="2" name="Folienbildplatzhalter 1"/>
+          <p:cNvSpPr>
+            <a:spLocks noGrp="1" noRot="1" noChangeAspect="1"/>
+          </p:cNvSpPr>
+          <p:nvPr>
+            <p:ph type="sldImg"/>
+          </p:nvPr>
+        </p:nvSpPr>
+        <p:spPr/>
+      </p:sp>
+      <p:sp>
+        <p:nvSpPr>
+          <p:cNvPr id="3" name="Notizenplatzhalter 2"/>
+          <p:cNvSpPr>
+            <a:spLocks noGrp="1"/>
+          </p:cNvSpPr>
+          <p:nvPr>
+            <p:ph type="body" idx="1"/>
+          </p:nvPr>
+        </p:nvSpPr>
+        <p:spPr/>
+        <p:txBody>
+          <a:bodyPr/>
+          <a:lstStyle/>
+          <a:p>
+            <a:endParaRPr lang="de-DE"/>
+          </a:p>
+        </p:txBody>
+      </p:sp>
+      <p:sp>
+        <p:nvSpPr>
+          <p:cNvPr id="4" name="Foliennummernplatzhalter 3"/>
+          <p:cNvSpPr>
+            <a:spLocks noGrp="1"/>
+          </p:cNvSpPr>
+          <p:nvPr>
+            <p:ph type="sldNum" sz="quarter" idx="10"/>
+          </p:nvPr>
+        </p:nvSpPr>
+        <p:spPr/>
+        <p:txBody>
+          <a:bodyPr/>
+          <a:lstStyle/>
+          <a:p>
+            <a:fld id="{A36B5070-147E-453A-9D66-845762D79ED0}" type="slidenum">
+              <a:rPr lang="de-DE" smtClean="0"/>
+              <a:t>14</a:t>
+            </a:fld>
+            <a:endParaRPr lang="de-DE"/>
+          </a:p>
+        </p:txBody>
+      </p:sp>
+    </p:spTree>
+    <p:extLst>
+      <p:ext uri="{BB962C8B-B14F-4D97-AF65-F5344CB8AC3E}">
+        <p14:creationId xmlns:p14="http://schemas.microsoft.com/office/powerpoint/2010/main" val="1902177289"/>
+      </p:ext>
+    </p:extLst>
+  </p:cSld>
+  <p:clrMapOvr>
+    <a:masterClrMapping/>
+  </p:clrMapOvr>
+</p:notes>
+</file>
+
+<file path=ppt/notesSlides/notesSlide15.xml><?xml version="1.0" encoding="utf-8"?>
+<p:notes xmlns:a="http://schemas.openxmlformats.org/drawingml/2006/main" xmlns:r="http://schemas.openxmlformats.org/officeDocument/2006/relationships" xmlns:p="http://schemas.openxmlformats.org/presentationml/2006/main">
+  <p:cSld>
+    <p:spTree>
+      <p:nvGrpSpPr>
+        <p:cNvPr id="1" name=""/>
+        <p:cNvGrpSpPr/>
+        <p:nvPr/>
+      </p:nvGrpSpPr>
+      <p:grpSpPr>
+        <a:xfrm>
+          <a:off x="0" y="0"/>
+          <a:ext cx="0" cy="0"/>
+          <a:chOff x="0" y="0"/>
+          <a:chExt cx="0" cy="0"/>
+        </a:xfrm>
+      </p:grpSpPr>
+      <p:sp>
+        <p:nvSpPr>
+          <p:cNvPr id="2" name="Folienbildplatzhalter 1"/>
+          <p:cNvSpPr>
+            <a:spLocks noGrp="1" noRot="1" noChangeAspect="1"/>
+          </p:cNvSpPr>
+          <p:nvPr>
+            <p:ph type="sldImg"/>
+          </p:nvPr>
+        </p:nvSpPr>
+        <p:spPr/>
+      </p:sp>
+      <p:sp>
+        <p:nvSpPr>
+          <p:cNvPr id="3" name="Notizenplatzhalter 2"/>
+          <p:cNvSpPr>
+            <a:spLocks noGrp="1"/>
+          </p:cNvSpPr>
+          <p:nvPr>
+            <p:ph type="body" idx="1"/>
+          </p:nvPr>
+        </p:nvSpPr>
+        <p:spPr/>
+        <p:txBody>
+          <a:bodyPr/>
+          <a:lstStyle/>
+          <a:p>
+            <a:endParaRPr lang="de-DE"/>
+          </a:p>
+        </p:txBody>
+      </p:sp>
+      <p:sp>
+        <p:nvSpPr>
+          <p:cNvPr id="4" name="Foliennummernplatzhalter 3"/>
+          <p:cNvSpPr>
+            <a:spLocks noGrp="1"/>
+          </p:cNvSpPr>
+          <p:nvPr>
+            <p:ph type="sldNum" sz="quarter" idx="10"/>
+          </p:nvPr>
+        </p:nvSpPr>
+        <p:spPr/>
+        <p:txBody>
+          <a:bodyPr/>
+          <a:lstStyle/>
+          <a:p>
+            <a:fld id="{A36B5070-147E-453A-9D66-845762D79ED0}" type="slidenum">
+              <a:rPr lang="de-DE" smtClean="0"/>
+              <a:t>15</a:t>
+            </a:fld>
+            <a:endParaRPr lang="de-DE"/>
+          </a:p>
+        </p:txBody>
+      </p:sp>
+    </p:spTree>
+    <p:extLst>
+      <p:ext uri="{BB962C8B-B14F-4D97-AF65-F5344CB8AC3E}">
+        <p14:creationId xmlns:p14="http://schemas.microsoft.com/office/powerpoint/2010/main" val="2513844918"/>
+      </p:ext>
+    </p:extLst>
+  </p:cSld>
+  <p:clrMapOvr>
+    <a:masterClrMapping/>
+  </p:clrMapOvr>
+</p:notes>
+</file>
+
+<file path=ppt/notesSlides/notesSlide16.xml><?xml version="1.0" encoding="utf-8"?>
+<p:notes xmlns:a="http://schemas.openxmlformats.org/drawingml/2006/main" xmlns:r="http://schemas.openxmlformats.org/officeDocument/2006/relationships" xmlns:p="http://schemas.openxmlformats.org/presentationml/2006/main">
+  <p:cSld>
+    <p:spTree>
+      <p:nvGrpSpPr>
+        <p:cNvPr id="1" name=""/>
+        <p:cNvGrpSpPr/>
+        <p:nvPr/>
+      </p:nvGrpSpPr>
+      <p:grpSpPr>
+        <a:xfrm>
+          <a:off x="0" y="0"/>
+          <a:ext cx="0" cy="0"/>
+          <a:chOff x="0" y="0"/>
+          <a:chExt cx="0" cy="0"/>
+        </a:xfrm>
+      </p:grpSpPr>
+      <p:sp>
+        <p:nvSpPr>
+          <p:cNvPr id="2" name="Folienbildplatzhalter 1"/>
+          <p:cNvSpPr>
+            <a:spLocks noGrp="1" noRot="1" noChangeAspect="1"/>
+          </p:cNvSpPr>
+          <p:nvPr>
+            <p:ph type="sldImg"/>
+          </p:nvPr>
+        </p:nvSpPr>
+        <p:spPr/>
+      </p:sp>
+      <p:sp>
+        <p:nvSpPr>
+          <p:cNvPr id="3" name="Notizenplatzhalter 2"/>
+          <p:cNvSpPr>
+            <a:spLocks noGrp="1"/>
+          </p:cNvSpPr>
+          <p:nvPr>
+            <p:ph type="body" idx="1"/>
+          </p:nvPr>
+        </p:nvSpPr>
+        <p:spPr/>
+        <p:txBody>
+          <a:bodyPr/>
+          <a:lstStyle/>
+          <a:p>
+            <a:endParaRPr lang="de-DE"/>
+          </a:p>
+        </p:txBody>
+      </p:sp>
+      <p:sp>
+        <p:nvSpPr>
+          <p:cNvPr id="4" name="Foliennummernplatzhalter 3"/>
+          <p:cNvSpPr>
+            <a:spLocks noGrp="1"/>
+          </p:cNvSpPr>
+          <p:nvPr>
+            <p:ph type="sldNum" sz="quarter" idx="10"/>
+          </p:nvPr>
+        </p:nvSpPr>
+        <p:spPr/>
+        <p:txBody>
+          <a:bodyPr/>
+          <a:lstStyle/>
+          <a:p>
+            <a:fld id="{A36B5070-147E-453A-9D66-845762D79ED0}" type="slidenum">
+              <a:rPr lang="de-DE" smtClean="0"/>
+              <a:t>16</a:t>
+            </a:fld>
+            <a:endParaRPr lang="de-DE"/>
+          </a:p>
+        </p:txBody>
+      </p:sp>
+    </p:spTree>
+    <p:extLst>
+      <p:ext uri="{BB962C8B-B14F-4D97-AF65-F5344CB8AC3E}">
+        <p14:creationId xmlns:p14="http://schemas.microsoft.com/office/powerpoint/2010/main" val="1913503462"/>
+      </p:ext>
+    </p:extLst>
+  </p:cSld>
+  <p:clrMapOvr>
+    <a:masterClrMapping/>
+  </p:clrMapOvr>
+</p:notes>
+</file>
+
+<file path=ppt/notesSlides/notesSlide17.xml><?xml version="1.0" encoding="utf-8"?>
+<p:notes xmlns:a="http://schemas.openxmlformats.org/drawingml/2006/main" xmlns:r="http://schemas.openxmlformats.org/officeDocument/2006/relationships" xmlns:p="http://schemas.openxmlformats.org/presentationml/2006/main">
+  <p:cSld>
+    <p:spTree>
+      <p:nvGrpSpPr>
+        <p:cNvPr id="1" name=""/>
+        <p:cNvGrpSpPr/>
+        <p:nvPr/>
+      </p:nvGrpSpPr>
+      <p:grpSpPr>
+        <a:xfrm>
+          <a:off x="0" y="0"/>
+          <a:ext cx="0" cy="0"/>
+          <a:chOff x="0" y="0"/>
+          <a:chExt cx="0" cy="0"/>
+        </a:xfrm>
+      </p:grpSpPr>
+      <p:sp>
+        <p:nvSpPr>
+          <p:cNvPr id="2" name="Folienbildplatzhalter 1"/>
+          <p:cNvSpPr>
+            <a:spLocks noGrp="1" noRot="1" noChangeAspect="1"/>
+          </p:cNvSpPr>
+          <p:nvPr>
+            <p:ph type="sldImg"/>
+          </p:nvPr>
+        </p:nvSpPr>
+        <p:spPr/>
+      </p:sp>
+      <p:sp>
+        <p:nvSpPr>
+          <p:cNvPr id="3" name="Notizenplatzhalter 2"/>
+          <p:cNvSpPr>
+            <a:spLocks noGrp="1"/>
+          </p:cNvSpPr>
+          <p:nvPr>
+            <p:ph type="body" idx="1"/>
+          </p:nvPr>
+        </p:nvSpPr>
+        <p:spPr/>
+        <p:txBody>
+          <a:bodyPr/>
+          <a:lstStyle/>
+          <a:p>
+            <a:endParaRPr lang="de-DE"/>
+          </a:p>
+        </p:txBody>
+      </p:sp>
+      <p:sp>
+        <p:nvSpPr>
+          <p:cNvPr id="4" name="Foliennummernplatzhalter 3"/>
+          <p:cNvSpPr>
+            <a:spLocks noGrp="1"/>
+          </p:cNvSpPr>
+          <p:nvPr>
+            <p:ph type="sldNum" sz="quarter" idx="10"/>
+          </p:nvPr>
+        </p:nvSpPr>
+        <p:spPr/>
+        <p:txBody>
+          <a:bodyPr/>
+          <a:lstStyle/>
+          <a:p>
+            <a:fld id="{A36B5070-147E-453A-9D66-845762D79ED0}" type="slidenum">
+              <a:rPr lang="de-DE" smtClean="0"/>
+              <a:t>17</a:t>
+            </a:fld>
+            <a:endParaRPr lang="de-DE"/>
+          </a:p>
+        </p:txBody>
+      </p:sp>
+    </p:spTree>
+    <p:extLst>
+      <p:ext uri="{BB962C8B-B14F-4D97-AF65-F5344CB8AC3E}">
+        <p14:creationId xmlns:p14="http://schemas.microsoft.com/office/powerpoint/2010/main" val="3406235661"/>
+      </p:ext>
+    </p:extLst>
+  </p:cSld>
+  <p:clrMapOvr>
+    <a:masterClrMapping/>
+  </p:clrMapOvr>
+</p:notes>
+</file>
+
+<file path=ppt/notesSlides/notesSlide18.xml><?xml version="1.0" encoding="utf-8"?>
+<p:notes xmlns:a="http://schemas.openxmlformats.org/drawingml/2006/main" xmlns:r="http://schemas.openxmlformats.org/officeDocument/2006/relationships" xmlns:p="http://schemas.openxmlformats.org/presentationml/2006/main">
+  <p:cSld>
+    <p:spTree>
+      <p:nvGrpSpPr>
+        <p:cNvPr id="1" name=""/>
+        <p:cNvGrpSpPr/>
+        <p:nvPr/>
+      </p:nvGrpSpPr>
+      <p:grpSpPr>
+        <a:xfrm>
+          <a:off x="0" y="0"/>
+          <a:ext cx="0" cy="0"/>
+          <a:chOff x="0" y="0"/>
+          <a:chExt cx="0" cy="0"/>
+        </a:xfrm>
+      </p:grpSpPr>
+      <p:sp>
+        <p:nvSpPr>
+          <p:cNvPr id="2" name="Folienbildplatzhalter 1"/>
+          <p:cNvSpPr>
+            <a:spLocks noGrp="1" noRot="1" noChangeAspect="1"/>
+          </p:cNvSpPr>
+          <p:nvPr>
+            <p:ph type="sldImg"/>
+          </p:nvPr>
+        </p:nvSpPr>
+        <p:spPr/>
+      </p:sp>
+      <p:sp>
+        <p:nvSpPr>
+          <p:cNvPr id="3" name="Notizenplatzhalter 2"/>
+          <p:cNvSpPr>
+            <a:spLocks noGrp="1"/>
+          </p:cNvSpPr>
+          <p:nvPr>
+            <p:ph type="body" idx="1"/>
+          </p:nvPr>
+        </p:nvSpPr>
+        <p:spPr/>
+        <p:txBody>
+          <a:bodyPr/>
+          <a:lstStyle/>
+          <a:p>
+            <a:endParaRPr lang="de-DE"/>
+          </a:p>
+        </p:txBody>
+      </p:sp>
+      <p:sp>
+        <p:nvSpPr>
+          <p:cNvPr id="4" name="Foliennummernplatzhalter 3"/>
+          <p:cNvSpPr>
+            <a:spLocks noGrp="1"/>
+          </p:cNvSpPr>
+          <p:nvPr>
+            <p:ph type="sldNum" sz="quarter" idx="10"/>
+          </p:nvPr>
+        </p:nvSpPr>
+        <p:spPr/>
+        <p:txBody>
+          <a:bodyPr/>
+          <a:lstStyle/>
+          <a:p>
+            <a:fld id="{A36B5070-147E-453A-9D66-845762D79ED0}" type="slidenum">
+              <a:rPr lang="de-DE" smtClean="0"/>
+              <a:t>18</a:t>
+            </a:fld>
+            <a:endParaRPr lang="de-DE"/>
+          </a:p>
+        </p:txBody>
+      </p:sp>
+    </p:spTree>
+    <p:extLst>
+      <p:ext uri="{BB962C8B-B14F-4D97-AF65-F5344CB8AC3E}">
+        <p14:creationId xmlns:p14="http://schemas.microsoft.com/office/powerpoint/2010/main" val="2905253427"/>
+      </p:ext>
+    </p:extLst>
+  </p:cSld>
+  <p:clrMapOvr>
+    <a:masterClrMapping/>
+  </p:clrMapOvr>
+</p:notes>
+</file>
+
+<file path=ppt/notesSlides/notesSlide19.xml><?xml version="1.0" encoding="utf-8"?>
+<p:notes xmlns:a="http://schemas.openxmlformats.org/drawingml/2006/main" xmlns:r="http://schemas.openxmlformats.org/officeDocument/2006/relationships" xmlns:p="http://schemas.openxmlformats.org/presentationml/2006/main">
+  <p:cSld>
+    <p:spTree>
+      <p:nvGrpSpPr>
+        <p:cNvPr id="1" name=""/>
+        <p:cNvGrpSpPr/>
+        <p:nvPr/>
+      </p:nvGrpSpPr>
+      <p:grpSpPr>
+        <a:xfrm>
+          <a:off x="0" y="0"/>
+          <a:ext cx="0" cy="0"/>
+          <a:chOff x="0" y="0"/>
+          <a:chExt cx="0" cy="0"/>
+        </a:xfrm>
+      </p:grpSpPr>
+      <p:sp>
+        <p:nvSpPr>
+          <p:cNvPr id="2" name="Folienbildplatzhalter 1"/>
+          <p:cNvSpPr>
+            <a:spLocks noGrp="1" noRot="1" noChangeAspect="1"/>
+          </p:cNvSpPr>
+          <p:nvPr>
+            <p:ph type="sldImg"/>
+          </p:nvPr>
+        </p:nvSpPr>
+        <p:spPr/>
+      </p:sp>
+      <p:sp>
+        <p:nvSpPr>
+          <p:cNvPr id="3" name="Notizenplatzhalter 2"/>
+          <p:cNvSpPr>
+            <a:spLocks noGrp="1"/>
+          </p:cNvSpPr>
+          <p:nvPr>
+            <p:ph type="body" idx="1"/>
+          </p:nvPr>
+        </p:nvSpPr>
+        <p:spPr/>
+        <p:txBody>
+          <a:bodyPr/>
+          <a:lstStyle/>
+          <a:p>
+            <a:endParaRPr lang="de-DE"/>
+          </a:p>
+        </p:txBody>
+      </p:sp>
+      <p:sp>
+        <p:nvSpPr>
+          <p:cNvPr id="4" name="Foliennummernplatzhalter 3"/>
+          <p:cNvSpPr>
+            <a:spLocks noGrp="1"/>
+          </p:cNvSpPr>
+          <p:nvPr>
+            <p:ph type="sldNum" sz="quarter" idx="10"/>
+          </p:nvPr>
+        </p:nvSpPr>
+        <p:spPr/>
+        <p:txBody>
+          <a:bodyPr/>
+          <a:lstStyle/>
+          <a:p>
+            <a:fld id="{A36B5070-147E-453A-9D66-845762D79ED0}" type="slidenum">
+              <a:rPr lang="de-DE" smtClean="0"/>
+              <a:t>19</a:t>
+            </a:fld>
+            <a:endParaRPr lang="de-DE"/>
+          </a:p>
+        </p:txBody>
+      </p:sp>
+    </p:spTree>
+    <p:extLst>
+      <p:ext uri="{BB962C8B-B14F-4D97-AF65-F5344CB8AC3E}">
+        <p14:creationId xmlns:p14="http://schemas.microsoft.com/office/powerpoint/2010/main" val="4287349883"/>
       </p:ext>
     </p:extLst>
   </p:cSld>
@@ -638,67 +1455,27 @@
           <a:p>
             <a:r>
               <a:rPr lang="de-DE" dirty="0"/>
-              <a:t>-</a:t>
+              <a:t>-Sehr abstrakte Sprache, wenn es etwas nicht gibt kann man es dazu schreiben</a:t>
+            </a:r>
+          </a:p>
+          <a:p>
+            <a:r>
+              <a:rPr lang="de-DE" dirty="0"/>
+              <a:t>-Hardware direkt ansprechbar</a:t>
+            </a:r>
+          </a:p>
+          <a:p>
+            <a:r>
+              <a:rPr lang="de-DE" dirty="0"/>
+              <a:t>-Viele verschiedene Sprachkonzepte enthalten (</a:t>
             </a:r>
             <a:r>
               <a:rPr lang="de-DE" dirty="0" err="1"/>
-              <a:t>Hanging</a:t>
+              <a:t>Templates,preprocessor,etc</a:t>
             </a:r>
             <a:r>
               <a:rPr lang="de-DE" dirty="0"/>
-              <a:t> Pointer</a:t>
-            </a:r>
-          </a:p>
-          <a:p>
-            <a:r>
-              <a:rPr lang="de-DE" dirty="0"/>
-              <a:t>-Memory </a:t>
-            </a:r>
-            <a:r>
-              <a:rPr lang="de-DE" dirty="0" err="1"/>
-              <a:t>Leak</a:t>
-            </a:r>
-            <a:endParaRPr lang="de-DE" dirty="0"/>
-          </a:p>
-          <a:p>
-            <a:r>
-              <a:rPr lang="de-DE" dirty="0"/>
-              <a:t>-impliziertes </a:t>
-            </a:r>
-            <a:r>
-              <a:rPr lang="de-DE" dirty="0" err="1"/>
-              <a:t>casten</a:t>
-            </a:r>
-            <a:endParaRPr lang="de-DE" dirty="0"/>
-          </a:p>
-          <a:p>
-            <a:r>
-              <a:rPr lang="de-DE" dirty="0"/>
-              <a:t>-keine </a:t>
-            </a:r>
-            <a:r>
-              <a:rPr lang="de-DE" dirty="0" err="1"/>
-              <a:t>übeprüfung</a:t>
-            </a:r>
-            <a:r>
-              <a:rPr lang="de-DE" dirty="0"/>
-              <a:t> ob auf </a:t>
-            </a:r>
-            <a:r>
-              <a:rPr lang="de-DE" dirty="0" err="1"/>
-              <a:t>größe</a:t>
-            </a:r>
-            <a:r>
-              <a:rPr lang="de-DE" dirty="0"/>
-              <a:t> von </a:t>
-            </a:r>
-            <a:r>
-              <a:rPr lang="de-DE" dirty="0" err="1"/>
-              <a:t>containern</a:t>
-            </a:r>
-            <a:r>
-              <a:rPr lang="de-DE" dirty="0"/>
-              <a:t> etc.</a:t>
+              <a:t>.)</a:t>
             </a:r>
           </a:p>
         </p:txBody>
@@ -720,7 +1497,7 @@
           <a:p>
             <a:fld id="{A36B5070-147E-453A-9D66-845762D79ED0}" type="slidenum">
               <a:rPr lang="de-DE" smtClean="0"/>
-              <a:t>3</a:t>
+              <a:t>2</a:t>
             </a:fld>
             <a:endParaRPr lang="de-DE"/>
           </a:p>
@@ -729,7 +1506,175 @@
     </p:spTree>
     <p:extLst>
       <p:ext uri="{BB962C8B-B14F-4D97-AF65-F5344CB8AC3E}">
-        <p14:creationId xmlns:p14="http://schemas.microsoft.com/office/powerpoint/2010/main" val="2776674935"/>
+        <p14:creationId xmlns:p14="http://schemas.microsoft.com/office/powerpoint/2010/main" val="3634697197"/>
+      </p:ext>
+    </p:extLst>
+  </p:cSld>
+  <p:clrMapOvr>
+    <a:masterClrMapping/>
+  </p:clrMapOvr>
+</p:notes>
+</file>
+
+<file path=ppt/notesSlides/notesSlide20.xml><?xml version="1.0" encoding="utf-8"?>
+<p:notes xmlns:a="http://schemas.openxmlformats.org/drawingml/2006/main" xmlns:r="http://schemas.openxmlformats.org/officeDocument/2006/relationships" xmlns:p="http://schemas.openxmlformats.org/presentationml/2006/main">
+  <p:cSld>
+    <p:spTree>
+      <p:nvGrpSpPr>
+        <p:cNvPr id="1" name=""/>
+        <p:cNvGrpSpPr/>
+        <p:nvPr/>
+      </p:nvGrpSpPr>
+      <p:grpSpPr>
+        <a:xfrm>
+          <a:off x="0" y="0"/>
+          <a:ext cx="0" cy="0"/>
+          <a:chOff x="0" y="0"/>
+          <a:chExt cx="0" cy="0"/>
+        </a:xfrm>
+      </p:grpSpPr>
+      <p:sp>
+        <p:nvSpPr>
+          <p:cNvPr id="2" name="Folienbildplatzhalter 1"/>
+          <p:cNvSpPr>
+            <a:spLocks noGrp="1" noRot="1" noChangeAspect="1"/>
+          </p:cNvSpPr>
+          <p:nvPr>
+            <p:ph type="sldImg"/>
+          </p:nvPr>
+        </p:nvSpPr>
+        <p:spPr/>
+      </p:sp>
+      <p:sp>
+        <p:nvSpPr>
+          <p:cNvPr id="3" name="Notizenplatzhalter 2"/>
+          <p:cNvSpPr>
+            <a:spLocks noGrp="1"/>
+          </p:cNvSpPr>
+          <p:nvPr>
+            <p:ph type="body" idx="1"/>
+          </p:nvPr>
+        </p:nvSpPr>
+        <p:spPr/>
+        <p:txBody>
+          <a:bodyPr/>
+          <a:lstStyle/>
+          <a:p>
+            <a:endParaRPr lang="de-DE"/>
+          </a:p>
+        </p:txBody>
+      </p:sp>
+      <p:sp>
+        <p:nvSpPr>
+          <p:cNvPr id="4" name="Foliennummernplatzhalter 3"/>
+          <p:cNvSpPr>
+            <a:spLocks noGrp="1"/>
+          </p:cNvSpPr>
+          <p:nvPr>
+            <p:ph type="sldNum" sz="quarter" idx="10"/>
+          </p:nvPr>
+        </p:nvSpPr>
+        <p:spPr/>
+        <p:txBody>
+          <a:bodyPr/>
+          <a:lstStyle/>
+          <a:p>
+            <a:fld id="{A36B5070-147E-453A-9D66-845762D79ED0}" type="slidenum">
+              <a:rPr lang="de-DE" smtClean="0"/>
+              <a:t>20</a:t>
+            </a:fld>
+            <a:endParaRPr lang="de-DE"/>
+          </a:p>
+        </p:txBody>
+      </p:sp>
+    </p:spTree>
+    <p:extLst>
+      <p:ext uri="{BB962C8B-B14F-4D97-AF65-F5344CB8AC3E}">
+        <p14:creationId xmlns:p14="http://schemas.microsoft.com/office/powerpoint/2010/main" val="3799649357"/>
+      </p:ext>
+    </p:extLst>
+  </p:cSld>
+  <p:clrMapOvr>
+    <a:masterClrMapping/>
+  </p:clrMapOvr>
+</p:notes>
+</file>
+
+<file path=ppt/notesSlides/notesSlide21.xml><?xml version="1.0" encoding="utf-8"?>
+<p:notes xmlns:a="http://schemas.openxmlformats.org/drawingml/2006/main" xmlns:r="http://schemas.openxmlformats.org/officeDocument/2006/relationships" xmlns:p="http://schemas.openxmlformats.org/presentationml/2006/main">
+  <p:cSld>
+    <p:spTree>
+      <p:nvGrpSpPr>
+        <p:cNvPr id="1" name=""/>
+        <p:cNvGrpSpPr/>
+        <p:nvPr/>
+      </p:nvGrpSpPr>
+      <p:grpSpPr>
+        <a:xfrm>
+          <a:off x="0" y="0"/>
+          <a:ext cx="0" cy="0"/>
+          <a:chOff x="0" y="0"/>
+          <a:chExt cx="0" cy="0"/>
+        </a:xfrm>
+      </p:grpSpPr>
+      <p:sp>
+        <p:nvSpPr>
+          <p:cNvPr id="2" name="Folienbildplatzhalter 1"/>
+          <p:cNvSpPr>
+            <a:spLocks noGrp="1" noRot="1" noChangeAspect="1"/>
+          </p:cNvSpPr>
+          <p:nvPr>
+            <p:ph type="sldImg"/>
+          </p:nvPr>
+        </p:nvSpPr>
+        <p:spPr/>
+      </p:sp>
+      <p:sp>
+        <p:nvSpPr>
+          <p:cNvPr id="3" name="Notizenplatzhalter 2"/>
+          <p:cNvSpPr>
+            <a:spLocks noGrp="1"/>
+          </p:cNvSpPr>
+          <p:nvPr>
+            <p:ph type="body" idx="1"/>
+          </p:nvPr>
+        </p:nvSpPr>
+        <p:spPr/>
+        <p:txBody>
+          <a:bodyPr/>
+          <a:lstStyle/>
+          <a:p>
+            <a:endParaRPr lang="de-DE"/>
+          </a:p>
+        </p:txBody>
+      </p:sp>
+      <p:sp>
+        <p:nvSpPr>
+          <p:cNvPr id="4" name="Foliennummernplatzhalter 3"/>
+          <p:cNvSpPr>
+            <a:spLocks noGrp="1"/>
+          </p:cNvSpPr>
+          <p:nvPr>
+            <p:ph type="sldNum" sz="quarter" idx="10"/>
+          </p:nvPr>
+        </p:nvSpPr>
+        <p:spPr/>
+        <p:txBody>
+          <a:bodyPr/>
+          <a:lstStyle/>
+          <a:p>
+            <a:fld id="{A36B5070-147E-453A-9D66-845762D79ED0}" type="slidenum">
+              <a:rPr lang="de-DE" smtClean="0"/>
+              <a:t>21</a:t>
+            </a:fld>
+            <a:endParaRPr lang="de-DE"/>
+          </a:p>
+        </p:txBody>
+      </p:sp>
+    </p:spTree>
+    <p:extLst>
+      <p:ext uri="{BB962C8B-B14F-4D97-AF65-F5344CB8AC3E}">
+        <p14:creationId xmlns:p14="http://schemas.microsoft.com/office/powerpoint/2010/main" val="1905949527"/>
       </p:ext>
     </p:extLst>
   </p:cSld>
@@ -783,29 +1728,69 @@
           <a:bodyPr/>
           <a:lstStyle/>
           <a:p>
-            <a:pPr marL="228600" indent="-228600">
-              <a:buAutoNum type="arabicPeriod"/>
-            </a:pPr>
             <a:r>
               <a:rPr lang="de-DE" dirty="0"/>
-              <a:t>Pointer zu variable von typ type, </a:t>
+              <a:t>-</a:t>
             </a:r>
             <a:r>
               <a:rPr lang="de-DE" dirty="0" err="1"/>
-              <a:t>pointer</a:t>
+              <a:t>Hanging</a:t>
             </a:r>
             <a:r>
               <a:rPr lang="de-DE" dirty="0"/>
-              <a:t> ans ende der variable</a:t>
-            </a:r>
-          </a:p>
-          <a:p>
-            <a:pPr marL="228600" indent="-228600">
-              <a:buAutoNum type="arabicPeriod"/>
-            </a:pPr>
+              <a:t> Pointer</a:t>
+            </a:r>
+          </a:p>
+          <a:p>
             <a:r>
               <a:rPr lang="de-DE" dirty="0"/>
-              <a:t>Schnelle inverse Wurzel (Wurde im Spiel Quake 3 verwendet)</a:t>
+              <a:t>-Memory </a:t>
+            </a:r>
+            <a:r>
+              <a:rPr lang="de-DE" dirty="0" err="1"/>
+              <a:t>Leak</a:t>
+            </a:r>
+            <a:endParaRPr lang="de-DE" dirty="0"/>
+          </a:p>
+          <a:p>
+            <a:r>
+              <a:rPr lang="de-DE" dirty="0"/>
+              <a:t>-impliziertes </a:t>
+            </a:r>
+            <a:r>
+              <a:rPr lang="de-DE" dirty="0" err="1"/>
+              <a:t>casten</a:t>
+            </a:r>
+            <a:endParaRPr lang="de-DE" dirty="0"/>
+          </a:p>
+          <a:p>
+            <a:r>
+              <a:rPr lang="de-DE" dirty="0"/>
+              <a:t>-keine </a:t>
+            </a:r>
+            <a:r>
+              <a:rPr lang="de-DE" dirty="0" err="1"/>
+              <a:t>übeprüfung</a:t>
+            </a:r>
+            <a:r>
+              <a:rPr lang="de-DE" dirty="0"/>
+              <a:t> ob auf </a:t>
+            </a:r>
+            <a:r>
+              <a:rPr lang="de-DE" dirty="0" err="1"/>
+              <a:t>größe</a:t>
+            </a:r>
+            <a:r>
+              <a:rPr lang="de-DE" dirty="0"/>
+              <a:t> von </a:t>
+            </a:r>
+            <a:r>
+              <a:rPr lang="de-DE" dirty="0" err="1"/>
+              <a:t>containern</a:t>
+            </a:r>
+            <a:r>
+              <a:rPr lang="de-DE" dirty="0"/>
+              <a:t> etc.</a:t>
             </a:r>
           </a:p>
         </p:txBody>
@@ -827,7 +1812,7 @@
           <a:p>
             <a:fld id="{A36B5070-147E-453A-9D66-845762D79ED0}" type="slidenum">
               <a:rPr lang="de-DE" smtClean="0"/>
-              <a:t>4</a:t>
+              <a:t>3</a:t>
             </a:fld>
             <a:endParaRPr lang="de-DE"/>
           </a:p>
@@ -836,7 +1821,7 @@
     </p:spTree>
     <p:extLst>
       <p:ext uri="{BB962C8B-B14F-4D97-AF65-F5344CB8AC3E}">
-        <p14:creationId xmlns:p14="http://schemas.microsoft.com/office/powerpoint/2010/main" val="246179751"/>
+        <p14:creationId xmlns:p14="http://schemas.microsoft.com/office/powerpoint/2010/main" val="2776674935"/>
       </p:ext>
     </p:extLst>
   </p:cSld>
@@ -890,87 +1875,29 @@
           <a:bodyPr/>
           <a:lstStyle/>
           <a:p>
-            <a:pPr marL="171450" indent="-171450">
-              <a:buFontTx/>
-              <a:buChar char="-"/>
+            <a:pPr marL="228600" indent="-228600">
+              <a:buAutoNum type="arabicPeriod"/>
             </a:pPr>
             <a:r>
               <a:rPr lang="de-DE" dirty="0"/>
-              <a:t>C++ ist hat grade durch seine Vielzahl an Bibliotheken Vorteile</a:t>
-            </a:r>
-          </a:p>
-          <a:p>
-            <a:pPr marL="171450" indent="-171450">
-              <a:buFontTx/>
-              <a:buChar char="-"/>
+              <a:t>Pointer zu variable von typ type, </a:t>
+            </a:r>
+            <a:r>
+              <a:rPr lang="de-DE" dirty="0" err="1"/>
+              <a:t>pointer</a:t>
+            </a:r>
+            <a:r>
+              <a:rPr lang="de-DE" dirty="0"/>
+              <a:t> ans ende der variable</a:t>
+            </a:r>
+          </a:p>
+          <a:p>
+            <a:pPr marL="228600" indent="-228600">
+              <a:buAutoNum type="arabicPeriod"/>
             </a:pPr>
             <a:r>
-              <a:rPr lang="de-DE" dirty="0" err="1"/>
-              <a:t>Boost</a:t>
-            </a:r>
-            <a:r>
               <a:rPr lang="de-DE" dirty="0"/>
-              <a:t> für:</a:t>
-            </a:r>
-          </a:p>
-          <a:p>
-            <a:pPr marL="628650" lvl="1" indent="-171450">
-              <a:buFontTx/>
-              <a:buChar char="-"/>
-            </a:pPr>
-            <a:r>
-              <a:rPr lang="de-DE" dirty="0"/>
-              <a:t>Funktionale Programmierung</a:t>
-            </a:r>
-          </a:p>
-          <a:p>
-            <a:pPr marL="628650" lvl="1" indent="-171450">
-              <a:buFontTx/>
-              <a:buChar char="-"/>
-            </a:pPr>
-            <a:r>
-              <a:rPr lang="de-DE" dirty="0"/>
-              <a:t>Datenstrukturen</a:t>
-            </a:r>
-          </a:p>
-          <a:p>
-            <a:pPr marL="628650" lvl="1" indent="-171450">
-              <a:buFontTx/>
-              <a:buChar char="-"/>
-            </a:pPr>
-            <a:r>
-              <a:rPr lang="de-DE" dirty="0"/>
-              <a:t>Algorithmen</a:t>
-            </a:r>
-          </a:p>
-          <a:p>
-            <a:pPr marL="628650" lvl="1" indent="-171450">
-              <a:buFontTx/>
-              <a:buChar char="-"/>
-            </a:pPr>
-            <a:r>
-              <a:rPr lang="de-DE" dirty="0"/>
-              <a:t>Zeitangaben</a:t>
-            </a:r>
-          </a:p>
-          <a:p>
-            <a:pPr marL="628650" lvl="1" indent="-171450">
-              <a:buFontTx/>
-              <a:buChar char="-"/>
-            </a:pPr>
-            <a:r>
-              <a:rPr lang="de-DE" dirty="0"/>
-              <a:t>Generische Programmierung</a:t>
-            </a:r>
-          </a:p>
-          <a:p>
-            <a:pPr marL="628650" lvl="1" indent="-171450">
-              <a:buFontTx/>
-              <a:buChar char="-"/>
-            </a:pPr>
-            <a:r>
-              <a:rPr lang="de-DE" dirty="0"/>
-              <a:t>Etc.</a:t>
+              <a:t>Schnelle inverse Wurzel (Wurde im Spiel Quake 3 verwendet)</a:t>
             </a:r>
           </a:p>
         </p:txBody>
@@ -992,7 +1919,7 @@
           <a:p>
             <a:fld id="{A36B5070-147E-453A-9D66-845762D79ED0}" type="slidenum">
               <a:rPr lang="de-DE" smtClean="0"/>
-              <a:t>5</a:t>
+              <a:t>4</a:t>
             </a:fld>
             <a:endParaRPr lang="de-DE"/>
           </a:p>
@@ -1001,7 +1928,7 @@
     </p:spTree>
     <p:extLst>
       <p:ext uri="{BB962C8B-B14F-4D97-AF65-F5344CB8AC3E}">
-        <p14:creationId xmlns:p14="http://schemas.microsoft.com/office/powerpoint/2010/main" val="122863904"/>
+        <p14:creationId xmlns:p14="http://schemas.microsoft.com/office/powerpoint/2010/main" val="246179751"/>
       </p:ext>
     </p:extLst>
   </p:cSld>
@@ -1055,7 +1982,88 @@
           <a:bodyPr/>
           <a:lstStyle/>
           <a:p>
-            <a:endParaRPr lang="de-DE"/>
+            <a:pPr marL="171450" indent="-171450">
+              <a:buFontTx/>
+              <a:buChar char="-"/>
+            </a:pPr>
+            <a:r>
+              <a:rPr lang="de-DE" dirty="0"/>
+              <a:t>C++ ist hat grade durch seine Vielzahl an Bibliotheken Vorteile</a:t>
+            </a:r>
+          </a:p>
+          <a:p>
+            <a:pPr marL="171450" indent="-171450">
+              <a:buFontTx/>
+              <a:buChar char="-"/>
+            </a:pPr>
+            <a:r>
+              <a:rPr lang="de-DE" dirty="0" err="1"/>
+              <a:t>Boost</a:t>
+            </a:r>
+            <a:r>
+              <a:rPr lang="de-DE" dirty="0"/>
+              <a:t> für:</a:t>
+            </a:r>
+          </a:p>
+          <a:p>
+            <a:pPr marL="628650" lvl="1" indent="-171450">
+              <a:buFontTx/>
+              <a:buChar char="-"/>
+            </a:pPr>
+            <a:r>
+              <a:rPr lang="de-DE" dirty="0"/>
+              <a:t>Funktionale Programmierung</a:t>
+            </a:r>
+          </a:p>
+          <a:p>
+            <a:pPr marL="628650" lvl="1" indent="-171450">
+              <a:buFontTx/>
+              <a:buChar char="-"/>
+            </a:pPr>
+            <a:r>
+              <a:rPr lang="de-DE" dirty="0"/>
+              <a:t>Datenstrukturen</a:t>
+            </a:r>
+          </a:p>
+          <a:p>
+            <a:pPr marL="628650" lvl="1" indent="-171450">
+              <a:buFontTx/>
+              <a:buChar char="-"/>
+            </a:pPr>
+            <a:r>
+              <a:rPr lang="de-DE" dirty="0"/>
+              <a:t>Algorithmen</a:t>
+            </a:r>
+          </a:p>
+          <a:p>
+            <a:pPr marL="628650" lvl="1" indent="-171450">
+              <a:buFontTx/>
+              <a:buChar char="-"/>
+            </a:pPr>
+            <a:r>
+              <a:rPr lang="de-DE" dirty="0"/>
+              <a:t>Zeitangaben</a:t>
+            </a:r>
+          </a:p>
+          <a:p>
+            <a:pPr marL="628650" lvl="1" indent="-171450">
+              <a:buFontTx/>
+              <a:buChar char="-"/>
+            </a:pPr>
+            <a:r>
+              <a:rPr lang="de-DE" dirty="0"/>
+              <a:t>Generische Programmierung</a:t>
+            </a:r>
+          </a:p>
+          <a:p>
+            <a:pPr marL="628650" lvl="1" indent="-171450">
+              <a:buFontTx/>
+              <a:buChar char="-"/>
+            </a:pPr>
+            <a:r>
+              <a:rPr lang="de-DE" dirty="0"/>
+              <a:t>Etc.</a:t>
+            </a:r>
           </a:p>
         </p:txBody>
       </p:sp>
@@ -1076,7 +2084,7 @@
           <a:p>
             <a:fld id="{A36B5070-147E-453A-9D66-845762D79ED0}" type="slidenum">
               <a:rPr lang="de-DE" smtClean="0"/>
-              <a:t>6</a:t>
+              <a:t>5</a:t>
             </a:fld>
             <a:endParaRPr lang="de-DE"/>
           </a:p>
@@ -1085,7 +2093,7 @@
     </p:spTree>
     <p:extLst>
       <p:ext uri="{BB962C8B-B14F-4D97-AF65-F5344CB8AC3E}">
-        <p14:creationId xmlns:p14="http://schemas.microsoft.com/office/powerpoint/2010/main" val="566822859"/>
+        <p14:creationId xmlns:p14="http://schemas.microsoft.com/office/powerpoint/2010/main" val="122863904"/>
       </p:ext>
     </p:extLst>
   </p:cSld>
@@ -1139,7 +2147,7 @@
           <a:bodyPr/>
           <a:lstStyle/>
           <a:p>
-            <a:endParaRPr lang="de-DE"/>
+            <a:endParaRPr lang="de-DE" dirty="0"/>
           </a:p>
         </p:txBody>
       </p:sp>
@@ -1160,7 +2168,7 @@
           <a:p>
             <a:fld id="{A36B5070-147E-453A-9D66-845762D79ED0}" type="slidenum">
               <a:rPr lang="de-DE" smtClean="0"/>
-              <a:t>7</a:t>
+              <a:t>6</a:t>
             </a:fld>
             <a:endParaRPr lang="de-DE"/>
           </a:p>
@@ -1169,7 +2177,7 @@
     </p:spTree>
     <p:extLst>
       <p:ext uri="{BB962C8B-B14F-4D97-AF65-F5344CB8AC3E}">
-        <p14:creationId xmlns:p14="http://schemas.microsoft.com/office/powerpoint/2010/main" val="3209384201"/>
+        <p14:creationId xmlns:p14="http://schemas.microsoft.com/office/powerpoint/2010/main" val="566822859"/>
       </p:ext>
     </p:extLst>
   </p:cSld>
@@ -1223,7 +2231,59 @@
           <a:bodyPr/>
           <a:lstStyle/>
           <a:p>
-            <a:endParaRPr lang="de-DE"/>
+            <a:r>
+              <a:rPr lang="de-DE" dirty="0"/>
+              <a:t>-spezielle </a:t>
+            </a:r>
+            <a:r>
+              <a:rPr lang="de-DE" dirty="0" err="1"/>
+              <a:t>Interruptionpoints</a:t>
+            </a:r>
+            <a:r>
+              <a:rPr lang="de-DE" dirty="0"/>
+              <a:t> möglich</a:t>
+            </a:r>
+          </a:p>
+          <a:p>
+            <a:r>
+              <a:rPr lang="de-DE" dirty="0"/>
+              <a:t>-(</a:t>
+            </a:r>
+            <a:r>
+              <a:rPr lang="de-DE" dirty="0" err="1"/>
+              <a:t>wait</a:t>
+            </a:r>
+            <a:r>
+              <a:rPr lang="de-DE" dirty="0"/>
+              <a:t> </a:t>
+            </a:r>
+            <a:r>
+              <a:rPr lang="de-DE" dirty="0" err="1"/>
+              <a:t>funktiniert</a:t>
+            </a:r>
+            <a:r>
+              <a:rPr lang="de-DE" dirty="0"/>
+              <a:t> mit </a:t>
+            </a:r>
+            <a:r>
+              <a:rPr lang="de-DE" dirty="0" err="1"/>
+              <a:t>boost</a:t>
+            </a:r>
+            <a:r>
+              <a:rPr lang="de-DE" dirty="0"/>
+              <a:t>::</a:t>
+            </a:r>
+            <a:r>
+              <a:rPr lang="de-DE" dirty="0" err="1"/>
+              <a:t>chrono</a:t>
+            </a:r>
+            <a:r>
+              <a:rPr lang="de-DE" dirty="0"/>
+              <a:t>)</a:t>
+            </a:r>
+          </a:p>
+          <a:p>
+            <a:endParaRPr lang="de-DE" dirty="0"/>
           </a:p>
         </p:txBody>
       </p:sp>
@@ -1244,6 +2304,90 @@
           <a:p>
             <a:fld id="{A36B5070-147E-453A-9D66-845762D79ED0}" type="slidenum">
               <a:rPr lang="de-DE" smtClean="0"/>
+              <a:t>7</a:t>
+            </a:fld>
+            <a:endParaRPr lang="de-DE"/>
+          </a:p>
+        </p:txBody>
+      </p:sp>
+    </p:spTree>
+    <p:extLst>
+      <p:ext uri="{BB962C8B-B14F-4D97-AF65-F5344CB8AC3E}">
+        <p14:creationId xmlns:p14="http://schemas.microsoft.com/office/powerpoint/2010/main" val="3209384201"/>
+      </p:ext>
+    </p:extLst>
+  </p:cSld>
+  <p:clrMapOvr>
+    <a:masterClrMapping/>
+  </p:clrMapOvr>
+</p:notes>
+</file>
+
+<file path=ppt/notesSlides/notesSlide8.xml><?xml version="1.0" encoding="utf-8"?>
+<p:notes xmlns:a="http://schemas.openxmlformats.org/drawingml/2006/main" xmlns:r="http://schemas.openxmlformats.org/officeDocument/2006/relationships" xmlns:p="http://schemas.openxmlformats.org/presentationml/2006/main">
+  <p:cSld>
+    <p:spTree>
+      <p:nvGrpSpPr>
+        <p:cNvPr id="1" name=""/>
+        <p:cNvGrpSpPr/>
+        <p:nvPr/>
+      </p:nvGrpSpPr>
+      <p:grpSpPr>
+        <a:xfrm>
+          <a:off x="0" y="0"/>
+          <a:ext cx="0" cy="0"/>
+          <a:chOff x="0" y="0"/>
+          <a:chExt cx="0" cy="0"/>
+        </a:xfrm>
+      </p:grpSpPr>
+      <p:sp>
+        <p:nvSpPr>
+          <p:cNvPr id="2" name="Folienbildplatzhalter 1"/>
+          <p:cNvSpPr>
+            <a:spLocks noGrp="1" noRot="1" noChangeAspect="1"/>
+          </p:cNvSpPr>
+          <p:nvPr>
+            <p:ph type="sldImg"/>
+          </p:nvPr>
+        </p:nvSpPr>
+        <p:spPr/>
+      </p:sp>
+      <p:sp>
+        <p:nvSpPr>
+          <p:cNvPr id="3" name="Notizenplatzhalter 2"/>
+          <p:cNvSpPr>
+            <a:spLocks noGrp="1"/>
+          </p:cNvSpPr>
+          <p:nvPr>
+            <p:ph type="body" idx="1"/>
+          </p:nvPr>
+        </p:nvSpPr>
+        <p:spPr/>
+        <p:txBody>
+          <a:bodyPr/>
+          <a:lstStyle/>
+          <a:p>
+            <a:endParaRPr lang="de-DE" dirty="0"/>
+          </a:p>
+        </p:txBody>
+      </p:sp>
+      <p:sp>
+        <p:nvSpPr>
+          <p:cNvPr id="4" name="Foliennummernplatzhalter 3"/>
+          <p:cNvSpPr>
+            <a:spLocks noGrp="1"/>
+          </p:cNvSpPr>
+          <p:nvPr>
+            <p:ph type="sldNum" sz="quarter" idx="10"/>
+          </p:nvPr>
+        </p:nvSpPr>
+        <p:spPr/>
+        <p:txBody>
+          <a:bodyPr/>
+          <a:lstStyle/>
+          <a:p>
+            <a:fld id="{A36B5070-147E-453A-9D66-845762D79ED0}" type="slidenum">
+              <a:rPr lang="de-DE" smtClean="0"/>
               <a:t>8</a:t>
             </a:fld>
             <a:endParaRPr lang="de-DE"/>
@@ -1254,6 +2398,90 @@
     <p:extLst>
       <p:ext uri="{BB962C8B-B14F-4D97-AF65-F5344CB8AC3E}">
         <p14:creationId xmlns:p14="http://schemas.microsoft.com/office/powerpoint/2010/main" val="1242752347"/>
+      </p:ext>
+    </p:extLst>
+  </p:cSld>
+  <p:clrMapOvr>
+    <a:masterClrMapping/>
+  </p:clrMapOvr>
+</p:notes>
+</file>
+
+<file path=ppt/notesSlides/notesSlide9.xml><?xml version="1.0" encoding="utf-8"?>
+<p:notes xmlns:a="http://schemas.openxmlformats.org/drawingml/2006/main" xmlns:r="http://schemas.openxmlformats.org/officeDocument/2006/relationships" xmlns:p="http://schemas.openxmlformats.org/presentationml/2006/main">
+  <p:cSld>
+    <p:spTree>
+      <p:nvGrpSpPr>
+        <p:cNvPr id="1" name=""/>
+        <p:cNvGrpSpPr/>
+        <p:nvPr/>
+      </p:nvGrpSpPr>
+      <p:grpSpPr>
+        <a:xfrm>
+          <a:off x="0" y="0"/>
+          <a:ext cx="0" cy="0"/>
+          <a:chOff x="0" y="0"/>
+          <a:chExt cx="0" cy="0"/>
+        </a:xfrm>
+      </p:grpSpPr>
+      <p:sp>
+        <p:nvSpPr>
+          <p:cNvPr id="2" name="Folienbildplatzhalter 1"/>
+          <p:cNvSpPr>
+            <a:spLocks noGrp="1" noRot="1" noChangeAspect="1"/>
+          </p:cNvSpPr>
+          <p:nvPr>
+            <p:ph type="sldImg"/>
+          </p:nvPr>
+        </p:nvSpPr>
+        <p:spPr/>
+      </p:sp>
+      <p:sp>
+        <p:nvSpPr>
+          <p:cNvPr id="3" name="Notizenplatzhalter 2"/>
+          <p:cNvSpPr>
+            <a:spLocks noGrp="1"/>
+          </p:cNvSpPr>
+          <p:nvPr>
+            <p:ph type="body" idx="1"/>
+          </p:nvPr>
+        </p:nvSpPr>
+        <p:spPr/>
+        <p:txBody>
+          <a:bodyPr/>
+          <a:lstStyle/>
+          <a:p>
+            <a:endParaRPr lang="de-DE" dirty="0"/>
+          </a:p>
+        </p:txBody>
+      </p:sp>
+      <p:sp>
+        <p:nvSpPr>
+          <p:cNvPr id="4" name="Foliennummernplatzhalter 3"/>
+          <p:cNvSpPr>
+            <a:spLocks noGrp="1"/>
+          </p:cNvSpPr>
+          <p:nvPr>
+            <p:ph type="sldNum" sz="quarter" idx="10"/>
+          </p:nvPr>
+        </p:nvSpPr>
+        <p:spPr/>
+        <p:txBody>
+          <a:bodyPr/>
+          <a:lstStyle/>
+          <a:p>
+            <a:fld id="{A36B5070-147E-453A-9D66-845762D79ED0}" type="slidenum">
+              <a:rPr lang="de-DE" smtClean="0"/>
+              <a:t>9</a:t>
+            </a:fld>
+            <a:endParaRPr lang="de-DE"/>
+          </a:p>
+        </p:txBody>
+      </p:sp>
+    </p:spTree>
+    <p:extLst>
+      <p:ext uri="{BB962C8B-B14F-4D97-AF65-F5344CB8AC3E}">
+        <p14:creationId xmlns:p14="http://schemas.microsoft.com/office/powerpoint/2010/main" val="871682274"/>
       </p:ext>
     </p:extLst>
   </p:cSld>
@@ -7278,7 +8506,7 @@
           </p:nvPr>
         </p:nvPicPr>
         <p:blipFill>
-          <a:blip r:embed="rId3">
+          <a:blip r:embed="rId4">
             <a:extLst>
               <a:ext uri="{28A0092B-C50C-407E-A947-70E740481C1C}">
                 <a14:useLocalDpi xmlns:a14="http://schemas.microsoft.com/office/drawing/2010/main" val="0"/>
@@ -7309,7 +8537,7 @@
           </p:nvPr>
         </p:nvPicPr>
         <p:blipFill>
-          <a:blip r:embed="rId4" cstate="print">
+          <a:blip r:embed="rId5" cstate="print">
             <a:extLst>
               <a:ext uri="{28A0092B-C50C-407E-A947-70E740481C1C}">
                 <a14:useLocalDpi xmlns:a14="http://schemas.microsoft.com/office/drawing/2010/main" val="0"/>
@@ -7350,7 +8578,7 @@
           <p:nvPr/>
         </p:nvPicPr>
         <p:blipFill>
-          <a:blip r:embed="rId5">
+          <a:blip r:embed="rId6">
             <a:extLst>
               <a:ext uri="{28A0092B-C50C-407E-A947-70E740481C1C}">
                 <a14:useLocalDpi xmlns:a14="http://schemas.microsoft.com/office/drawing/2010/main" val="0"/>
@@ -7455,7 +8683,7 @@
           <p:nvPr/>
         </p:nvPicPr>
         <p:blipFill>
-          <a:blip r:embed="rId6">
+          <a:blip r:embed="rId7">
             <a:extLst>
               <a:ext uri="{28A0092B-C50C-407E-A947-70E740481C1C}">
                 <a14:useLocalDpi xmlns:a14="http://schemas.microsoft.com/office/drawing/2010/main" val="0"/>
@@ -7672,8 +8900,8 @@
         </p:nvSpPr>
         <p:spPr>
           <a:xfrm>
-            <a:off x="4777066" y="5460113"/>
-            <a:ext cx="6200214" cy="830997"/>
+            <a:off x="4842126" y="5384451"/>
+            <a:ext cx="6200214" cy="461665"/>
           </a:xfrm>
           <a:prstGeom prst="rect">
             <a:avLst/>
@@ -7705,57 +8933,12 @@
                 <a:latin typeface="Courier New" panose="02070309020205020404" pitchFamily="49" charset="0"/>
                 <a:cs typeface="Courier New" panose="02070309020205020404" pitchFamily="49" charset="0"/>
               </a:rPr>
-              <a:t>unique_lock</a:t>
-            </a:r>
-            <a:r>
-              <a:rPr lang="de-DE" sz="2400" dirty="0">
-                <a:latin typeface="Courier New" panose="02070309020205020404" pitchFamily="49" charset="0"/>
-                <a:cs typeface="Courier New" panose="02070309020205020404" pitchFamily="49" charset="0"/>
-              </a:rPr>
-              <a:t>&lt;</a:t>
-            </a:r>
-            <a:r>
-              <a:rPr lang="de-DE" sz="2400" dirty="0" err="1">
-                <a:latin typeface="Courier New" panose="02070309020205020404" pitchFamily="49" charset="0"/>
-                <a:cs typeface="Courier New" panose="02070309020205020404" pitchFamily="49" charset="0"/>
-              </a:rPr>
-              <a:t>boost</a:t>
-            </a:r>
-            <a:r>
-              <a:rPr lang="de-DE" sz="2400" dirty="0">
-                <a:latin typeface="Courier New" panose="02070309020205020404" pitchFamily="49" charset="0"/>
-                <a:cs typeface="Courier New" panose="02070309020205020404" pitchFamily="49" charset="0"/>
-              </a:rPr>
-              <a:t>::</a:t>
-            </a:r>
-            <a:r>
-              <a:rPr lang="de-DE" sz="2400" dirty="0" err="1">
-                <a:latin typeface="Courier New" panose="02070309020205020404" pitchFamily="49" charset="0"/>
-                <a:cs typeface="Courier New" panose="02070309020205020404" pitchFamily="49" charset="0"/>
-              </a:rPr>
               <a:t>shared_mutex</a:t>
             </a:r>
-            <a:r>
-              <a:rPr lang="de-DE" sz="2400" dirty="0">
-                <a:latin typeface="Courier New" panose="02070309020205020404" pitchFamily="49" charset="0"/>
-                <a:cs typeface="Courier New" panose="02070309020205020404" pitchFamily="49" charset="0"/>
-              </a:rPr>
-              <a:t>&gt; lock{</a:t>
-            </a:r>
-            <a:r>
-              <a:rPr lang="de-DE" sz="2400" dirty="0" err="1">
-                <a:latin typeface="Courier New" panose="02070309020205020404" pitchFamily="49" charset="0"/>
-                <a:cs typeface="Courier New" panose="02070309020205020404" pitchFamily="49" charset="0"/>
-              </a:rPr>
-              <a:t>mutex</a:t>
-            </a:r>
-            <a:r>
-              <a:rPr lang="de-DE" sz="2400" dirty="0">
-                <a:latin typeface="Courier New" panose="02070309020205020404" pitchFamily="49" charset="0"/>
-                <a:cs typeface="Courier New" panose="02070309020205020404" pitchFamily="49" charset="0"/>
-              </a:rPr>
-              <a:t>};</a:t>
-            </a:r>
+            <a:endParaRPr lang="de-DE" sz="2400" dirty="0">
+              <a:latin typeface="Courier New" panose="02070309020205020404" pitchFamily="49" charset="0"/>
+              <a:cs typeface="Courier New" panose="02070309020205020404" pitchFamily="49" charset="0"/>
+            </a:endParaRPr>
           </a:p>
         </p:txBody>
       </p:sp>
@@ -9242,7 +10425,7 @@
 </file>
 
 <file path=ppt/slides/slide14.xml><?xml version="1.0" encoding="utf-8"?>
-<p:sld xmlns:a="http://schemas.openxmlformats.org/drawingml/2006/main" xmlns:r="http://schemas.openxmlformats.org/officeDocument/2006/relationships" xmlns:p="http://schemas.openxmlformats.org/presentationml/2006/main">
+<p:sld xmlns:a="http://schemas.openxmlformats.org/drawingml/2006/main" xmlns:r="http://schemas.openxmlformats.org/officeDocument/2006/relationships" xmlns:p="http://schemas.openxmlformats.org/presentationml/2006/main" show="0">
   <p:cSld>
     <p:spTree>
       <p:nvGrpSpPr>
@@ -11032,7 +12215,7 @@
           </p:nvPr>
         </p:nvPicPr>
         <p:blipFill>
-          <a:blip r:embed="rId3">
+          <a:blip r:embed="rId4">
             <a:extLst>
               <a:ext uri="{28A0092B-C50C-407E-A947-70E740481C1C}">
                 <a14:useLocalDpi xmlns:a14="http://schemas.microsoft.com/office/drawing/2010/main" val="0"/>
@@ -11063,7 +12246,7 @@
           </p:nvPr>
         </p:nvPicPr>
         <p:blipFill rotWithShape="1">
-          <a:blip r:embed="rId4" cstate="print">
+          <a:blip r:embed="rId5" cstate="print">
             <a:extLst>
               <a:ext uri="{28A0092B-C50C-407E-A947-70E740481C1C}">
                 <a14:useLocalDpi xmlns:a14="http://schemas.microsoft.com/office/drawing/2010/main" val="0"/>
@@ -11102,7 +12285,7 @@
           <p:nvPr/>
         </p:nvPicPr>
         <p:blipFill>
-          <a:blip r:embed="rId5">
+          <a:blip r:embed="rId6">
             <a:extLst>
               <a:ext uri="{28A0092B-C50C-407E-A947-70E740481C1C}">
                 <a14:useLocalDpi xmlns:a14="http://schemas.microsoft.com/office/drawing/2010/main" val="0"/>
@@ -11132,7 +12315,7 @@
           <p:nvPr/>
         </p:nvPicPr>
         <p:blipFill>
-          <a:blip r:embed="rId6">
+          <a:blip r:embed="rId7">
             <a:extLst>
               <a:ext uri="{28A0092B-C50C-407E-A947-70E740481C1C}">
                 <a14:useLocalDpi xmlns:a14="http://schemas.microsoft.com/office/drawing/2010/main" val="0"/>
@@ -11270,7 +12453,7 @@
           <p:nvPr/>
         </p:nvPicPr>
         <p:blipFill>
-          <a:blip r:embed="rId7">
+          <a:blip r:embed="rId8">
             <a:extLst>
               <a:ext uri="{28A0092B-C50C-407E-A947-70E740481C1C}">
                 <a14:useLocalDpi xmlns:a14="http://schemas.microsoft.com/office/drawing/2010/main" val="0"/>
@@ -11757,7 +12940,7 @@
           </p:nvPr>
         </p:nvPicPr>
         <p:blipFill>
-          <a:blip r:embed="rId6">
+          <a:blip r:embed="rId7">
             <a:extLst>
               <a:ext uri="{28A0092B-C50C-407E-A947-70E740481C1C}">
                 <a14:useLocalDpi xmlns:a14="http://schemas.microsoft.com/office/drawing/2010/main" val="0"/>
@@ -11788,7 +12971,7 @@
           </p:nvPr>
         </p:nvPicPr>
         <p:blipFill rotWithShape="1">
-          <a:blip r:embed="rId7" cstate="print">
+          <a:blip r:embed="rId8" cstate="print">
             <a:extLst>
               <a:ext uri="{28A0092B-C50C-407E-A947-70E740481C1C}">
                 <a14:useLocalDpi xmlns:a14="http://schemas.microsoft.com/office/drawing/2010/main" val="0"/>
@@ -11827,7 +13010,7 @@
           <p:nvPr/>
         </p:nvPicPr>
         <p:blipFill>
-          <a:blip r:embed="rId8">
+          <a:blip r:embed="rId9">
             <a:extLst>
               <a:ext uri="{28A0092B-C50C-407E-A947-70E740481C1C}">
                 <a14:useLocalDpi xmlns:a14="http://schemas.microsoft.com/office/drawing/2010/main" val="0"/>
@@ -11857,7 +13040,7 @@
           <p:nvPr/>
         </p:nvPicPr>
         <p:blipFill>
-          <a:blip r:embed="rId9">
+          <a:blip r:embed="rId10">
             <a:extLst>
               <a:ext uri="{28A0092B-C50C-407E-A947-70E740481C1C}">
                 <a14:useLocalDpi xmlns:a14="http://schemas.microsoft.com/office/drawing/2010/main" val="0"/>
@@ -11999,7 +13182,7 @@
           </p:nvPr>
         </p:nvPicPr>
         <p:blipFill>
-          <a:blip r:embed="rId10" cstate="print">
+          <a:blip r:embed="rId11" cstate="print">
             <a:extLst>
               <a:ext uri="{28A0092B-C50C-407E-A947-70E740481C1C}">
                 <a14:useLocalDpi xmlns:a14="http://schemas.microsoft.com/office/drawing/2010/main" val="0"/>
@@ -12044,7 +13227,7 @@
           </p:nvPr>
         </p:nvPicPr>
         <p:blipFill>
-          <a:blip r:embed="rId11" cstate="print">
+          <a:blip r:embed="rId12" cstate="print">
             <a:extLst>
               <a:ext uri="{28A0092B-C50C-407E-A947-70E740481C1C}">
                 <a14:useLocalDpi xmlns:a14="http://schemas.microsoft.com/office/drawing/2010/main" val="0"/>
@@ -12078,7 +13261,7 @@
           </p:nvPr>
         </p:nvPicPr>
         <p:blipFill>
-          <a:blip r:embed="rId10" cstate="print">
+          <a:blip r:embed="rId11" cstate="print">
             <a:extLst>
               <a:ext uri="{28A0092B-C50C-407E-A947-70E740481C1C}">
                 <a14:useLocalDpi xmlns:a14="http://schemas.microsoft.com/office/drawing/2010/main" val="0"/>
@@ -13002,7 +14185,7 @@
           </p:nvPr>
         </p:nvPicPr>
         <p:blipFill>
-          <a:blip r:embed="rId3">
+          <a:blip r:embed="rId4">
             <a:extLst>
               <a:ext uri="{28A0092B-C50C-407E-A947-70E740481C1C}">
                 <a14:useLocalDpi xmlns:a14="http://schemas.microsoft.com/office/drawing/2010/main" val="0"/>
@@ -13029,7 +14212,7 @@
           <p:nvPr/>
         </p:nvPicPr>
         <p:blipFill>
-          <a:blip r:embed="rId4">
+          <a:blip r:embed="rId5">
             <a:extLst>
               <a:ext uri="{28A0092B-C50C-407E-A947-70E740481C1C}">
                 <a14:useLocalDpi xmlns:a14="http://schemas.microsoft.com/office/drawing/2010/main" val="0"/>
@@ -13122,7 +14305,7 @@
           </p:nvPr>
         </p:nvPicPr>
         <p:blipFill>
-          <a:blip r:embed="rId5" cstate="print">
+          <a:blip r:embed="rId6" cstate="print">
             <a:extLst>
               <a:ext uri="{28A0092B-C50C-407E-A947-70E740481C1C}">
                 <a14:useLocalDpi xmlns:a14="http://schemas.microsoft.com/office/drawing/2010/main" val="0"/>
@@ -15501,7 +16684,9 @@
         </p:nvSpPr>
         <p:spPr/>
         <p:txBody>
-          <a:bodyPr/>
+          <a:bodyPr>
+            <a:normAutofit/>
+          </a:bodyPr>
           <a:lstStyle/>
           <a:p>
             <a:pPr marL="0" indent="0" algn="ctr">
@@ -15528,6 +16713,21 @@
             <a:r>
               <a:rPr lang="de-DE" sz="4800" dirty="0"/>
               <a:t>Demo Zeit!</a:t>
+            </a:r>
+          </a:p>
+          <a:p>
+            <a:pPr marL="0" indent="0" algn="ctr">
+              <a:buNone/>
+            </a:pPr>
+            <a:endParaRPr lang="de-DE" sz="4800" dirty="0"/>
+          </a:p>
+          <a:p>
+            <a:pPr marL="0" indent="0" algn="ctr">
+              <a:buNone/>
+            </a:pPr>
+            <a:r>
+              <a:rPr lang="de-DE" sz="3500" dirty="0"/>
+              <a:t>Repository: https://github.com/Goriar/ws16-17_santa</a:t>
             </a:r>
           </a:p>
         </p:txBody>

--- a/präsi.pptx
+++ b/präsi.pptx
@@ -9,9 +9,9 @@
   </p:notesMasterIdLst>
   <p:sldIdLst>
     <p:sldId id="256" r:id="rId9"/>
-    <p:sldId id="257" r:id="rId10"/>
-    <p:sldId id="264" r:id="rId11"/>
-    <p:sldId id="279" r:id="rId12"/>
+    <p:sldId id="264" r:id="rId10"/>
+    <p:sldId id="279" r:id="rId11"/>
+    <p:sldId id="257" r:id="rId12"/>
     <p:sldId id="258" r:id="rId13"/>
     <p:sldId id="260" r:id="rId14"/>
     <p:sldId id="265" r:id="rId15"/>
@@ -131,6 +131,9 @@
     <p:ext uri="{EFAFB233-063F-42B5-8137-9DF3F51BA10A}">
       <p15:sldGuideLst xmlns:p15="http://schemas.microsoft.com/office/powerpoint/2012/main"/>
     </p:ext>
+    <p:ext uri="{2D200454-40CA-4A62-9FC3-DE9A4176ACB9}">
+      <p15:notesGuideLst xmlns:p15="http://schemas.microsoft.com/office/powerpoint/2012/main"/>
+    </p:ext>
   </p:extLst>
 </p:presentation>
 </file>
@@ -312,7 +315,6 @@
               <a:rPr lang="de-DE"/>
               <a:t>Fünfte Ebene</a:t>
             </a:r>
-            <a:endParaRPr lang="de-DE"/>
           </a:p>
         </p:txBody>
       </p:sp>
@@ -1455,27 +1457,67 @@
           <a:p>
             <a:r>
               <a:rPr lang="de-DE" dirty="0"/>
-              <a:t>-Sehr abstrakte Sprache, wenn es etwas nicht gibt kann man es dazu schreiben</a:t>
-            </a:r>
-          </a:p>
-          <a:p>
+              <a:t>-</a:t>
+            </a:r>
+            <a:r>
+              <a:rPr lang="de-DE" dirty="0" err="1"/>
+              <a:t>Hanging</a:t>
+            </a:r>
             <a:r>
               <a:rPr lang="de-DE" dirty="0"/>
-              <a:t>-Hardware direkt ansprechbar</a:t>
+              <a:t> Pointer</a:t>
             </a:r>
           </a:p>
           <a:p>
             <a:r>
               <a:rPr lang="de-DE" dirty="0"/>
-              <a:t>-Viele verschiedene Sprachkonzepte enthalten (</a:t>
+              <a:t>-Memory </a:t>
             </a:r>
             <a:r>
               <a:rPr lang="de-DE" dirty="0" err="1"/>
-              <a:t>Templates,preprocessor,etc</a:t>
-            </a:r>
+              <a:t>Leak</a:t>
+            </a:r>
+            <a:endParaRPr lang="de-DE" dirty="0"/>
+          </a:p>
+          <a:p>
             <a:r>
               <a:rPr lang="de-DE" dirty="0"/>
-              <a:t>.)</a:t>
+              <a:t>-impliziertes </a:t>
+            </a:r>
+            <a:r>
+              <a:rPr lang="de-DE" dirty="0" err="1"/>
+              <a:t>casten</a:t>
+            </a:r>
+            <a:endParaRPr lang="de-DE" dirty="0"/>
+          </a:p>
+          <a:p>
+            <a:r>
+              <a:rPr lang="de-DE" dirty="0"/>
+              <a:t>-keine </a:t>
+            </a:r>
+            <a:r>
+              <a:rPr lang="de-DE" dirty="0" err="1"/>
+              <a:t>übeprüfung</a:t>
+            </a:r>
+            <a:r>
+              <a:rPr lang="de-DE" dirty="0"/>
+              <a:t> ob auf </a:t>
+            </a:r>
+            <a:r>
+              <a:rPr lang="de-DE" dirty="0" err="1"/>
+              <a:t>größe</a:t>
+            </a:r>
+            <a:r>
+              <a:rPr lang="de-DE" dirty="0"/>
+              <a:t> von </a:t>
+            </a:r>
+            <a:r>
+              <a:rPr lang="de-DE" dirty="0" err="1"/>
+              <a:t>containern</a:t>
+            </a:r>
+            <a:r>
+              <a:rPr lang="de-DE" dirty="0"/>
+              <a:t> etc.</a:t>
             </a:r>
           </a:p>
         </p:txBody>
@@ -1506,7 +1548,7 @@
     </p:spTree>
     <p:extLst>
       <p:ext uri="{BB962C8B-B14F-4D97-AF65-F5344CB8AC3E}">
-        <p14:creationId xmlns:p14="http://schemas.microsoft.com/office/powerpoint/2010/main" val="3634697197"/>
+        <p14:creationId xmlns:p14="http://schemas.microsoft.com/office/powerpoint/2010/main" val="2776674935"/>
       </p:ext>
     </p:extLst>
   </p:cSld>
@@ -1728,69 +1770,29 @@
           <a:bodyPr/>
           <a:lstStyle/>
           <a:p>
+            <a:pPr marL="228600" indent="-228600">
+              <a:buAutoNum type="arabicPeriod"/>
+            </a:pPr>
             <a:r>
               <a:rPr lang="de-DE" dirty="0"/>
-              <a:t>-</a:t>
+              <a:t>Pointer zu variable von typ type, </a:t>
             </a:r>
             <a:r>
               <a:rPr lang="de-DE" dirty="0" err="1"/>
-              <a:t>Hanging</a:t>
+              <a:t>pointer</a:t>
             </a:r>
             <a:r>
               <a:rPr lang="de-DE" dirty="0"/>
-              <a:t> Pointer</a:t>
-            </a:r>
-          </a:p>
-          <a:p>
+              <a:t> ans ende der variable</a:t>
+            </a:r>
+          </a:p>
+          <a:p>
+            <a:pPr marL="228600" indent="-228600">
+              <a:buAutoNum type="arabicPeriod"/>
+            </a:pPr>
             <a:r>
               <a:rPr lang="de-DE" dirty="0"/>
-              <a:t>-Memory </a:t>
-            </a:r>
-            <a:r>
-              <a:rPr lang="de-DE" dirty="0" err="1"/>
-              <a:t>Leak</a:t>
-            </a:r>
-            <a:endParaRPr lang="de-DE" dirty="0"/>
-          </a:p>
-          <a:p>
-            <a:r>
-              <a:rPr lang="de-DE" dirty="0"/>
-              <a:t>-impliziertes </a:t>
-            </a:r>
-            <a:r>
-              <a:rPr lang="de-DE" dirty="0" err="1"/>
-              <a:t>casten</a:t>
-            </a:r>
-            <a:endParaRPr lang="de-DE" dirty="0"/>
-          </a:p>
-          <a:p>
-            <a:r>
-              <a:rPr lang="de-DE" dirty="0"/>
-              <a:t>-keine </a:t>
-            </a:r>
-            <a:r>
-              <a:rPr lang="de-DE" dirty="0" err="1"/>
-              <a:t>übeprüfung</a:t>
-            </a:r>
-            <a:r>
-              <a:rPr lang="de-DE" dirty="0"/>
-              <a:t> ob auf </a:t>
-            </a:r>
-            <a:r>
-              <a:rPr lang="de-DE" dirty="0" err="1"/>
-              <a:t>größe</a:t>
-            </a:r>
-            <a:r>
-              <a:rPr lang="de-DE" dirty="0"/>
-              <a:t> von </a:t>
-            </a:r>
-            <a:r>
-              <a:rPr lang="de-DE" dirty="0" err="1"/>
-              <a:t>containern</a:t>
-            </a:r>
-            <a:r>
-              <a:rPr lang="de-DE" dirty="0"/>
-              <a:t> etc.</a:t>
+              <a:t>Schnelle inverse Wurzel (Wurde im Spiel Quake 3 verwendet)</a:t>
             </a:r>
           </a:p>
         </p:txBody>
@@ -1821,7 +1823,7 @@
     </p:spTree>
     <p:extLst>
       <p:ext uri="{BB962C8B-B14F-4D97-AF65-F5344CB8AC3E}">
-        <p14:creationId xmlns:p14="http://schemas.microsoft.com/office/powerpoint/2010/main" val="2776674935"/>
+        <p14:creationId xmlns:p14="http://schemas.microsoft.com/office/powerpoint/2010/main" val="246179751"/>
       </p:ext>
     </p:extLst>
   </p:cSld>
@@ -1875,29 +1877,29 @@
           <a:bodyPr/>
           <a:lstStyle/>
           <a:p>
-            <a:pPr marL="228600" indent="-228600">
-              <a:buAutoNum type="arabicPeriod"/>
-            </a:pPr>
             <a:r>
               <a:rPr lang="de-DE" dirty="0"/>
-              <a:t>Pointer zu variable von typ type, </a:t>
+              <a:t>-Sehr abstrakte Sprache, wenn es etwas nicht gibt kann man es dazu schreiben</a:t>
+            </a:r>
+          </a:p>
+          <a:p>
+            <a:r>
+              <a:rPr lang="de-DE" dirty="0"/>
+              <a:t>-Hardware direkt ansprechbar</a:t>
+            </a:r>
+          </a:p>
+          <a:p>
+            <a:r>
+              <a:rPr lang="de-DE" dirty="0"/>
+              <a:t>-Viele verschiedene Sprachkonzepte enthalten (</a:t>
             </a:r>
             <a:r>
               <a:rPr lang="de-DE" dirty="0" err="1"/>
-              <a:t>pointer</a:t>
+              <a:t>Templates,preprocessor,etc</a:t>
             </a:r>
             <a:r>
               <a:rPr lang="de-DE" dirty="0"/>
-              <a:t> ans ende der variable</a:t>
-            </a:r>
-          </a:p>
-          <a:p>
-            <a:pPr marL="228600" indent="-228600">
-              <a:buAutoNum type="arabicPeriod"/>
-            </a:pPr>
-            <a:r>
-              <a:rPr lang="de-DE" dirty="0"/>
-              <a:t>Schnelle inverse Wurzel (Wurde im Spiel Quake 3 verwendet)</a:t>
+              <a:t>.)</a:t>
             </a:r>
           </a:p>
         </p:txBody>
@@ -1928,7 +1930,7 @@
     </p:spTree>
     <p:extLst>
       <p:ext uri="{BB962C8B-B14F-4D97-AF65-F5344CB8AC3E}">
-        <p14:creationId xmlns:p14="http://schemas.microsoft.com/office/powerpoint/2010/main" val="246179751"/>
+        <p14:creationId xmlns:p14="http://schemas.microsoft.com/office/powerpoint/2010/main" val="3634697197"/>
       </p:ext>
     </p:extLst>
   </p:cSld>
@@ -3531,7 +3533,7 @@
           <a:p>
             <a:fld id="{899044B2-A953-44F1-AE90-5A31D6264D28}" type="datetimeFigureOut">
               <a:rPr lang="de-DE" smtClean="0"/>
-              <a:t>06.02.2017</a:t>
+              <a:t>07.02.2017</a:t>
             </a:fld>
             <a:endParaRPr lang="de-DE"/>
           </a:p>
@@ -5531,7 +5533,7 @@
           <a:p>
             <a:fld id="{899044B2-A953-44F1-AE90-5A31D6264D28}" type="datetimeFigureOut">
               <a:rPr lang="de-DE" smtClean="0"/>
-              <a:t>06.02.2017</a:t>
+              <a:t>07.02.2017</a:t>
             </a:fld>
             <a:endParaRPr lang="de-DE"/>
           </a:p>
@@ -6255,7 +6257,7 @@
           <a:p>
             <a:fld id="{899044B2-A953-44F1-AE90-5A31D6264D28}" type="datetimeFigureOut">
               <a:rPr lang="de-DE" smtClean="0"/>
-              <a:t>06.02.2017</a:t>
+              <a:t>07.02.2017</a:t>
             </a:fld>
             <a:endParaRPr lang="de-DE"/>
           </a:p>
@@ -6818,7 +6820,9 @@
         </p:nvSpPr>
         <p:spPr/>
         <p:txBody>
-          <a:bodyPr/>
+          <a:bodyPr>
+            <a:normAutofit fontScale="85000" lnSpcReduction="20000"/>
+          </a:bodyPr>
           <a:lstStyle/>
           <a:p>
             <a:r>
@@ -6828,6 +6832,20 @@
             <a:r>
               <a:rPr lang="de-DE" dirty="0" err="1"/>
               <a:t>Boost</a:t>
+            </a:r>
+            <a:endParaRPr lang="de-DE" dirty="0"/>
+          </a:p>
+          <a:p>
+            <a:endParaRPr lang="de-DE" dirty="0"/>
+          </a:p>
+          <a:p>
+            <a:r>
+              <a:rPr lang="de-DE" dirty="0"/>
+              <a:t>Vortragender: </a:t>
+            </a:r>
+            <a:r>
+              <a:rPr lang="de-DE"/>
+              <a:t>Christopher Baumann</a:t>
             </a:r>
             <a:endParaRPr lang="de-DE" dirty="0"/>
           </a:p>
@@ -9395,7 +9413,7 @@
           <a:p>
             <a:r>
               <a:rPr lang="de-DE" dirty="0" err="1"/>
-              <a:t>Boost.Mutex</a:t>
+              <a:t>Boost.Future</a:t>
             </a:r>
             <a:endParaRPr lang="de-DE" dirty="0"/>
           </a:p>
@@ -10458,7 +10476,7 @@
           <a:p>
             <a:r>
               <a:rPr lang="de-DE" dirty="0" err="1"/>
-              <a:t>Boost.Mutex</a:t>
+              <a:t>Boost.Future</a:t>
             </a:r>
             <a:endParaRPr lang="de-DE" dirty="0"/>
           </a:p>
@@ -11499,7 +11517,7 @@
           <a:p>
             <a:r>
               <a:rPr lang="de-DE" dirty="0" err="1"/>
-              <a:t>Boost.Mutex</a:t>
+              <a:t>Boost.Future</a:t>
             </a:r>
             <a:endParaRPr lang="de-DE" dirty="0"/>
           </a:p>
@@ -14468,2300 +14486,6 @@
           <a:chExt cx="0" cy="0"/>
         </a:xfrm>
       </p:grpSpPr>
-      <p:pic>
-        <p:nvPicPr>
-          <p:cNvPr id="4" name="Grafik 3"/>
-          <p:cNvPicPr>
-            <a:picLocks noChangeAspect="1"/>
-          </p:cNvPicPr>
-          <p:nvPr/>
-        </p:nvPicPr>
-        <p:blipFill rotWithShape="1">
-          <a:blip r:embed="rId3">
-            <a:extLst>
-              <a:ext uri="{28A0092B-C50C-407E-A947-70E740481C1C}">
-                <a14:useLocalDpi xmlns:a14="http://schemas.microsoft.com/office/drawing/2010/main" val="0"/>
-              </a:ext>
-            </a:extLst>
-          </a:blip>
-          <a:srcRect r="7004" b="1"/>
-          <a:stretch/>
-        </p:blipFill>
-        <p:spPr>
-          <a:xfrm>
-            <a:off x="7191776" y="2001521"/>
-            <a:ext cx="4337608" cy="3498166"/>
-          </a:xfrm>
-          <a:prstGeom prst="rect">
-            <a:avLst/>
-          </a:prstGeom>
-          <a:ln>
-            <a:noFill/>
-          </a:ln>
-          <a:effectLst>
-            <a:outerShdw blurRad="190500" algn="tl" rotWithShape="0">
-              <a:srgbClr val="000000">
-                <a:alpha val="70000"/>
-              </a:srgbClr>
-            </a:outerShdw>
-          </a:effectLst>
-        </p:spPr>
-        <p:style>
-          <a:lnRef idx="0">
-            <a:schemeClr val="dk1"/>
-          </a:lnRef>
-          <a:fillRef idx="3">
-            <a:schemeClr val="dk1"/>
-          </a:fillRef>
-          <a:effectRef idx="3">
-            <a:schemeClr val="dk1"/>
-          </a:effectRef>
-          <a:fontRef idx="minor">
-            <a:schemeClr val="lt1"/>
-          </a:fontRef>
-        </p:style>
-      </p:pic>
-      <p:sp>
-        <p:nvSpPr>
-          <p:cNvPr id="2" name="Titel 1"/>
-          <p:cNvSpPr>
-            <a:spLocks noGrp="1"/>
-          </p:cNvSpPr>
-          <p:nvPr>
-            <p:ph type="title"/>
-          </p:nvPr>
-        </p:nvSpPr>
-        <p:spPr>
-          <a:xfrm>
-            <a:off x="1209367" y="0"/>
-            <a:ext cx="3667039" cy="1676603"/>
-          </a:xfrm>
-        </p:spPr>
-        <p:txBody>
-          <a:bodyPr>
-            <a:normAutofit/>
-          </a:bodyPr>
-          <a:lstStyle/>
-          <a:p>
-            <a:pPr>
-              <a:lnSpc>
-                <a:spcPct val="80000"/>
-              </a:lnSpc>
-            </a:pPr>
-            <a:r>
-              <a:rPr lang="de-DE" sz="3700" dirty="0"/>
-              <a:t>C++</a:t>
-            </a:r>
-          </a:p>
-        </p:txBody>
-      </p:sp>
-      <p:sp>
-        <p:nvSpPr>
-          <p:cNvPr id="3" name="Inhaltsplatzhalter 2"/>
-          <p:cNvSpPr>
-            <a:spLocks noGrp="1"/>
-          </p:cNvSpPr>
-          <p:nvPr>
-            <p:ph idx="1"/>
-          </p:nvPr>
-        </p:nvSpPr>
-        <p:spPr>
-          <a:xfrm>
-            <a:off x="648930" y="2438400"/>
-            <a:ext cx="6658455" cy="3785419"/>
-          </a:xfrm>
-        </p:spPr>
-        <p:txBody>
-          <a:bodyPr>
-            <a:normAutofit/>
-          </a:bodyPr>
-          <a:lstStyle/>
-          <a:p>
-            <a:pPr>
-              <a:buFont typeface="Arial" panose="020B0604020202020204" pitchFamily="34" charset="0"/>
-              <a:buChar char="•"/>
-            </a:pPr>
-            <a:r>
-              <a:rPr lang="de-DE" sz="2000" dirty="0"/>
-              <a:t>Entwickelt von Bjarne </a:t>
-            </a:r>
-            <a:r>
-              <a:rPr lang="de-DE" sz="2000" dirty="0" err="1"/>
-              <a:t>Stroustrup</a:t>
-            </a:r>
-            <a:r>
-              <a:rPr lang="de-DE" sz="2000" dirty="0"/>
-              <a:t> im Jahr 1979 als „C </a:t>
-            </a:r>
-            <a:r>
-              <a:rPr lang="de-DE" sz="2000" dirty="0" err="1"/>
-              <a:t>with</a:t>
-            </a:r>
-            <a:r>
-              <a:rPr lang="de-DE" sz="2000" dirty="0"/>
-              <a:t> </a:t>
-            </a:r>
-            <a:r>
-              <a:rPr lang="de-DE" sz="2000" dirty="0" err="1"/>
-              <a:t>Classes</a:t>
-            </a:r>
-            <a:r>
-              <a:rPr lang="de-DE" sz="2000" dirty="0"/>
-              <a:t>“</a:t>
-            </a:r>
-          </a:p>
-          <a:p>
-            <a:pPr>
-              <a:buFont typeface="Arial" panose="020B0604020202020204" pitchFamily="34" charset="0"/>
-              <a:buChar char="•"/>
-            </a:pPr>
-            <a:r>
-              <a:rPr lang="de-DE" sz="2000" dirty="0"/>
-              <a:t>Erster kommerzieller Release 1985</a:t>
-            </a:r>
-          </a:p>
-          <a:p>
-            <a:pPr>
-              <a:buFont typeface="Arial" panose="020B0604020202020204" pitchFamily="34" charset="0"/>
-              <a:buChar char="•"/>
-            </a:pPr>
-            <a:r>
-              <a:rPr lang="de-DE" sz="2000" dirty="0"/>
-              <a:t>Low-Level Programmierung: C++ -&gt; Maschinencode.</a:t>
-            </a:r>
-          </a:p>
-          <a:p>
-            <a:pPr>
-              <a:buFont typeface="Arial" panose="020B0604020202020204" pitchFamily="34" charset="0"/>
-              <a:buChar char="•"/>
-            </a:pPr>
-            <a:r>
-              <a:rPr lang="de-DE" sz="2000" dirty="0"/>
-              <a:t>Keine Interpretierung oder Run Time </a:t>
-            </a:r>
-            <a:r>
-              <a:rPr lang="de-DE" sz="2000" dirty="0" err="1"/>
-              <a:t>Enviroment</a:t>
-            </a:r>
-            <a:r>
-              <a:rPr lang="de-DE" sz="2000" dirty="0"/>
-              <a:t> nötig</a:t>
-            </a:r>
-          </a:p>
-          <a:p>
-            <a:endParaRPr lang="de-DE" sz="1800" dirty="0"/>
-          </a:p>
-        </p:txBody>
-      </p:sp>
-    </p:spTree>
-    <p:extLst>
-      <p:ext uri="{BB962C8B-B14F-4D97-AF65-F5344CB8AC3E}">
-        <p14:creationId xmlns:p14="http://schemas.microsoft.com/office/powerpoint/2010/main" val="2640121571"/>
-      </p:ext>
-    </p:extLst>
-  </p:cSld>
-  <p:clrMapOvr>
-    <a:masterClrMapping/>
-  </p:clrMapOvr>
-</p:sld>
-</file>
-
-<file path=ppt/slides/slide20.xml><?xml version="1.0" encoding="utf-8"?>
-<p:sld xmlns:a="http://schemas.openxmlformats.org/drawingml/2006/main" xmlns:r="http://schemas.openxmlformats.org/officeDocument/2006/relationships" xmlns:p="http://schemas.openxmlformats.org/presentationml/2006/main">
-  <p:cSld>
-    <p:spTree>
-      <p:nvGrpSpPr>
-        <p:cNvPr id="1" name=""/>
-        <p:cNvGrpSpPr/>
-        <p:nvPr/>
-      </p:nvGrpSpPr>
-      <p:grpSpPr>
-        <a:xfrm>
-          <a:off x="0" y="0"/>
-          <a:ext cx="0" cy="0"/>
-          <a:chOff x="0" y="0"/>
-          <a:chExt cx="0" cy="0"/>
-        </a:xfrm>
-      </p:grpSpPr>
-      <p:sp>
-        <p:nvSpPr>
-          <p:cNvPr id="2" name="Titel 1"/>
-          <p:cNvSpPr>
-            <a:spLocks noGrp="1"/>
-          </p:cNvSpPr>
-          <p:nvPr>
-            <p:ph type="title"/>
-          </p:nvPr>
-        </p:nvSpPr>
-        <p:spPr/>
-        <p:txBody>
-          <a:bodyPr/>
-          <a:lstStyle/>
-          <a:p>
-            <a:r>
-              <a:rPr lang="de-DE" dirty="0" err="1"/>
-              <a:t>Boost.Lockfree</a:t>
-            </a:r>
-            <a:endParaRPr lang="de-DE" dirty="0"/>
-          </a:p>
-        </p:txBody>
-      </p:sp>
-      <p:sp>
-        <p:nvSpPr>
-          <p:cNvPr id="3" name="Inhaltsplatzhalter 2"/>
-          <p:cNvSpPr>
-            <a:spLocks noGrp="1"/>
-          </p:cNvSpPr>
-          <p:nvPr>
-            <p:ph idx="1"/>
-          </p:nvPr>
-        </p:nvSpPr>
-        <p:spPr>
-          <a:xfrm>
-            <a:off x="1097280" y="1870095"/>
-            <a:ext cx="10256520" cy="4291781"/>
-          </a:xfrm>
-        </p:spPr>
-        <p:txBody>
-          <a:bodyPr numCol="2">
-            <a:normAutofit fontScale="25000" lnSpcReduction="20000"/>
-          </a:bodyPr>
-          <a:lstStyle/>
-          <a:p>
-            <a:pPr marL="0" indent="0">
-              <a:lnSpc>
-                <a:spcPct val="107000"/>
-              </a:lnSpc>
-              <a:spcAft>
-                <a:spcPts val="0"/>
-              </a:spcAft>
-              <a:buNone/>
-            </a:pPr>
-            <a:r>
-              <a:rPr lang="de-DE" sz="8000" dirty="0" err="1">
-                <a:solidFill>
-                  <a:srgbClr val="000000"/>
-                </a:solidFill>
-                <a:highlight>
-                  <a:srgbClr val="FFFFFF"/>
-                </a:highlight>
-                <a:latin typeface="Courier New" panose="02070309020205020404" pitchFamily="49" charset="0"/>
-                <a:ea typeface="Yu Mincho" panose="02020400000000000000" pitchFamily="18" charset="-128"/>
-                <a:cs typeface="Times New Roman" panose="02020603050405020304" pitchFamily="18" charset="0"/>
-              </a:rPr>
-              <a:t>boost</a:t>
-            </a:r>
-            <a:r>
-              <a:rPr lang="de-DE" sz="8000" b="1" dirty="0">
-                <a:solidFill>
-                  <a:srgbClr val="000080"/>
-                </a:solidFill>
-                <a:highlight>
-                  <a:srgbClr val="FFFFFF"/>
-                </a:highlight>
-                <a:latin typeface="Courier New" panose="02070309020205020404" pitchFamily="49" charset="0"/>
-                <a:ea typeface="Yu Mincho" panose="02020400000000000000" pitchFamily="18" charset="-128"/>
-                <a:cs typeface="Times New Roman" panose="02020603050405020304" pitchFamily="18" charset="0"/>
-              </a:rPr>
-              <a:t>::</a:t>
-            </a:r>
-            <a:r>
-              <a:rPr lang="de-DE" sz="8000" dirty="0" err="1">
-                <a:solidFill>
-                  <a:srgbClr val="000000"/>
-                </a:solidFill>
-                <a:highlight>
-                  <a:srgbClr val="FFFFFF"/>
-                </a:highlight>
-                <a:latin typeface="Courier New" panose="02070309020205020404" pitchFamily="49" charset="0"/>
-                <a:ea typeface="Yu Mincho" panose="02020400000000000000" pitchFamily="18" charset="-128"/>
-                <a:cs typeface="Times New Roman" panose="02020603050405020304" pitchFamily="18" charset="0"/>
-              </a:rPr>
-              <a:t>lockfree</a:t>
-            </a:r>
-            <a:r>
-              <a:rPr lang="de-DE" sz="8000" b="1" dirty="0">
-                <a:solidFill>
-                  <a:srgbClr val="000080"/>
-                </a:solidFill>
-                <a:highlight>
-                  <a:srgbClr val="FFFFFF"/>
-                </a:highlight>
-                <a:latin typeface="Courier New" panose="02070309020205020404" pitchFamily="49" charset="0"/>
-                <a:ea typeface="Yu Mincho" panose="02020400000000000000" pitchFamily="18" charset="-128"/>
-                <a:cs typeface="Times New Roman" panose="02020603050405020304" pitchFamily="18" charset="0"/>
-              </a:rPr>
-              <a:t>::</a:t>
-            </a:r>
-            <a:r>
-              <a:rPr lang="de-DE" sz="8000" dirty="0" err="1">
-                <a:solidFill>
-                  <a:srgbClr val="000000"/>
-                </a:solidFill>
-                <a:highlight>
-                  <a:srgbClr val="FFFFFF"/>
-                </a:highlight>
-                <a:latin typeface="Courier New" panose="02070309020205020404" pitchFamily="49" charset="0"/>
-                <a:ea typeface="Yu Mincho" panose="02020400000000000000" pitchFamily="18" charset="-128"/>
-                <a:cs typeface="Times New Roman" panose="02020603050405020304" pitchFamily="18" charset="0"/>
-              </a:rPr>
-              <a:t>queue</a:t>
-            </a:r>
-            <a:r>
-              <a:rPr lang="de-DE" sz="8000" b="1" dirty="0">
-                <a:solidFill>
-                  <a:srgbClr val="000080"/>
-                </a:solidFill>
-                <a:highlight>
-                  <a:srgbClr val="FFFFFF"/>
-                </a:highlight>
-                <a:latin typeface="Courier New" panose="02070309020205020404" pitchFamily="49" charset="0"/>
-                <a:ea typeface="Yu Mincho" panose="02020400000000000000" pitchFamily="18" charset="-128"/>
-                <a:cs typeface="Times New Roman" panose="02020603050405020304" pitchFamily="18" charset="0"/>
-              </a:rPr>
-              <a:t>&lt;</a:t>
-            </a:r>
-            <a:r>
-              <a:rPr lang="de-DE" sz="8000" dirty="0" err="1">
-                <a:solidFill>
-                  <a:srgbClr val="8000FF"/>
-                </a:solidFill>
-                <a:highlight>
-                  <a:srgbClr val="FFFFFF"/>
-                </a:highlight>
-                <a:latin typeface="Courier New" panose="02070309020205020404" pitchFamily="49" charset="0"/>
-                <a:ea typeface="Yu Mincho" panose="02020400000000000000" pitchFamily="18" charset="-128"/>
-                <a:cs typeface="Times New Roman" panose="02020603050405020304" pitchFamily="18" charset="0"/>
-              </a:rPr>
-              <a:t>int</a:t>
-            </a:r>
-            <a:r>
-              <a:rPr lang="de-DE" sz="8000" b="1" dirty="0">
-                <a:solidFill>
-                  <a:srgbClr val="000080"/>
-                </a:solidFill>
-                <a:highlight>
-                  <a:srgbClr val="FFFFFF"/>
-                </a:highlight>
-                <a:latin typeface="Courier New" panose="02070309020205020404" pitchFamily="49" charset="0"/>
-                <a:ea typeface="Yu Mincho" panose="02020400000000000000" pitchFamily="18" charset="-128"/>
-                <a:cs typeface="Times New Roman" panose="02020603050405020304" pitchFamily="18" charset="0"/>
-              </a:rPr>
-              <a:t>&gt;</a:t>
-            </a:r>
-            <a:r>
-              <a:rPr lang="de-DE" sz="8000" dirty="0">
-                <a:solidFill>
-                  <a:srgbClr val="000000"/>
-                </a:solidFill>
-                <a:highlight>
-                  <a:srgbClr val="FFFFFF"/>
-                </a:highlight>
-                <a:latin typeface="Courier New" panose="02070309020205020404" pitchFamily="49" charset="0"/>
-                <a:ea typeface="Yu Mincho" panose="02020400000000000000" pitchFamily="18" charset="-128"/>
-                <a:cs typeface="Times New Roman" panose="02020603050405020304" pitchFamily="18" charset="0"/>
-              </a:rPr>
-              <a:t> q</a:t>
-            </a:r>
-            <a:r>
-              <a:rPr lang="de-DE" sz="8000" b="1" dirty="0">
-                <a:solidFill>
-                  <a:srgbClr val="000080"/>
-                </a:solidFill>
-                <a:highlight>
-                  <a:srgbClr val="FFFFFF"/>
-                </a:highlight>
-                <a:latin typeface="Courier New" panose="02070309020205020404" pitchFamily="49" charset="0"/>
-                <a:ea typeface="Yu Mincho" panose="02020400000000000000" pitchFamily="18" charset="-128"/>
-                <a:cs typeface="Times New Roman" panose="02020603050405020304" pitchFamily="18" charset="0"/>
-              </a:rPr>
-              <a:t>{</a:t>
-            </a:r>
-            <a:r>
-              <a:rPr lang="de-DE" sz="8000" dirty="0">
-                <a:solidFill>
-                  <a:srgbClr val="FF8000"/>
-                </a:solidFill>
-                <a:highlight>
-                  <a:srgbClr val="FFFFFF"/>
-                </a:highlight>
-                <a:latin typeface="Courier New" panose="02070309020205020404" pitchFamily="49" charset="0"/>
-                <a:ea typeface="Yu Mincho" panose="02020400000000000000" pitchFamily="18" charset="-128"/>
-                <a:cs typeface="Times New Roman" panose="02020603050405020304" pitchFamily="18" charset="0"/>
-              </a:rPr>
-              <a:t>100</a:t>
-            </a:r>
-            <a:r>
-              <a:rPr lang="de-DE" sz="8000" b="1" dirty="0">
-                <a:solidFill>
-                  <a:srgbClr val="000080"/>
-                </a:solidFill>
-                <a:highlight>
-                  <a:srgbClr val="FFFFFF"/>
-                </a:highlight>
-                <a:latin typeface="Courier New" panose="02070309020205020404" pitchFamily="49" charset="0"/>
-                <a:ea typeface="Yu Mincho" panose="02020400000000000000" pitchFamily="18" charset="-128"/>
-                <a:cs typeface="Times New Roman" panose="02020603050405020304" pitchFamily="18" charset="0"/>
-              </a:rPr>
-              <a:t>};</a:t>
-            </a:r>
-            <a:endParaRPr lang="de-DE" sz="12800" dirty="0">
-              <a:effectLst/>
-              <a:latin typeface="Calibri" panose="020F0502020204030204" pitchFamily="34" charset="0"/>
-              <a:ea typeface="Yu Mincho" panose="02020400000000000000" pitchFamily="18" charset="-128"/>
-              <a:cs typeface="Times New Roman" panose="02020603050405020304" pitchFamily="18" charset="0"/>
-            </a:endParaRPr>
-          </a:p>
-          <a:p>
-            <a:pPr marL="0" indent="0">
-              <a:lnSpc>
-                <a:spcPct val="107000"/>
-              </a:lnSpc>
-              <a:spcAft>
-                <a:spcPts val="0"/>
-              </a:spcAft>
-              <a:buNone/>
-            </a:pPr>
-            <a:r>
-              <a:rPr lang="de-DE" sz="8000" dirty="0" err="1">
-                <a:solidFill>
-                  <a:srgbClr val="000000"/>
-                </a:solidFill>
-                <a:highlight>
-                  <a:srgbClr val="FFFFFF"/>
-                </a:highlight>
-                <a:latin typeface="Courier New" panose="02070309020205020404" pitchFamily="49" charset="0"/>
-                <a:ea typeface="Yu Mincho" panose="02020400000000000000" pitchFamily="18" charset="-128"/>
-                <a:cs typeface="Times New Roman" panose="02020603050405020304" pitchFamily="18" charset="0"/>
-              </a:rPr>
-              <a:t>std</a:t>
-            </a:r>
-            <a:r>
-              <a:rPr lang="de-DE" sz="8000" b="1" dirty="0">
-                <a:solidFill>
-                  <a:srgbClr val="000080"/>
-                </a:solidFill>
-                <a:highlight>
-                  <a:srgbClr val="FFFFFF"/>
-                </a:highlight>
-                <a:latin typeface="Courier New" panose="02070309020205020404" pitchFamily="49" charset="0"/>
-                <a:ea typeface="Yu Mincho" panose="02020400000000000000" pitchFamily="18" charset="-128"/>
-                <a:cs typeface="Times New Roman" panose="02020603050405020304" pitchFamily="18" charset="0"/>
-              </a:rPr>
-              <a:t>::</a:t>
-            </a:r>
-            <a:r>
-              <a:rPr lang="de-DE" sz="8000" dirty="0" err="1">
-                <a:solidFill>
-                  <a:srgbClr val="000000"/>
-                </a:solidFill>
-                <a:highlight>
-                  <a:srgbClr val="FFFFFF"/>
-                </a:highlight>
-                <a:latin typeface="Courier New" panose="02070309020205020404" pitchFamily="49" charset="0"/>
-                <a:ea typeface="Yu Mincho" panose="02020400000000000000" pitchFamily="18" charset="-128"/>
-                <a:cs typeface="Times New Roman" panose="02020603050405020304" pitchFamily="18" charset="0"/>
-              </a:rPr>
-              <a:t>atomic</a:t>
-            </a:r>
-            <a:r>
-              <a:rPr lang="de-DE" sz="8000" b="1" dirty="0">
-                <a:solidFill>
-                  <a:srgbClr val="000080"/>
-                </a:solidFill>
-                <a:highlight>
-                  <a:srgbClr val="FFFFFF"/>
-                </a:highlight>
-                <a:latin typeface="Courier New" panose="02070309020205020404" pitchFamily="49" charset="0"/>
-                <a:ea typeface="Yu Mincho" panose="02020400000000000000" pitchFamily="18" charset="-128"/>
-                <a:cs typeface="Times New Roman" panose="02020603050405020304" pitchFamily="18" charset="0"/>
-              </a:rPr>
-              <a:t>&lt;</a:t>
-            </a:r>
-            <a:r>
-              <a:rPr lang="de-DE" sz="8000" dirty="0" err="1">
-                <a:solidFill>
-                  <a:srgbClr val="8000FF"/>
-                </a:solidFill>
-                <a:highlight>
-                  <a:srgbClr val="FFFFFF"/>
-                </a:highlight>
-                <a:latin typeface="Courier New" panose="02070309020205020404" pitchFamily="49" charset="0"/>
-                <a:ea typeface="Yu Mincho" panose="02020400000000000000" pitchFamily="18" charset="-128"/>
-                <a:cs typeface="Times New Roman" panose="02020603050405020304" pitchFamily="18" charset="0"/>
-              </a:rPr>
-              <a:t>int</a:t>
-            </a:r>
-            <a:r>
-              <a:rPr lang="de-DE" sz="8000" b="1" dirty="0">
-                <a:solidFill>
-                  <a:srgbClr val="000080"/>
-                </a:solidFill>
-                <a:highlight>
-                  <a:srgbClr val="FFFFFF"/>
-                </a:highlight>
-                <a:latin typeface="Courier New" panose="02070309020205020404" pitchFamily="49" charset="0"/>
-                <a:ea typeface="Yu Mincho" panose="02020400000000000000" pitchFamily="18" charset="-128"/>
-                <a:cs typeface="Times New Roman" panose="02020603050405020304" pitchFamily="18" charset="0"/>
-              </a:rPr>
-              <a:t>&gt;</a:t>
-            </a:r>
-            <a:r>
-              <a:rPr lang="de-DE" sz="8000" dirty="0">
-                <a:solidFill>
-                  <a:srgbClr val="000000"/>
-                </a:solidFill>
-                <a:highlight>
-                  <a:srgbClr val="FFFFFF"/>
-                </a:highlight>
-                <a:latin typeface="Courier New" panose="02070309020205020404" pitchFamily="49" charset="0"/>
-                <a:ea typeface="Yu Mincho" panose="02020400000000000000" pitchFamily="18" charset="-128"/>
-                <a:cs typeface="Times New Roman" panose="02020603050405020304" pitchFamily="18" charset="0"/>
-              </a:rPr>
-              <a:t> </a:t>
-            </a:r>
-            <a:r>
-              <a:rPr lang="de-DE" sz="8000" dirty="0" err="1">
-                <a:solidFill>
-                  <a:srgbClr val="000000"/>
-                </a:solidFill>
-                <a:highlight>
-                  <a:srgbClr val="FFFFFF"/>
-                </a:highlight>
-                <a:latin typeface="Courier New" panose="02070309020205020404" pitchFamily="49" charset="0"/>
-                <a:ea typeface="Yu Mincho" panose="02020400000000000000" pitchFamily="18" charset="-128"/>
-                <a:cs typeface="Times New Roman" panose="02020603050405020304" pitchFamily="18" charset="0"/>
-              </a:rPr>
-              <a:t>sum</a:t>
-            </a:r>
-            <a:r>
-              <a:rPr lang="de-DE" sz="8000" b="1" dirty="0">
-                <a:solidFill>
-                  <a:srgbClr val="000080"/>
-                </a:solidFill>
-                <a:highlight>
-                  <a:srgbClr val="FFFFFF"/>
-                </a:highlight>
-                <a:latin typeface="Courier New" panose="02070309020205020404" pitchFamily="49" charset="0"/>
-                <a:ea typeface="Yu Mincho" panose="02020400000000000000" pitchFamily="18" charset="-128"/>
-                <a:cs typeface="Times New Roman" panose="02020603050405020304" pitchFamily="18" charset="0"/>
-              </a:rPr>
-              <a:t>{</a:t>
-            </a:r>
-            <a:r>
-              <a:rPr lang="de-DE" sz="8000" dirty="0">
-                <a:solidFill>
-                  <a:srgbClr val="FF8000"/>
-                </a:solidFill>
-                <a:highlight>
-                  <a:srgbClr val="FFFFFF"/>
-                </a:highlight>
-                <a:latin typeface="Courier New" panose="02070309020205020404" pitchFamily="49" charset="0"/>
-                <a:ea typeface="Yu Mincho" panose="02020400000000000000" pitchFamily="18" charset="-128"/>
-                <a:cs typeface="Times New Roman" panose="02020603050405020304" pitchFamily="18" charset="0"/>
-              </a:rPr>
-              <a:t>0</a:t>
-            </a:r>
-            <a:r>
-              <a:rPr lang="de-DE" sz="8000" b="1" dirty="0">
-                <a:solidFill>
-                  <a:srgbClr val="000080"/>
-                </a:solidFill>
-                <a:highlight>
-                  <a:srgbClr val="FFFFFF"/>
-                </a:highlight>
-                <a:latin typeface="Courier New" panose="02070309020205020404" pitchFamily="49" charset="0"/>
-                <a:ea typeface="Yu Mincho" panose="02020400000000000000" pitchFamily="18" charset="-128"/>
-                <a:cs typeface="Times New Roman" panose="02020603050405020304" pitchFamily="18" charset="0"/>
-              </a:rPr>
-              <a:t>};</a:t>
-            </a:r>
-          </a:p>
-          <a:p>
-            <a:pPr marL="0" indent="0">
-              <a:lnSpc>
-                <a:spcPct val="107000"/>
-              </a:lnSpc>
-              <a:spcAft>
-                <a:spcPts val="0"/>
-              </a:spcAft>
-              <a:buNone/>
-            </a:pPr>
-            <a:endParaRPr lang="de-DE" sz="12800" dirty="0">
-              <a:effectLst/>
-              <a:latin typeface="Calibri" panose="020F0502020204030204" pitchFamily="34" charset="0"/>
-              <a:ea typeface="Yu Mincho" panose="02020400000000000000" pitchFamily="18" charset="-128"/>
-              <a:cs typeface="Times New Roman" panose="02020603050405020304" pitchFamily="18" charset="0"/>
-            </a:endParaRPr>
-          </a:p>
-          <a:p>
-            <a:pPr marL="0" indent="0">
-              <a:lnSpc>
-                <a:spcPct val="107000"/>
-              </a:lnSpc>
-              <a:spcAft>
-                <a:spcPts val="0"/>
-              </a:spcAft>
-              <a:buNone/>
-            </a:pPr>
-            <a:r>
-              <a:rPr lang="de-DE" sz="8000" dirty="0" err="1">
-                <a:solidFill>
-                  <a:srgbClr val="8000FF"/>
-                </a:solidFill>
-                <a:highlight>
-                  <a:srgbClr val="FFFFFF"/>
-                </a:highlight>
-                <a:latin typeface="Courier New" panose="02070309020205020404" pitchFamily="49" charset="0"/>
-                <a:ea typeface="Yu Mincho" panose="02020400000000000000" pitchFamily="18" charset="-128"/>
-                <a:cs typeface="Times New Roman" panose="02020603050405020304" pitchFamily="18" charset="0"/>
-              </a:rPr>
-              <a:t>void</a:t>
-            </a:r>
-            <a:r>
-              <a:rPr lang="de-DE" sz="8000" dirty="0">
-                <a:solidFill>
-                  <a:srgbClr val="000000"/>
-                </a:solidFill>
-                <a:highlight>
-                  <a:srgbClr val="FFFFFF"/>
-                </a:highlight>
-                <a:latin typeface="Courier New" panose="02070309020205020404" pitchFamily="49" charset="0"/>
-                <a:ea typeface="Yu Mincho" panose="02020400000000000000" pitchFamily="18" charset="-128"/>
-                <a:cs typeface="Times New Roman" panose="02020603050405020304" pitchFamily="18" charset="0"/>
-              </a:rPr>
-              <a:t> </a:t>
-            </a:r>
-            <a:r>
-              <a:rPr lang="de-DE" sz="8000" dirty="0" err="1">
-                <a:solidFill>
-                  <a:srgbClr val="000000"/>
-                </a:solidFill>
-                <a:highlight>
-                  <a:srgbClr val="FFFFFF"/>
-                </a:highlight>
-                <a:latin typeface="Courier New" panose="02070309020205020404" pitchFamily="49" charset="0"/>
-                <a:ea typeface="Yu Mincho" panose="02020400000000000000" pitchFamily="18" charset="-128"/>
-                <a:cs typeface="Times New Roman" panose="02020603050405020304" pitchFamily="18" charset="0"/>
-              </a:rPr>
-              <a:t>produce</a:t>
-            </a:r>
-            <a:r>
-              <a:rPr lang="de-DE" sz="8000" b="1" dirty="0">
-                <a:solidFill>
-                  <a:srgbClr val="000080"/>
-                </a:solidFill>
-                <a:highlight>
-                  <a:srgbClr val="FFFFFF"/>
-                </a:highlight>
-                <a:latin typeface="Courier New" panose="02070309020205020404" pitchFamily="49" charset="0"/>
-                <a:ea typeface="Yu Mincho" panose="02020400000000000000" pitchFamily="18" charset="-128"/>
-                <a:cs typeface="Times New Roman" panose="02020603050405020304" pitchFamily="18" charset="0"/>
-              </a:rPr>
-              <a:t>()</a:t>
-            </a:r>
-            <a:endParaRPr lang="de-DE" sz="12800" dirty="0">
-              <a:effectLst/>
-              <a:latin typeface="Calibri" panose="020F0502020204030204" pitchFamily="34" charset="0"/>
-              <a:ea typeface="Yu Mincho" panose="02020400000000000000" pitchFamily="18" charset="-128"/>
-              <a:cs typeface="Times New Roman" panose="02020603050405020304" pitchFamily="18" charset="0"/>
-            </a:endParaRPr>
-          </a:p>
-          <a:p>
-            <a:pPr marL="0" indent="0">
-              <a:lnSpc>
-                <a:spcPct val="107000"/>
-              </a:lnSpc>
-              <a:spcAft>
-                <a:spcPts val="0"/>
-              </a:spcAft>
-              <a:buNone/>
-            </a:pPr>
-            <a:r>
-              <a:rPr lang="de-DE" sz="8000" b="1" dirty="0">
-                <a:solidFill>
-                  <a:srgbClr val="000080"/>
-                </a:solidFill>
-                <a:highlight>
-                  <a:srgbClr val="FFFFFF"/>
-                </a:highlight>
-                <a:latin typeface="Courier New" panose="02070309020205020404" pitchFamily="49" charset="0"/>
-                <a:ea typeface="Yu Mincho" panose="02020400000000000000" pitchFamily="18" charset="-128"/>
-                <a:cs typeface="Times New Roman" panose="02020603050405020304" pitchFamily="18" charset="0"/>
-              </a:rPr>
-              <a:t>{</a:t>
-            </a:r>
-            <a:endParaRPr lang="de-DE" sz="12800" dirty="0">
-              <a:effectLst/>
-              <a:latin typeface="Calibri" panose="020F0502020204030204" pitchFamily="34" charset="0"/>
-              <a:ea typeface="Yu Mincho" panose="02020400000000000000" pitchFamily="18" charset="-128"/>
-              <a:cs typeface="Times New Roman" panose="02020603050405020304" pitchFamily="18" charset="0"/>
-            </a:endParaRPr>
-          </a:p>
-          <a:p>
-            <a:pPr marL="0" indent="0">
-              <a:lnSpc>
-                <a:spcPct val="107000"/>
-              </a:lnSpc>
-              <a:spcAft>
-                <a:spcPts val="0"/>
-              </a:spcAft>
-              <a:buNone/>
-            </a:pPr>
-            <a:r>
-              <a:rPr lang="de-DE" sz="8000" dirty="0">
-                <a:solidFill>
-                  <a:srgbClr val="000000"/>
-                </a:solidFill>
-                <a:highlight>
-                  <a:srgbClr val="FFFFFF"/>
-                </a:highlight>
-                <a:latin typeface="Courier New" panose="02070309020205020404" pitchFamily="49" charset="0"/>
-                <a:ea typeface="Yu Mincho" panose="02020400000000000000" pitchFamily="18" charset="-128"/>
-                <a:cs typeface="Times New Roman" panose="02020603050405020304" pitchFamily="18" charset="0"/>
-              </a:rPr>
-              <a:t>  </a:t>
-            </a:r>
-            <a:r>
-              <a:rPr lang="de-DE" sz="8000" b="1" dirty="0" err="1">
-                <a:solidFill>
-                  <a:srgbClr val="0000FF"/>
-                </a:solidFill>
-                <a:highlight>
-                  <a:srgbClr val="FFFFFF"/>
-                </a:highlight>
-                <a:latin typeface="Courier New" panose="02070309020205020404" pitchFamily="49" charset="0"/>
-                <a:ea typeface="Yu Mincho" panose="02020400000000000000" pitchFamily="18" charset="-128"/>
-                <a:cs typeface="Times New Roman" panose="02020603050405020304" pitchFamily="18" charset="0"/>
-              </a:rPr>
-              <a:t>for</a:t>
-            </a:r>
-            <a:r>
-              <a:rPr lang="de-DE" sz="8000" dirty="0">
-                <a:solidFill>
-                  <a:srgbClr val="000000"/>
-                </a:solidFill>
-                <a:highlight>
-                  <a:srgbClr val="FFFFFF"/>
-                </a:highlight>
-                <a:latin typeface="Courier New" panose="02070309020205020404" pitchFamily="49" charset="0"/>
-                <a:ea typeface="Yu Mincho" panose="02020400000000000000" pitchFamily="18" charset="-128"/>
-                <a:cs typeface="Times New Roman" panose="02020603050405020304" pitchFamily="18" charset="0"/>
-              </a:rPr>
-              <a:t> </a:t>
-            </a:r>
-            <a:r>
-              <a:rPr lang="de-DE" sz="8000" b="1" dirty="0">
-                <a:solidFill>
-                  <a:srgbClr val="000080"/>
-                </a:solidFill>
-                <a:highlight>
-                  <a:srgbClr val="FFFFFF"/>
-                </a:highlight>
-                <a:latin typeface="Courier New" panose="02070309020205020404" pitchFamily="49" charset="0"/>
-                <a:ea typeface="Yu Mincho" panose="02020400000000000000" pitchFamily="18" charset="-128"/>
-                <a:cs typeface="Times New Roman" panose="02020603050405020304" pitchFamily="18" charset="0"/>
-              </a:rPr>
-              <a:t>(</a:t>
-            </a:r>
-            <a:r>
-              <a:rPr lang="de-DE" sz="8000" dirty="0" err="1">
-                <a:solidFill>
-                  <a:srgbClr val="8000FF"/>
-                </a:solidFill>
-                <a:highlight>
-                  <a:srgbClr val="FFFFFF"/>
-                </a:highlight>
-                <a:latin typeface="Courier New" panose="02070309020205020404" pitchFamily="49" charset="0"/>
-                <a:ea typeface="Yu Mincho" panose="02020400000000000000" pitchFamily="18" charset="-128"/>
-                <a:cs typeface="Times New Roman" panose="02020603050405020304" pitchFamily="18" charset="0"/>
-              </a:rPr>
-              <a:t>int</a:t>
-            </a:r>
-            <a:r>
-              <a:rPr lang="de-DE" sz="8000" dirty="0">
-                <a:solidFill>
-                  <a:srgbClr val="000000"/>
-                </a:solidFill>
-                <a:highlight>
-                  <a:srgbClr val="FFFFFF"/>
-                </a:highlight>
-                <a:latin typeface="Courier New" panose="02070309020205020404" pitchFamily="49" charset="0"/>
-                <a:ea typeface="Yu Mincho" panose="02020400000000000000" pitchFamily="18" charset="-128"/>
-                <a:cs typeface="Times New Roman" panose="02020603050405020304" pitchFamily="18" charset="0"/>
-              </a:rPr>
-              <a:t> i </a:t>
-            </a:r>
-            <a:r>
-              <a:rPr lang="de-DE" sz="8000" b="1" dirty="0">
-                <a:solidFill>
-                  <a:srgbClr val="000080"/>
-                </a:solidFill>
-                <a:highlight>
-                  <a:srgbClr val="FFFFFF"/>
-                </a:highlight>
-                <a:latin typeface="Courier New" panose="02070309020205020404" pitchFamily="49" charset="0"/>
-                <a:ea typeface="Yu Mincho" panose="02020400000000000000" pitchFamily="18" charset="-128"/>
-                <a:cs typeface="Times New Roman" panose="02020603050405020304" pitchFamily="18" charset="0"/>
-              </a:rPr>
-              <a:t>=</a:t>
-            </a:r>
-            <a:r>
-              <a:rPr lang="de-DE" sz="8000" dirty="0">
-                <a:solidFill>
-                  <a:srgbClr val="000000"/>
-                </a:solidFill>
-                <a:highlight>
-                  <a:srgbClr val="FFFFFF"/>
-                </a:highlight>
-                <a:latin typeface="Courier New" panose="02070309020205020404" pitchFamily="49" charset="0"/>
-                <a:ea typeface="Yu Mincho" panose="02020400000000000000" pitchFamily="18" charset="-128"/>
-                <a:cs typeface="Times New Roman" panose="02020603050405020304" pitchFamily="18" charset="0"/>
-              </a:rPr>
-              <a:t> </a:t>
-            </a:r>
-            <a:r>
-              <a:rPr lang="de-DE" sz="8000" dirty="0">
-                <a:solidFill>
-                  <a:srgbClr val="FF8000"/>
-                </a:solidFill>
-                <a:highlight>
-                  <a:srgbClr val="FFFFFF"/>
-                </a:highlight>
-                <a:latin typeface="Courier New" panose="02070309020205020404" pitchFamily="49" charset="0"/>
-                <a:ea typeface="Yu Mincho" panose="02020400000000000000" pitchFamily="18" charset="-128"/>
-                <a:cs typeface="Times New Roman" panose="02020603050405020304" pitchFamily="18" charset="0"/>
-              </a:rPr>
-              <a:t>1</a:t>
-            </a:r>
-            <a:r>
-              <a:rPr lang="de-DE" sz="8000" b="1" dirty="0">
-                <a:solidFill>
-                  <a:srgbClr val="000080"/>
-                </a:solidFill>
-                <a:highlight>
-                  <a:srgbClr val="FFFFFF"/>
-                </a:highlight>
-                <a:latin typeface="Courier New" panose="02070309020205020404" pitchFamily="49" charset="0"/>
-                <a:ea typeface="Yu Mincho" panose="02020400000000000000" pitchFamily="18" charset="-128"/>
-                <a:cs typeface="Times New Roman" panose="02020603050405020304" pitchFamily="18" charset="0"/>
-              </a:rPr>
-              <a:t>;</a:t>
-            </a:r>
-            <a:r>
-              <a:rPr lang="de-DE" sz="8000" dirty="0">
-                <a:solidFill>
-                  <a:srgbClr val="000000"/>
-                </a:solidFill>
-                <a:highlight>
-                  <a:srgbClr val="FFFFFF"/>
-                </a:highlight>
-                <a:latin typeface="Courier New" panose="02070309020205020404" pitchFamily="49" charset="0"/>
-                <a:ea typeface="Yu Mincho" panose="02020400000000000000" pitchFamily="18" charset="-128"/>
-                <a:cs typeface="Times New Roman" panose="02020603050405020304" pitchFamily="18" charset="0"/>
-              </a:rPr>
-              <a:t> i </a:t>
-            </a:r>
-            <a:r>
-              <a:rPr lang="de-DE" sz="8000" b="1" dirty="0">
-                <a:solidFill>
-                  <a:srgbClr val="000080"/>
-                </a:solidFill>
-                <a:highlight>
-                  <a:srgbClr val="FFFFFF"/>
-                </a:highlight>
-                <a:latin typeface="Courier New" panose="02070309020205020404" pitchFamily="49" charset="0"/>
-                <a:ea typeface="Yu Mincho" panose="02020400000000000000" pitchFamily="18" charset="-128"/>
-                <a:cs typeface="Times New Roman" panose="02020603050405020304" pitchFamily="18" charset="0"/>
-              </a:rPr>
-              <a:t>&lt;=</a:t>
-            </a:r>
-            <a:r>
-              <a:rPr lang="de-DE" sz="8000" dirty="0">
-                <a:solidFill>
-                  <a:srgbClr val="000000"/>
-                </a:solidFill>
-                <a:highlight>
-                  <a:srgbClr val="FFFFFF"/>
-                </a:highlight>
-                <a:latin typeface="Courier New" panose="02070309020205020404" pitchFamily="49" charset="0"/>
-                <a:ea typeface="Yu Mincho" panose="02020400000000000000" pitchFamily="18" charset="-128"/>
-                <a:cs typeface="Times New Roman" panose="02020603050405020304" pitchFamily="18" charset="0"/>
-              </a:rPr>
-              <a:t> </a:t>
-            </a:r>
-            <a:r>
-              <a:rPr lang="de-DE" sz="8000" dirty="0">
-                <a:solidFill>
-                  <a:srgbClr val="FF8000"/>
-                </a:solidFill>
-                <a:highlight>
-                  <a:srgbClr val="FFFFFF"/>
-                </a:highlight>
-                <a:latin typeface="Courier New" panose="02070309020205020404" pitchFamily="49" charset="0"/>
-                <a:ea typeface="Yu Mincho" panose="02020400000000000000" pitchFamily="18" charset="-128"/>
-                <a:cs typeface="Times New Roman" panose="02020603050405020304" pitchFamily="18" charset="0"/>
-              </a:rPr>
-              <a:t>10000</a:t>
-            </a:r>
-            <a:r>
-              <a:rPr lang="de-DE" sz="8000" b="1" dirty="0">
-                <a:solidFill>
-                  <a:srgbClr val="000080"/>
-                </a:solidFill>
-                <a:highlight>
-                  <a:srgbClr val="FFFFFF"/>
-                </a:highlight>
-                <a:latin typeface="Courier New" panose="02070309020205020404" pitchFamily="49" charset="0"/>
-                <a:ea typeface="Yu Mincho" panose="02020400000000000000" pitchFamily="18" charset="-128"/>
-                <a:cs typeface="Times New Roman" panose="02020603050405020304" pitchFamily="18" charset="0"/>
-              </a:rPr>
-              <a:t>;</a:t>
-            </a:r>
-            <a:r>
-              <a:rPr lang="de-DE" sz="8000" dirty="0">
-                <a:solidFill>
-                  <a:srgbClr val="000000"/>
-                </a:solidFill>
-                <a:highlight>
-                  <a:srgbClr val="FFFFFF"/>
-                </a:highlight>
-                <a:latin typeface="Courier New" panose="02070309020205020404" pitchFamily="49" charset="0"/>
-                <a:ea typeface="Yu Mincho" panose="02020400000000000000" pitchFamily="18" charset="-128"/>
-                <a:cs typeface="Times New Roman" panose="02020603050405020304" pitchFamily="18" charset="0"/>
-              </a:rPr>
-              <a:t> </a:t>
-            </a:r>
-            <a:r>
-              <a:rPr lang="de-DE" sz="8000" b="1" dirty="0">
-                <a:solidFill>
-                  <a:srgbClr val="000080"/>
-                </a:solidFill>
-                <a:highlight>
-                  <a:srgbClr val="FFFFFF"/>
-                </a:highlight>
-                <a:latin typeface="Courier New" panose="02070309020205020404" pitchFamily="49" charset="0"/>
-                <a:ea typeface="Yu Mincho" panose="02020400000000000000" pitchFamily="18" charset="-128"/>
-                <a:cs typeface="Times New Roman" panose="02020603050405020304" pitchFamily="18" charset="0"/>
-              </a:rPr>
-              <a:t>++</a:t>
-            </a:r>
-            <a:r>
-              <a:rPr lang="de-DE" sz="8000" dirty="0">
-                <a:solidFill>
-                  <a:srgbClr val="000000"/>
-                </a:solidFill>
-                <a:highlight>
-                  <a:srgbClr val="FFFFFF"/>
-                </a:highlight>
-                <a:latin typeface="Courier New" panose="02070309020205020404" pitchFamily="49" charset="0"/>
-                <a:ea typeface="Yu Mincho" panose="02020400000000000000" pitchFamily="18" charset="-128"/>
-                <a:cs typeface="Times New Roman" panose="02020603050405020304" pitchFamily="18" charset="0"/>
-              </a:rPr>
-              <a:t>i</a:t>
-            </a:r>
-            <a:r>
-              <a:rPr lang="de-DE" sz="8000" b="1" dirty="0">
-                <a:solidFill>
-                  <a:srgbClr val="000080"/>
-                </a:solidFill>
-                <a:highlight>
-                  <a:srgbClr val="FFFFFF"/>
-                </a:highlight>
-                <a:latin typeface="Courier New" panose="02070309020205020404" pitchFamily="49" charset="0"/>
-                <a:ea typeface="Yu Mincho" panose="02020400000000000000" pitchFamily="18" charset="-128"/>
-                <a:cs typeface="Times New Roman" panose="02020603050405020304" pitchFamily="18" charset="0"/>
-              </a:rPr>
-              <a:t>)</a:t>
-            </a:r>
-            <a:endParaRPr lang="de-DE" sz="12800" dirty="0">
-              <a:effectLst/>
-              <a:latin typeface="Calibri" panose="020F0502020204030204" pitchFamily="34" charset="0"/>
-              <a:ea typeface="Yu Mincho" panose="02020400000000000000" pitchFamily="18" charset="-128"/>
-              <a:cs typeface="Times New Roman" panose="02020603050405020304" pitchFamily="18" charset="0"/>
-            </a:endParaRPr>
-          </a:p>
-          <a:p>
-            <a:pPr marL="0" indent="0">
-              <a:lnSpc>
-                <a:spcPct val="107000"/>
-              </a:lnSpc>
-              <a:spcAft>
-                <a:spcPts val="0"/>
-              </a:spcAft>
-              <a:buNone/>
-            </a:pPr>
-            <a:r>
-              <a:rPr lang="de-DE" sz="8000" dirty="0">
-                <a:solidFill>
-                  <a:srgbClr val="000000"/>
-                </a:solidFill>
-                <a:highlight>
-                  <a:srgbClr val="FFFFFF"/>
-                </a:highlight>
-                <a:latin typeface="Courier New" panose="02070309020205020404" pitchFamily="49" charset="0"/>
-                <a:ea typeface="Yu Mincho" panose="02020400000000000000" pitchFamily="18" charset="-128"/>
-                <a:cs typeface="Times New Roman" panose="02020603050405020304" pitchFamily="18" charset="0"/>
-              </a:rPr>
-              <a:t>    </a:t>
-            </a:r>
-            <a:r>
-              <a:rPr lang="de-DE" sz="8000" dirty="0" err="1">
-                <a:solidFill>
-                  <a:srgbClr val="000000"/>
-                </a:solidFill>
-                <a:highlight>
-                  <a:srgbClr val="FFFFFF"/>
-                </a:highlight>
-                <a:latin typeface="Courier New" panose="02070309020205020404" pitchFamily="49" charset="0"/>
-                <a:ea typeface="Yu Mincho" panose="02020400000000000000" pitchFamily="18" charset="-128"/>
-                <a:cs typeface="Times New Roman" panose="02020603050405020304" pitchFamily="18" charset="0"/>
-              </a:rPr>
-              <a:t>q</a:t>
-            </a:r>
-            <a:r>
-              <a:rPr lang="de-DE" sz="8000" b="1" dirty="0" err="1">
-                <a:solidFill>
-                  <a:srgbClr val="000080"/>
-                </a:solidFill>
-                <a:highlight>
-                  <a:srgbClr val="FFFFFF"/>
-                </a:highlight>
-                <a:latin typeface="Courier New" panose="02070309020205020404" pitchFamily="49" charset="0"/>
-                <a:ea typeface="Yu Mincho" panose="02020400000000000000" pitchFamily="18" charset="-128"/>
-                <a:cs typeface="Times New Roman" panose="02020603050405020304" pitchFamily="18" charset="0"/>
-              </a:rPr>
-              <a:t>.</a:t>
-            </a:r>
-            <a:r>
-              <a:rPr lang="de-DE" sz="8000" dirty="0" err="1">
-                <a:solidFill>
-                  <a:srgbClr val="000000"/>
-                </a:solidFill>
-                <a:highlight>
-                  <a:srgbClr val="FFFFFF"/>
-                </a:highlight>
-                <a:latin typeface="Courier New" panose="02070309020205020404" pitchFamily="49" charset="0"/>
-                <a:ea typeface="Yu Mincho" panose="02020400000000000000" pitchFamily="18" charset="-128"/>
-                <a:cs typeface="Times New Roman" panose="02020603050405020304" pitchFamily="18" charset="0"/>
-              </a:rPr>
-              <a:t>push</a:t>
-            </a:r>
-            <a:r>
-              <a:rPr lang="de-DE" sz="8000" b="1" dirty="0">
-                <a:solidFill>
-                  <a:srgbClr val="000080"/>
-                </a:solidFill>
-                <a:highlight>
-                  <a:srgbClr val="FFFFFF"/>
-                </a:highlight>
-                <a:latin typeface="Courier New" panose="02070309020205020404" pitchFamily="49" charset="0"/>
-                <a:ea typeface="Yu Mincho" panose="02020400000000000000" pitchFamily="18" charset="-128"/>
-                <a:cs typeface="Times New Roman" panose="02020603050405020304" pitchFamily="18" charset="0"/>
-              </a:rPr>
-              <a:t>(</a:t>
-            </a:r>
-            <a:r>
-              <a:rPr lang="de-DE" sz="8000" dirty="0">
-                <a:solidFill>
-                  <a:srgbClr val="000000"/>
-                </a:solidFill>
-                <a:highlight>
-                  <a:srgbClr val="FFFFFF"/>
-                </a:highlight>
-                <a:latin typeface="Courier New" panose="02070309020205020404" pitchFamily="49" charset="0"/>
-                <a:ea typeface="Yu Mincho" panose="02020400000000000000" pitchFamily="18" charset="-128"/>
-                <a:cs typeface="Times New Roman" panose="02020603050405020304" pitchFamily="18" charset="0"/>
-              </a:rPr>
-              <a:t>i</a:t>
-            </a:r>
-            <a:r>
-              <a:rPr lang="de-DE" sz="8000" b="1" dirty="0">
-                <a:solidFill>
-                  <a:srgbClr val="000080"/>
-                </a:solidFill>
-                <a:highlight>
-                  <a:srgbClr val="FFFFFF"/>
-                </a:highlight>
-                <a:latin typeface="Courier New" panose="02070309020205020404" pitchFamily="49" charset="0"/>
-                <a:ea typeface="Yu Mincho" panose="02020400000000000000" pitchFamily="18" charset="-128"/>
-                <a:cs typeface="Times New Roman" panose="02020603050405020304" pitchFamily="18" charset="0"/>
-              </a:rPr>
-              <a:t>);</a:t>
-            </a:r>
-            <a:endParaRPr lang="de-DE" sz="12800" dirty="0">
-              <a:effectLst/>
-              <a:latin typeface="Calibri" panose="020F0502020204030204" pitchFamily="34" charset="0"/>
-              <a:ea typeface="Yu Mincho" panose="02020400000000000000" pitchFamily="18" charset="-128"/>
-              <a:cs typeface="Times New Roman" panose="02020603050405020304" pitchFamily="18" charset="0"/>
-            </a:endParaRPr>
-          </a:p>
-          <a:p>
-            <a:pPr marL="0" indent="0">
-              <a:lnSpc>
-                <a:spcPct val="107000"/>
-              </a:lnSpc>
-              <a:spcAft>
-                <a:spcPts val="0"/>
-              </a:spcAft>
-              <a:buNone/>
-            </a:pPr>
-            <a:r>
-              <a:rPr lang="de-DE" sz="8000" b="1" dirty="0">
-                <a:solidFill>
-                  <a:srgbClr val="000080"/>
-                </a:solidFill>
-                <a:highlight>
-                  <a:srgbClr val="FFFFFF"/>
-                </a:highlight>
-                <a:latin typeface="Courier New" panose="02070309020205020404" pitchFamily="49" charset="0"/>
-                <a:ea typeface="Yu Mincho" panose="02020400000000000000" pitchFamily="18" charset="-128"/>
-                <a:cs typeface="Times New Roman" panose="02020603050405020304" pitchFamily="18" charset="0"/>
-              </a:rPr>
-              <a:t>}</a:t>
-            </a:r>
-            <a:endParaRPr lang="de-DE" sz="12800" dirty="0">
-              <a:highlight>
-                <a:srgbClr val="FFFFFF"/>
-              </a:highlight>
-              <a:latin typeface="Calibri" panose="020F0502020204030204" pitchFamily="34" charset="0"/>
-              <a:ea typeface="Yu Mincho" panose="02020400000000000000" pitchFamily="18" charset="-128"/>
-              <a:cs typeface="Times New Roman" panose="02020603050405020304" pitchFamily="18" charset="0"/>
-            </a:endParaRPr>
-          </a:p>
-          <a:p>
-            <a:pPr marL="0" indent="0">
-              <a:lnSpc>
-                <a:spcPct val="107000"/>
-              </a:lnSpc>
-              <a:spcAft>
-                <a:spcPts val="0"/>
-              </a:spcAft>
-              <a:buNone/>
-            </a:pPr>
-            <a:endParaRPr lang="de-DE" sz="12800" dirty="0">
-              <a:solidFill>
-                <a:srgbClr val="8000FF"/>
-              </a:solidFill>
-              <a:highlight>
-                <a:srgbClr val="FFFFFF"/>
-              </a:highlight>
-              <a:latin typeface="Calibri" panose="020F0502020204030204" pitchFamily="34" charset="0"/>
-              <a:ea typeface="Yu Mincho" panose="02020400000000000000" pitchFamily="18" charset="-128"/>
-              <a:cs typeface="Times New Roman" panose="02020603050405020304" pitchFamily="18" charset="0"/>
-            </a:endParaRPr>
-          </a:p>
-          <a:p>
-            <a:pPr marL="0" indent="0">
-              <a:lnSpc>
-                <a:spcPct val="107000"/>
-              </a:lnSpc>
-              <a:spcAft>
-                <a:spcPts val="0"/>
-              </a:spcAft>
-              <a:buNone/>
-            </a:pPr>
-            <a:endParaRPr lang="de-DE" sz="8000" dirty="0">
-              <a:solidFill>
-                <a:srgbClr val="8000FF"/>
-              </a:solidFill>
-              <a:highlight>
-                <a:srgbClr val="FFFFFF"/>
-              </a:highlight>
-              <a:latin typeface="Courier New" panose="02070309020205020404" pitchFamily="49" charset="0"/>
-              <a:ea typeface="Yu Mincho" panose="02020400000000000000" pitchFamily="18" charset="-128"/>
-              <a:cs typeface="Times New Roman" panose="02020603050405020304" pitchFamily="18" charset="0"/>
-            </a:endParaRPr>
-          </a:p>
-          <a:p>
-            <a:pPr marL="0" indent="0">
-              <a:lnSpc>
-                <a:spcPct val="107000"/>
-              </a:lnSpc>
-              <a:spcAft>
-                <a:spcPts val="0"/>
-              </a:spcAft>
-              <a:buNone/>
-            </a:pPr>
-            <a:r>
-              <a:rPr lang="de-DE" sz="8000" dirty="0" err="1">
-                <a:solidFill>
-                  <a:srgbClr val="8000FF"/>
-                </a:solidFill>
-                <a:highlight>
-                  <a:srgbClr val="FFFFFF"/>
-                </a:highlight>
-                <a:latin typeface="Courier New" panose="02070309020205020404" pitchFamily="49" charset="0"/>
-                <a:ea typeface="Yu Mincho" panose="02020400000000000000" pitchFamily="18" charset="-128"/>
-                <a:cs typeface="Times New Roman" panose="02020603050405020304" pitchFamily="18" charset="0"/>
-              </a:rPr>
-              <a:t>void</a:t>
-            </a:r>
-            <a:r>
-              <a:rPr lang="de-DE" sz="8000" dirty="0">
-                <a:solidFill>
-                  <a:srgbClr val="000000"/>
-                </a:solidFill>
-                <a:highlight>
-                  <a:srgbClr val="FFFFFF"/>
-                </a:highlight>
-                <a:latin typeface="Courier New" panose="02070309020205020404" pitchFamily="49" charset="0"/>
-                <a:ea typeface="Yu Mincho" panose="02020400000000000000" pitchFamily="18" charset="-128"/>
-                <a:cs typeface="Times New Roman" panose="02020603050405020304" pitchFamily="18" charset="0"/>
-              </a:rPr>
-              <a:t> </a:t>
-            </a:r>
-            <a:r>
-              <a:rPr lang="de-DE" sz="8000" dirty="0" err="1">
-                <a:solidFill>
-                  <a:srgbClr val="000000"/>
-                </a:solidFill>
-                <a:highlight>
-                  <a:srgbClr val="FFFFFF"/>
-                </a:highlight>
-                <a:latin typeface="Courier New" panose="02070309020205020404" pitchFamily="49" charset="0"/>
-                <a:ea typeface="Yu Mincho" panose="02020400000000000000" pitchFamily="18" charset="-128"/>
-                <a:cs typeface="Times New Roman" panose="02020603050405020304" pitchFamily="18" charset="0"/>
-              </a:rPr>
-              <a:t>consume</a:t>
-            </a:r>
-            <a:r>
-              <a:rPr lang="de-DE" sz="8000" b="1" dirty="0">
-                <a:solidFill>
-                  <a:srgbClr val="000080"/>
-                </a:solidFill>
-                <a:highlight>
-                  <a:srgbClr val="FFFFFF"/>
-                </a:highlight>
-                <a:latin typeface="Courier New" panose="02070309020205020404" pitchFamily="49" charset="0"/>
-                <a:ea typeface="Yu Mincho" panose="02020400000000000000" pitchFamily="18" charset="-128"/>
-                <a:cs typeface="Times New Roman" panose="02020603050405020304" pitchFamily="18" charset="0"/>
-              </a:rPr>
-              <a:t>()</a:t>
-            </a:r>
-            <a:endParaRPr lang="de-DE" sz="12800" dirty="0">
-              <a:effectLst/>
-              <a:latin typeface="Calibri" panose="020F0502020204030204" pitchFamily="34" charset="0"/>
-              <a:ea typeface="Yu Mincho" panose="02020400000000000000" pitchFamily="18" charset="-128"/>
-              <a:cs typeface="Times New Roman" panose="02020603050405020304" pitchFamily="18" charset="0"/>
-            </a:endParaRPr>
-          </a:p>
-          <a:p>
-            <a:pPr marL="0" indent="0">
-              <a:lnSpc>
-                <a:spcPct val="107000"/>
-              </a:lnSpc>
-              <a:spcAft>
-                <a:spcPts val="0"/>
-              </a:spcAft>
-              <a:buNone/>
-            </a:pPr>
-            <a:r>
-              <a:rPr lang="de-DE" sz="8000" b="1" dirty="0">
-                <a:solidFill>
-                  <a:srgbClr val="000080"/>
-                </a:solidFill>
-                <a:highlight>
-                  <a:srgbClr val="FFFFFF"/>
-                </a:highlight>
-                <a:latin typeface="Courier New" panose="02070309020205020404" pitchFamily="49" charset="0"/>
-                <a:ea typeface="Yu Mincho" panose="02020400000000000000" pitchFamily="18" charset="-128"/>
-                <a:cs typeface="Times New Roman" panose="02020603050405020304" pitchFamily="18" charset="0"/>
-              </a:rPr>
-              <a:t>{</a:t>
-            </a:r>
-            <a:r>
-              <a:rPr lang="de-DE" sz="12800" dirty="0">
-                <a:highlight>
-                  <a:srgbClr val="FFFFFF"/>
-                </a:highlight>
-                <a:latin typeface="Calibri" panose="020F0502020204030204" pitchFamily="34" charset="0"/>
-                <a:ea typeface="Yu Mincho" panose="02020400000000000000" pitchFamily="18" charset="-128"/>
-                <a:cs typeface="Times New Roman" panose="02020603050405020304" pitchFamily="18" charset="0"/>
-              </a:rPr>
-              <a:t>  </a:t>
-            </a:r>
-            <a:r>
-              <a:rPr lang="de-DE" sz="8000" dirty="0" err="1">
-                <a:solidFill>
-                  <a:srgbClr val="8000FF"/>
-                </a:solidFill>
-                <a:highlight>
-                  <a:srgbClr val="FFFFFF"/>
-                </a:highlight>
-                <a:latin typeface="Courier New" panose="02070309020205020404" pitchFamily="49" charset="0"/>
-                <a:ea typeface="Yu Mincho" panose="02020400000000000000" pitchFamily="18" charset="-128"/>
-                <a:cs typeface="Times New Roman" panose="02020603050405020304" pitchFamily="18" charset="0"/>
-              </a:rPr>
-              <a:t>int</a:t>
-            </a:r>
-            <a:r>
-              <a:rPr lang="de-DE" sz="8000" dirty="0">
-                <a:solidFill>
-                  <a:srgbClr val="000000"/>
-                </a:solidFill>
-                <a:highlight>
-                  <a:srgbClr val="FFFFFF"/>
-                </a:highlight>
-                <a:latin typeface="Courier New" panose="02070309020205020404" pitchFamily="49" charset="0"/>
-                <a:ea typeface="Yu Mincho" panose="02020400000000000000" pitchFamily="18" charset="-128"/>
-                <a:cs typeface="Times New Roman" panose="02020603050405020304" pitchFamily="18" charset="0"/>
-              </a:rPr>
-              <a:t> i</a:t>
-            </a:r>
-            <a:r>
-              <a:rPr lang="de-DE" sz="8000" b="1" dirty="0">
-                <a:solidFill>
-                  <a:srgbClr val="000080"/>
-                </a:solidFill>
-                <a:highlight>
-                  <a:srgbClr val="FFFFFF"/>
-                </a:highlight>
-                <a:latin typeface="Courier New" panose="02070309020205020404" pitchFamily="49" charset="0"/>
-                <a:ea typeface="Yu Mincho" panose="02020400000000000000" pitchFamily="18" charset="-128"/>
-                <a:cs typeface="Times New Roman" panose="02020603050405020304" pitchFamily="18" charset="0"/>
-              </a:rPr>
-              <a:t>;</a:t>
-            </a:r>
-            <a:endParaRPr lang="de-DE" sz="12800" dirty="0">
-              <a:effectLst/>
-              <a:latin typeface="Calibri" panose="020F0502020204030204" pitchFamily="34" charset="0"/>
-              <a:ea typeface="Yu Mincho" panose="02020400000000000000" pitchFamily="18" charset="-128"/>
-              <a:cs typeface="Times New Roman" panose="02020603050405020304" pitchFamily="18" charset="0"/>
-            </a:endParaRPr>
-          </a:p>
-          <a:p>
-            <a:pPr marL="0" indent="0">
-              <a:lnSpc>
-                <a:spcPct val="107000"/>
-              </a:lnSpc>
-              <a:spcAft>
-                <a:spcPts val="0"/>
-              </a:spcAft>
-              <a:buNone/>
-            </a:pPr>
-            <a:r>
-              <a:rPr lang="de-DE" sz="8000" dirty="0">
-                <a:solidFill>
-                  <a:srgbClr val="000000"/>
-                </a:solidFill>
-                <a:highlight>
-                  <a:srgbClr val="FFFFFF"/>
-                </a:highlight>
-                <a:latin typeface="Courier New" panose="02070309020205020404" pitchFamily="49" charset="0"/>
-                <a:ea typeface="Yu Mincho" panose="02020400000000000000" pitchFamily="18" charset="-128"/>
-                <a:cs typeface="Times New Roman" panose="02020603050405020304" pitchFamily="18" charset="0"/>
-              </a:rPr>
-              <a:t>  </a:t>
-            </a:r>
-            <a:r>
-              <a:rPr lang="de-DE" sz="8000" b="1" dirty="0" err="1">
-                <a:solidFill>
-                  <a:srgbClr val="0000FF"/>
-                </a:solidFill>
-                <a:highlight>
-                  <a:srgbClr val="FFFFFF"/>
-                </a:highlight>
-                <a:latin typeface="Courier New" panose="02070309020205020404" pitchFamily="49" charset="0"/>
-                <a:ea typeface="Yu Mincho" panose="02020400000000000000" pitchFamily="18" charset="-128"/>
-                <a:cs typeface="Times New Roman" panose="02020603050405020304" pitchFamily="18" charset="0"/>
-              </a:rPr>
-              <a:t>while</a:t>
-            </a:r>
-            <a:r>
-              <a:rPr lang="de-DE" sz="8000" dirty="0">
-                <a:solidFill>
-                  <a:srgbClr val="000000"/>
-                </a:solidFill>
-                <a:highlight>
-                  <a:srgbClr val="FFFFFF"/>
-                </a:highlight>
-                <a:latin typeface="Courier New" panose="02070309020205020404" pitchFamily="49" charset="0"/>
-                <a:ea typeface="Yu Mincho" panose="02020400000000000000" pitchFamily="18" charset="-128"/>
-                <a:cs typeface="Times New Roman" panose="02020603050405020304" pitchFamily="18" charset="0"/>
-              </a:rPr>
-              <a:t> </a:t>
-            </a:r>
-            <a:r>
-              <a:rPr lang="de-DE" sz="8000" b="1" dirty="0">
-                <a:solidFill>
-                  <a:srgbClr val="000080"/>
-                </a:solidFill>
-                <a:highlight>
-                  <a:srgbClr val="FFFFFF"/>
-                </a:highlight>
-                <a:latin typeface="Courier New" panose="02070309020205020404" pitchFamily="49" charset="0"/>
-                <a:ea typeface="Yu Mincho" panose="02020400000000000000" pitchFamily="18" charset="-128"/>
-                <a:cs typeface="Times New Roman" panose="02020603050405020304" pitchFamily="18" charset="0"/>
-              </a:rPr>
-              <a:t>(</a:t>
-            </a:r>
-            <a:r>
-              <a:rPr lang="de-DE" sz="8000" dirty="0" err="1">
-                <a:solidFill>
-                  <a:srgbClr val="000000"/>
-                </a:solidFill>
-                <a:highlight>
-                  <a:srgbClr val="FFFFFF"/>
-                </a:highlight>
-                <a:latin typeface="Courier New" panose="02070309020205020404" pitchFamily="49" charset="0"/>
-                <a:ea typeface="Yu Mincho" panose="02020400000000000000" pitchFamily="18" charset="-128"/>
-                <a:cs typeface="Times New Roman" panose="02020603050405020304" pitchFamily="18" charset="0"/>
-              </a:rPr>
-              <a:t>q</a:t>
-            </a:r>
-            <a:r>
-              <a:rPr lang="de-DE" sz="8000" b="1" dirty="0" err="1">
-                <a:solidFill>
-                  <a:srgbClr val="000080"/>
-                </a:solidFill>
-                <a:highlight>
-                  <a:srgbClr val="FFFFFF"/>
-                </a:highlight>
-                <a:latin typeface="Courier New" panose="02070309020205020404" pitchFamily="49" charset="0"/>
-                <a:ea typeface="Yu Mincho" panose="02020400000000000000" pitchFamily="18" charset="-128"/>
-                <a:cs typeface="Times New Roman" panose="02020603050405020304" pitchFamily="18" charset="0"/>
-              </a:rPr>
-              <a:t>.</a:t>
-            </a:r>
-            <a:r>
-              <a:rPr lang="de-DE" sz="8000" dirty="0" err="1">
-                <a:solidFill>
-                  <a:srgbClr val="000000"/>
-                </a:solidFill>
-                <a:highlight>
-                  <a:srgbClr val="FFFFFF"/>
-                </a:highlight>
-                <a:latin typeface="Courier New" panose="02070309020205020404" pitchFamily="49" charset="0"/>
-                <a:ea typeface="Yu Mincho" panose="02020400000000000000" pitchFamily="18" charset="-128"/>
-                <a:cs typeface="Times New Roman" panose="02020603050405020304" pitchFamily="18" charset="0"/>
-              </a:rPr>
-              <a:t>pop</a:t>
-            </a:r>
-            <a:r>
-              <a:rPr lang="de-DE" sz="8000" b="1" dirty="0">
-                <a:solidFill>
-                  <a:srgbClr val="000080"/>
-                </a:solidFill>
-                <a:highlight>
-                  <a:srgbClr val="FFFFFF"/>
-                </a:highlight>
-                <a:latin typeface="Courier New" panose="02070309020205020404" pitchFamily="49" charset="0"/>
-                <a:ea typeface="Yu Mincho" panose="02020400000000000000" pitchFamily="18" charset="-128"/>
-                <a:cs typeface="Times New Roman" panose="02020603050405020304" pitchFamily="18" charset="0"/>
-              </a:rPr>
-              <a:t>(</a:t>
-            </a:r>
-            <a:r>
-              <a:rPr lang="de-DE" sz="8000" dirty="0">
-                <a:solidFill>
-                  <a:srgbClr val="000000"/>
-                </a:solidFill>
-                <a:highlight>
-                  <a:srgbClr val="FFFFFF"/>
-                </a:highlight>
-                <a:latin typeface="Courier New" panose="02070309020205020404" pitchFamily="49" charset="0"/>
-                <a:ea typeface="Yu Mincho" panose="02020400000000000000" pitchFamily="18" charset="-128"/>
-                <a:cs typeface="Times New Roman" panose="02020603050405020304" pitchFamily="18" charset="0"/>
-              </a:rPr>
-              <a:t>i</a:t>
-            </a:r>
-            <a:r>
-              <a:rPr lang="de-DE" sz="8000" b="1" dirty="0">
-                <a:solidFill>
-                  <a:srgbClr val="000080"/>
-                </a:solidFill>
-                <a:highlight>
-                  <a:srgbClr val="FFFFFF"/>
-                </a:highlight>
-                <a:latin typeface="Courier New" panose="02070309020205020404" pitchFamily="49" charset="0"/>
-                <a:ea typeface="Yu Mincho" panose="02020400000000000000" pitchFamily="18" charset="-128"/>
-                <a:cs typeface="Times New Roman" panose="02020603050405020304" pitchFamily="18" charset="0"/>
-              </a:rPr>
-              <a:t>))</a:t>
-            </a:r>
-            <a:endParaRPr lang="de-DE" sz="12800" dirty="0">
-              <a:effectLst/>
-              <a:latin typeface="Calibri" panose="020F0502020204030204" pitchFamily="34" charset="0"/>
-              <a:ea typeface="Yu Mincho" panose="02020400000000000000" pitchFamily="18" charset="-128"/>
-              <a:cs typeface="Times New Roman" panose="02020603050405020304" pitchFamily="18" charset="0"/>
-            </a:endParaRPr>
-          </a:p>
-          <a:p>
-            <a:pPr marL="0" indent="0">
-              <a:lnSpc>
-                <a:spcPct val="107000"/>
-              </a:lnSpc>
-              <a:spcAft>
-                <a:spcPts val="0"/>
-              </a:spcAft>
-              <a:buNone/>
-            </a:pPr>
-            <a:r>
-              <a:rPr lang="de-DE" sz="8000" dirty="0">
-                <a:solidFill>
-                  <a:srgbClr val="000000"/>
-                </a:solidFill>
-                <a:highlight>
-                  <a:srgbClr val="FFFFFF"/>
-                </a:highlight>
-                <a:latin typeface="Courier New" panose="02070309020205020404" pitchFamily="49" charset="0"/>
-                <a:ea typeface="Yu Mincho" panose="02020400000000000000" pitchFamily="18" charset="-128"/>
-                <a:cs typeface="Times New Roman" panose="02020603050405020304" pitchFamily="18" charset="0"/>
-              </a:rPr>
-              <a:t>    </a:t>
-            </a:r>
-            <a:r>
-              <a:rPr lang="de-DE" sz="8000" dirty="0" err="1">
-                <a:solidFill>
-                  <a:srgbClr val="000000"/>
-                </a:solidFill>
-                <a:highlight>
-                  <a:srgbClr val="FFFFFF"/>
-                </a:highlight>
-                <a:latin typeface="Courier New" panose="02070309020205020404" pitchFamily="49" charset="0"/>
-                <a:ea typeface="Yu Mincho" panose="02020400000000000000" pitchFamily="18" charset="-128"/>
-                <a:cs typeface="Times New Roman" panose="02020603050405020304" pitchFamily="18" charset="0"/>
-              </a:rPr>
-              <a:t>sum</a:t>
-            </a:r>
-            <a:r>
-              <a:rPr lang="de-DE" sz="8000" dirty="0">
-                <a:solidFill>
-                  <a:srgbClr val="000000"/>
-                </a:solidFill>
-                <a:highlight>
-                  <a:srgbClr val="FFFFFF"/>
-                </a:highlight>
-                <a:latin typeface="Courier New" panose="02070309020205020404" pitchFamily="49" charset="0"/>
-                <a:ea typeface="Yu Mincho" panose="02020400000000000000" pitchFamily="18" charset="-128"/>
-                <a:cs typeface="Times New Roman" panose="02020603050405020304" pitchFamily="18" charset="0"/>
-              </a:rPr>
-              <a:t> </a:t>
-            </a:r>
-            <a:r>
-              <a:rPr lang="de-DE" sz="8000" b="1" dirty="0">
-                <a:solidFill>
-                  <a:srgbClr val="000080"/>
-                </a:solidFill>
-                <a:highlight>
-                  <a:srgbClr val="FFFFFF"/>
-                </a:highlight>
-                <a:latin typeface="Courier New" panose="02070309020205020404" pitchFamily="49" charset="0"/>
-                <a:ea typeface="Yu Mincho" panose="02020400000000000000" pitchFamily="18" charset="-128"/>
-                <a:cs typeface="Times New Roman" panose="02020603050405020304" pitchFamily="18" charset="0"/>
-              </a:rPr>
-              <a:t>+=</a:t>
-            </a:r>
-            <a:r>
-              <a:rPr lang="de-DE" sz="8000" dirty="0">
-                <a:solidFill>
-                  <a:srgbClr val="000000"/>
-                </a:solidFill>
-                <a:highlight>
-                  <a:srgbClr val="FFFFFF"/>
-                </a:highlight>
-                <a:latin typeface="Courier New" panose="02070309020205020404" pitchFamily="49" charset="0"/>
-                <a:ea typeface="Yu Mincho" panose="02020400000000000000" pitchFamily="18" charset="-128"/>
-                <a:cs typeface="Times New Roman" panose="02020603050405020304" pitchFamily="18" charset="0"/>
-              </a:rPr>
-              <a:t> i</a:t>
-            </a:r>
-            <a:r>
-              <a:rPr lang="de-DE" sz="8000" b="1" dirty="0">
-                <a:solidFill>
-                  <a:srgbClr val="000080"/>
-                </a:solidFill>
-                <a:highlight>
-                  <a:srgbClr val="FFFFFF"/>
-                </a:highlight>
-                <a:latin typeface="Courier New" panose="02070309020205020404" pitchFamily="49" charset="0"/>
-                <a:ea typeface="Yu Mincho" panose="02020400000000000000" pitchFamily="18" charset="-128"/>
-                <a:cs typeface="Times New Roman" panose="02020603050405020304" pitchFamily="18" charset="0"/>
-              </a:rPr>
-              <a:t>;</a:t>
-            </a:r>
-          </a:p>
-          <a:p>
-            <a:pPr marL="0" indent="0">
-              <a:lnSpc>
-                <a:spcPct val="107000"/>
-              </a:lnSpc>
-              <a:spcAft>
-                <a:spcPts val="0"/>
-              </a:spcAft>
-              <a:buNone/>
-            </a:pPr>
-            <a:r>
-              <a:rPr lang="de-DE" sz="8000" b="1" dirty="0">
-                <a:solidFill>
-                  <a:srgbClr val="000080"/>
-                </a:solidFill>
-                <a:highlight>
-                  <a:srgbClr val="FFFFFF"/>
-                </a:highlight>
-                <a:latin typeface="Courier New" panose="02070309020205020404" pitchFamily="49" charset="0"/>
-                <a:ea typeface="Yu Mincho" panose="02020400000000000000" pitchFamily="18" charset="-128"/>
-                <a:cs typeface="Times New Roman" panose="02020603050405020304" pitchFamily="18" charset="0"/>
-              </a:rPr>
-              <a:t>}</a:t>
-            </a:r>
-            <a:r>
-              <a:rPr lang="de-DE" sz="8000" dirty="0">
-                <a:solidFill>
-                  <a:srgbClr val="000000"/>
-                </a:solidFill>
-                <a:highlight>
-                  <a:srgbClr val="FFFFFF"/>
-                </a:highlight>
-                <a:latin typeface="Courier New" panose="02070309020205020404" pitchFamily="49" charset="0"/>
-                <a:ea typeface="Yu Mincho" panose="02020400000000000000" pitchFamily="18" charset="-128"/>
-                <a:cs typeface="Times New Roman" panose="02020603050405020304" pitchFamily="18" charset="0"/>
-              </a:rPr>
-              <a:t> </a:t>
-            </a:r>
-            <a:endParaRPr lang="de-DE" sz="12800" dirty="0">
-              <a:effectLst/>
-              <a:latin typeface="Calibri" panose="020F0502020204030204" pitchFamily="34" charset="0"/>
-              <a:ea typeface="Yu Mincho" panose="02020400000000000000" pitchFamily="18" charset="-128"/>
-              <a:cs typeface="Times New Roman" panose="02020603050405020304" pitchFamily="18" charset="0"/>
-            </a:endParaRPr>
-          </a:p>
-          <a:p>
-            <a:pPr marL="0" indent="0">
-              <a:lnSpc>
-                <a:spcPct val="107000"/>
-              </a:lnSpc>
-              <a:spcAft>
-                <a:spcPts val="0"/>
-              </a:spcAft>
-              <a:buNone/>
-            </a:pPr>
-            <a:r>
-              <a:rPr lang="de-DE" sz="8000" dirty="0" err="1">
-                <a:solidFill>
-                  <a:srgbClr val="8000FF"/>
-                </a:solidFill>
-                <a:highlight>
-                  <a:srgbClr val="FFFFFF"/>
-                </a:highlight>
-                <a:latin typeface="Courier New" panose="02070309020205020404" pitchFamily="49" charset="0"/>
-                <a:ea typeface="Yu Mincho" panose="02020400000000000000" pitchFamily="18" charset="-128"/>
-                <a:cs typeface="Times New Roman" panose="02020603050405020304" pitchFamily="18" charset="0"/>
-              </a:rPr>
-              <a:t>int</a:t>
-            </a:r>
-            <a:r>
-              <a:rPr lang="de-DE" sz="8000" dirty="0">
-                <a:solidFill>
-                  <a:srgbClr val="000000"/>
-                </a:solidFill>
-                <a:highlight>
-                  <a:srgbClr val="FFFFFF"/>
-                </a:highlight>
-                <a:latin typeface="Courier New" panose="02070309020205020404" pitchFamily="49" charset="0"/>
-                <a:ea typeface="Yu Mincho" panose="02020400000000000000" pitchFamily="18" charset="-128"/>
-                <a:cs typeface="Times New Roman" panose="02020603050405020304" pitchFamily="18" charset="0"/>
-              </a:rPr>
-              <a:t> </a:t>
-            </a:r>
-            <a:r>
-              <a:rPr lang="de-DE" sz="8000" dirty="0" err="1">
-                <a:solidFill>
-                  <a:srgbClr val="000000"/>
-                </a:solidFill>
-                <a:highlight>
-                  <a:srgbClr val="FFFFFF"/>
-                </a:highlight>
-                <a:latin typeface="Courier New" panose="02070309020205020404" pitchFamily="49" charset="0"/>
-                <a:ea typeface="Yu Mincho" panose="02020400000000000000" pitchFamily="18" charset="-128"/>
-                <a:cs typeface="Times New Roman" panose="02020603050405020304" pitchFamily="18" charset="0"/>
-              </a:rPr>
-              <a:t>main</a:t>
-            </a:r>
-            <a:r>
-              <a:rPr lang="de-DE" sz="8000" b="1" dirty="0">
-                <a:solidFill>
-                  <a:srgbClr val="000080"/>
-                </a:solidFill>
-                <a:highlight>
-                  <a:srgbClr val="FFFFFF"/>
-                </a:highlight>
-                <a:latin typeface="Courier New" panose="02070309020205020404" pitchFamily="49" charset="0"/>
-                <a:ea typeface="Yu Mincho" panose="02020400000000000000" pitchFamily="18" charset="-128"/>
-                <a:cs typeface="Times New Roman" panose="02020603050405020304" pitchFamily="18" charset="0"/>
-              </a:rPr>
-              <a:t>()</a:t>
-            </a:r>
-            <a:endParaRPr lang="de-DE" sz="12800" dirty="0">
-              <a:effectLst/>
-              <a:latin typeface="Calibri" panose="020F0502020204030204" pitchFamily="34" charset="0"/>
-              <a:ea typeface="Yu Mincho" panose="02020400000000000000" pitchFamily="18" charset="-128"/>
-              <a:cs typeface="Times New Roman" panose="02020603050405020304" pitchFamily="18" charset="0"/>
-            </a:endParaRPr>
-          </a:p>
-          <a:p>
-            <a:pPr marL="0" indent="0">
-              <a:lnSpc>
-                <a:spcPct val="107000"/>
-              </a:lnSpc>
-              <a:spcAft>
-                <a:spcPts val="0"/>
-              </a:spcAft>
-              <a:buNone/>
-            </a:pPr>
-            <a:r>
-              <a:rPr lang="de-DE" sz="8000" b="1" dirty="0">
-                <a:solidFill>
-                  <a:srgbClr val="000080"/>
-                </a:solidFill>
-                <a:highlight>
-                  <a:srgbClr val="FFFFFF"/>
-                </a:highlight>
-                <a:latin typeface="Courier New" panose="02070309020205020404" pitchFamily="49" charset="0"/>
-                <a:ea typeface="Yu Mincho" panose="02020400000000000000" pitchFamily="18" charset="-128"/>
-                <a:cs typeface="Times New Roman" panose="02020603050405020304" pitchFamily="18" charset="0"/>
-              </a:rPr>
-              <a:t>{ </a:t>
-            </a:r>
-            <a:r>
-              <a:rPr lang="de-DE" sz="8000" dirty="0" err="1">
-                <a:solidFill>
-                  <a:srgbClr val="000000"/>
-                </a:solidFill>
-                <a:highlight>
-                  <a:srgbClr val="FFFFFF"/>
-                </a:highlight>
-                <a:latin typeface="Courier New" panose="02070309020205020404" pitchFamily="49" charset="0"/>
-                <a:ea typeface="Yu Mincho" panose="02020400000000000000" pitchFamily="18" charset="-128"/>
-                <a:cs typeface="Times New Roman" panose="02020603050405020304" pitchFamily="18" charset="0"/>
-              </a:rPr>
-              <a:t>std</a:t>
-            </a:r>
-            <a:r>
-              <a:rPr lang="de-DE" sz="8000" b="1" dirty="0">
-                <a:solidFill>
-                  <a:srgbClr val="000080"/>
-                </a:solidFill>
-                <a:highlight>
-                  <a:srgbClr val="FFFFFF"/>
-                </a:highlight>
-                <a:latin typeface="Courier New" panose="02070309020205020404" pitchFamily="49" charset="0"/>
-                <a:ea typeface="Yu Mincho" panose="02020400000000000000" pitchFamily="18" charset="-128"/>
-                <a:cs typeface="Times New Roman" panose="02020603050405020304" pitchFamily="18" charset="0"/>
-              </a:rPr>
-              <a:t>::</a:t>
-            </a:r>
-            <a:r>
-              <a:rPr lang="de-DE" sz="8000" dirty="0" err="1">
-                <a:solidFill>
-                  <a:srgbClr val="000000"/>
-                </a:solidFill>
-                <a:highlight>
-                  <a:srgbClr val="FFFFFF"/>
-                </a:highlight>
-                <a:latin typeface="Courier New" panose="02070309020205020404" pitchFamily="49" charset="0"/>
-                <a:ea typeface="Yu Mincho" panose="02020400000000000000" pitchFamily="18" charset="-128"/>
-                <a:cs typeface="Times New Roman" panose="02020603050405020304" pitchFamily="18" charset="0"/>
-              </a:rPr>
-              <a:t>thread</a:t>
-            </a:r>
-            <a:r>
-              <a:rPr lang="de-DE" sz="8000" dirty="0">
-                <a:solidFill>
-                  <a:srgbClr val="000000"/>
-                </a:solidFill>
-                <a:highlight>
-                  <a:srgbClr val="FFFFFF"/>
-                </a:highlight>
-                <a:latin typeface="Courier New" panose="02070309020205020404" pitchFamily="49" charset="0"/>
-                <a:ea typeface="Yu Mincho" panose="02020400000000000000" pitchFamily="18" charset="-128"/>
-                <a:cs typeface="Times New Roman" panose="02020603050405020304" pitchFamily="18" charset="0"/>
-              </a:rPr>
-              <a:t> t1</a:t>
-            </a:r>
-            <a:r>
-              <a:rPr lang="de-DE" sz="8000" b="1" dirty="0">
-                <a:solidFill>
-                  <a:srgbClr val="000080"/>
-                </a:solidFill>
-                <a:highlight>
-                  <a:srgbClr val="FFFFFF"/>
-                </a:highlight>
-                <a:latin typeface="Courier New" panose="02070309020205020404" pitchFamily="49" charset="0"/>
-                <a:ea typeface="Yu Mincho" panose="02020400000000000000" pitchFamily="18" charset="-128"/>
-                <a:cs typeface="Times New Roman" panose="02020603050405020304" pitchFamily="18" charset="0"/>
-              </a:rPr>
-              <a:t>{</a:t>
-            </a:r>
-            <a:r>
-              <a:rPr lang="de-DE" sz="8000" dirty="0" err="1">
-                <a:solidFill>
-                  <a:srgbClr val="000000"/>
-                </a:solidFill>
-                <a:highlight>
-                  <a:srgbClr val="FFFFFF"/>
-                </a:highlight>
-                <a:latin typeface="Courier New" panose="02070309020205020404" pitchFamily="49" charset="0"/>
-                <a:ea typeface="Yu Mincho" panose="02020400000000000000" pitchFamily="18" charset="-128"/>
-                <a:cs typeface="Times New Roman" panose="02020603050405020304" pitchFamily="18" charset="0"/>
-              </a:rPr>
-              <a:t>produce</a:t>
-            </a:r>
-            <a:r>
-              <a:rPr lang="de-DE" sz="8000" b="1" dirty="0">
-                <a:solidFill>
-                  <a:srgbClr val="000080"/>
-                </a:solidFill>
-                <a:highlight>
-                  <a:srgbClr val="FFFFFF"/>
-                </a:highlight>
-                <a:latin typeface="Courier New" panose="02070309020205020404" pitchFamily="49" charset="0"/>
-                <a:ea typeface="Yu Mincho" panose="02020400000000000000" pitchFamily="18" charset="-128"/>
-                <a:cs typeface="Times New Roman" panose="02020603050405020304" pitchFamily="18" charset="0"/>
-              </a:rPr>
-              <a:t>};</a:t>
-            </a:r>
-            <a:endParaRPr lang="de-DE" sz="12800" dirty="0">
-              <a:effectLst/>
-              <a:latin typeface="Calibri" panose="020F0502020204030204" pitchFamily="34" charset="0"/>
-              <a:ea typeface="Yu Mincho" panose="02020400000000000000" pitchFamily="18" charset="-128"/>
-              <a:cs typeface="Times New Roman" panose="02020603050405020304" pitchFamily="18" charset="0"/>
-            </a:endParaRPr>
-          </a:p>
-          <a:p>
-            <a:pPr marL="0" indent="0">
-              <a:lnSpc>
-                <a:spcPct val="107000"/>
-              </a:lnSpc>
-              <a:spcAft>
-                <a:spcPts val="0"/>
-              </a:spcAft>
-              <a:buNone/>
-            </a:pPr>
-            <a:r>
-              <a:rPr lang="de-DE" sz="8000" dirty="0">
-                <a:solidFill>
-                  <a:srgbClr val="000000"/>
-                </a:solidFill>
-                <a:highlight>
-                  <a:srgbClr val="FFFFFF"/>
-                </a:highlight>
-                <a:latin typeface="Courier New" panose="02070309020205020404" pitchFamily="49" charset="0"/>
-                <a:ea typeface="Yu Mincho" panose="02020400000000000000" pitchFamily="18" charset="-128"/>
-                <a:cs typeface="Times New Roman" panose="02020603050405020304" pitchFamily="18" charset="0"/>
-              </a:rPr>
-              <a:t>  </a:t>
-            </a:r>
-            <a:r>
-              <a:rPr lang="de-DE" sz="8000" dirty="0" err="1">
-                <a:solidFill>
-                  <a:srgbClr val="000000"/>
-                </a:solidFill>
-                <a:highlight>
-                  <a:srgbClr val="FFFFFF"/>
-                </a:highlight>
-                <a:latin typeface="Courier New" panose="02070309020205020404" pitchFamily="49" charset="0"/>
-                <a:ea typeface="Yu Mincho" panose="02020400000000000000" pitchFamily="18" charset="-128"/>
-                <a:cs typeface="Times New Roman" panose="02020603050405020304" pitchFamily="18" charset="0"/>
-              </a:rPr>
-              <a:t>std</a:t>
-            </a:r>
-            <a:r>
-              <a:rPr lang="de-DE" sz="8000" b="1" dirty="0">
-                <a:solidFill>
-                  <a:srgbClr val="000080"/>
-                </a:solidFill>
-                <a:highlight>
-                  <a:srgbClr val="FFFFFF"/>
-                </a:highlight>
-                <a:latin typeface="Courier New" panose="02070309020205020404" pitchFamily="49" charset="0"/>
-                <a:ea typeface="Yu Mincho" panose="02020400000000000000" pitchFamily="18" charset="-128"/>
-                <a:cs typeface="Times New Roman" panose="02020603050405020304" pitchFamily="18" charset="0"/>
-              </a:rPr>
-              <a:t>::</a:t>
-            </a:r>
-            <a:r>
-              <a:rPr lang="de-DE" sz="8000" dirty="0" err="1">
-                <a:solidFill>
-                  <a:srgbClr val="000000"/>
-                </a:solidFill>
-                <a:highlight>
-                  <a:srgbClr val="FFFFFF"/>
-                </a:highlight>
-                <a:latin typeface="Courier New" panose="02070309020205020404" pitchFamily="49" charset="0"/>
-                <a:ea typeface="Yu Mincho" panose="02020400000000000000" pitchFamily="18" charset="-128"/>
-                <a:cs typeface="Times New Roman" panose="02020603050405020304" pitchFamily="18" charset="0"/>
-              </a:rPr>
-              <a:t>thread</a:t>
-            </a:r>
-            <a:r>
-              <a:rPr lang="de-DE" sz="8000" dirty="0">
-                <a:solidFill>
-                  <a:srgbClr val="000000"/>
-                </a:solidFill>
-                <a:highlight>
-                  <a:srgbClr val="FFFFFF"/>
-                </a:highlight>
-                <a:latin typeface="Courier New" panose="02070309020205020404" pitchFamily="49" charset="0"/>
-                <a:ea typeface="Yu Mincho" panose="02020400000000000000" pitchFamily="18" charset="-128"/>
-                <a:cs typeface="Times New Roman" panose="02020603050405020304" pitchFamily="18" charset="0"/>
-              </a:rPr>
-              <a:t> t2</a:t>
-            </a:r>
-            <a:r>
-              <a:rPr lang="de-DE" sz="8000" b="1" dirty="0">
-                <a:solidFill>
-                  <a:srgbClr val="000080"/>
-                </a:solidFill>
-                <a:highlight>
-                  <a:srgbClr val="FFFFFF"/>
-                </a:highlight>
-                <a:latin typeface="Courier New" panose="02070309020205020404" pitchFamily="49" charset="0"/>
-                <a:ea typeface="Yu Mincho" panose="02020400000000000000" pitchFamily="18" charset="-128"/>
-                <a:cs typeface="Times New Roman" panose="02020603050405020304" pitchFamily="18" charset="0"/>
-              </a:rPr>
-              <a:t>{</a:t>
-            </a:r>
-            <a:r>
-              <a:rPr lang="de-DE" sz="8000" dirty="0" err="1">
-                <a:solidFill>
-                  <a:srgbClr val="000000"/>
-                </a:solidFill>
-                <a:highlight>
-                  <a:srgbClr val="FFFFFF"/>
-                </a:highlight>
-                <a:latin typeface="Courier New" panose="02070309020205020404" pitchFamily="49" charset="0"/>
-                <a:ea typeface="Yu Mincho" panose="02020400000000000000" pitchFamily="18" charset="-128"/>
-                <a:cs typeface="Times New Roman" panose="02020603050405020304" pitchFamily="18" charset="0"/>
-              </a:rPr>
-              <a:t>consume</a:t>
-            </a:r>
-            <a:r>
-              <a:rPr lang="de-DE" sz="8000" b="1" dirty="0">
-                <a:solidFill>
-                  <a:srgbClr val="000080"/>
-                </a:solidFill>
-                <a:highlight>
-                  <a:srgbClr val="FFFFFF"/>
-                </a:highlight>
-                <a:latin typeface="Courier New" panose="02070309020205020404" pitchFamily="49" charset="0"/>
-                <a:ea typeface="Yu Mincho" panose="02020400000000000000" pitchFamily="18" charset="-128"/>
-                <a:cs typeface="Times New Roman" panose="02020603050405020304" pitchFamily="18" charset="0"/>
-              </a:rPr>
-              <a:t>};</a:t>
-            </a:r>
-            <a:endParaRPr lang="de-DE" sz="12800" dirty="0">
-              <a:effectLst/>
-              <a:latin typeface="Calibri" panose="020F0502020204030204" pitchFamily="34" charset="0"/>
-              <a:ea typeface="Yu Mincho" panose="02020400000000000000" pitchFamily="18" charset="-128"/>
-              <a:cs typeface="Times New Roman" panose="02020603050405020304" pitchFamily="18" charset="0"/>
-            </a:endParaRPr>
-          </a:p>
-          <a:p>
-            <a:pPr marL="0" indent="0">
-              <a:lnSpc>
-                <a:spcPct val="107000"/>
-              </a:lnSpc>
-              <a:spcAft>
-                <a:spcPts val="0"/>
-              </a:spcAft>
-              <a:buNone/>
-            </a:pPr>
-            <a:r>
-              <a:rPr lang="de-DE" sz="8000" dirty="0">
-                <a:solidFill>
-                  <a:srgbClr val="000000"/>
-                </a:solidFill>
-                <a:highlight>
-                  <a:srgbClr val="FFFFFF"/>
-                </a:highlight>
-                <a:latin typeface="Courier New" panose="02070309020205020404" pitchFamily="49" charset="0"/>
-                <a:ea typeface="Yu Mincho" panose="02020400000000000000" pitchFamily="18" charset="-128"/>
-                <a:cs typeface="Times New Roman" panose="02020603050405020304" pitchFamily="18" charset="0"/>
-              </a:rPr>
-              <a:t>  </a:t>
-            </a:r>
-            <a:r>
-              <a:rPr lang="de-DE" sz="8000" dirty="0" err="1">
-                <a:solidFill>
-                  <a:srgbClr val="000000"/>
-                </a:solidFill>
-                <a:highlight>
-                  <a:srgbClr val="FFFFFF"/>
-                </a:highlight>
-                <a:latin typeface="Courier New" panose="02070309020205020404" pitchFamily="49" charset="0"/>
-                <a:ea typeface="Yu Mincho" panose="02020400000000000000" pitchFamily="18" charset="-128"/>
-                <a:cs typeface="Times New Roman" panose="02020603050405020304" pitchFamily="18" charset="0"/>
-              </a:rPr>
-              <a:t>std</a:t>
-            </a:r>
-            <a:r>
-              <a:rPr lang="de-DE" sz="8000" b="1" dirty="0">
-                <a:solidFill>
-                  <a:srgbClr val="000080"/>
-                </a:solidFill>
-                <a:highlight>
-                  <a:srgbClr val="FFFFFF"/>
-                </a:highlight>
-                <a:latin typeface="Courier New" panose="02070309020205020404" pitchFamily="49" charset="0"/>
-                <a:ea typeface="Yu Mincho" panose="02020400000000000000" pitchFamily="18" charset="-128"/>
-                <a:cs typeface="Times New Roman" panose="02020603050405020304" pitchFamily="18" charset="0"/>
-              </a:rPr>
-              <a:t>::</a:t>
-            </a:r>
-            <a:r>
-              <a:rPr lang="de-DE" sz="8000" dirty="0" err="1">
-                <a:solidFill>
-                  <a:srgbClr val="000000"/>
-                </a:solidFill>
-                <a:highlight>
-                  <a:srgbClr val="FFFFFF"/>
-                </a:highlight>
-                <a:latin typeface="Courier New" panose="02070309020205020404" pitchFamily="49" charset="0"/>
-                <a:ea typeface="Yu Mincho" panose="02020400000000000000" pitchFamily="18" charset="-128"/>
-                <a:cs typeface="Times New Roman" panose="02020603050405020304" pitchFamily="18" charset="0"/>
-              </a:rPr>
-              <a:t>thread</a:t>
-            </a:r>
-            <a:r>
-              <a:rPr lang="de-DE" sz="8000" dirty="0">
-                <a:solidFill>
-                  <a:srgbClr val="000000"/>
-                </a:solidFill>
-                <a:highlight>
-                  <a:srgbClr val="FFFFFF"/>
-                </a:highlight>
-                <a:latin typeface="Courier New" panose="02070309020205020404" pitchFamily="49" charset="0"/>
-                <a:ea typeface="Yu Mincho" panose="02020400000000000000" pitchFamily="18" charset="-128"/>
-                <a:cs typeface="Times New Roman" panose="02020603050405020304" pitchFamily="18" charset="0"/>
-              </a:rPr>
-              <a:t> t3</a:t>
-            </a:r>
-            <a:r>
-              <a:rPr lang="de-DE" sz="8000" b="1" dirty="0">
-                <a:solidFill>
-                  <a:srgbClr val="000080"/>
-                </a:solidFill>
-                <a:highlight>
-                  <a:srgbClr val="FFFFFF"/>
-                </a:highlight>
-                <a:latin typeface="Courier New" panose="02070309020205020404" pitchFamily="49" charset="0"/>
-                <a:ea typeface="Yu Mincho" panose="02020400000000000000" pitchFamily="18" charset="-128"/>
-                <a:cs typeface="Times New Roman" panose="02020603050405020304" pitchFamily="18" charset="0"/>
-              </a:rPr>
-              <a:t>{</a:t>
-            </a:r>
-            <a:r>
-              <a:rPr lang="de-DE" sz="8000" dirty="0" err="1">
-                <a:solidFill>
-                  <a:srgbClr val="000000"/>
-                </a:solidFill>
-                <a:highlight>
-                  <a:srgbClr val="FFFFFF"/>
-                </a:highlight>
-                <a:latin typeface="Courier New" panose="02070309020205020404" pitchFamily="49" charset="0"/>
-                <a:ea typeface="Yu Mincho" panose="02020400000000000000" pitchFamily="18" charset="-128"/>
-                <a:cs typeface="Times New Roman" panose="02020603050405020304" pitchFamily="18" charset="0"/>
-              </a:rPr>
-              <a:t>consume</a:t>
-            </a:r>
-            <a:r>
-              <a:rPr lang="de-DE" sz="8000" b="1" dirty="0">
-                <a:solidFill>
-                  <a:srgbClr val="000080"/>
-                </a:solidFill>
-                <a:highlight>
-                  <a:srgbClr val="FFFFFF"/>
-                </a:highlight>
-                <a:latin typeface="Courier New" panose="02070309020205020404" pitchFamily="49" charset="0"/>
-                <a:ea typeface="Yu Mincho" panose="02020400000000000000" pitchFamily="18" charset="-128"/>
-                <a:cs typeface="Times New Roman" panose="02020603050405020304" pitchFamily="18" charset="0"/>
-              </a:rPr>
-              <a:t>};</a:t>
-            </a:r>
-          </a:p>
-          <a:p>
-            <a:pPr marL="0" indent="0">
-              <a:lnSpc>
-                <a:spcPct val="107000"/>
-              </a:lnSpc>
-              <a:spcAft>
-                <a:spcPts val="0"/>
-              </a:spcAft>
-              <a:buNone/>
-            </a:pPr>
-            <a:r>
-              <a:rPr lang="de-DE" sz="8000" b="1" dirty="0">
-                <a:solidFill>
-                  <a:srgbClr val="000080"/>
-                </a:solidFill>
-                <a:highlight>
-                  <a:srgbClr val="FFFFFF"/>
-                </a:highlight>
-                <a:latin typeface="Courier New" panose="02070309020205020404" pitchFamily="49" charset="0"/>
-                <a:ea typeface="Yu Mincho" panose="02020400000000000000" pitchFamily="18" charset="-128"/>
-                <a:cs typeface="Times New Roman" panose="02020603050405020304" pitchFamily="18" charset="0"/>
-              </a:rPr>
-              <a:t>}</a:t>
-            </a:r>
-            <a:endParaRPr lang="de-DE" sz="12800" dirty="0">
-              <a:effectLst/>
-              <a:latin typeface="Calibri" panose="020F0502020204030204" pitchFamily="34" charset="0"/>
-              <a:ea typeface="Yu Mincho" panose="02020400000000000000" pitchFamily="18" charset="-128"/>
-              <a:cs typeface="Times New Roman" panose="02020603050405020304" pitchFamily="18" charset="0"/>
-            </a:endParaRPr>
-          </a:p>
-          <a:p>
-            <a:pPr marL="0" indent="0">
-              <a:buNone/>
-            </a:pPr>
-            <a:endParaRPr lang="de-DE" dirty="0"/>
-          </a:p>
-        </p:txBody>
-      </p:sp>
-    </p:spTree>
-    <p:extLst>
-      <p:ext uri="{BB962C8B-B14F-4D97-AF65-F5344CB8AC3E}">
-        <p14:creationId xmlns:p14="http://schemas.microsoft.com/office/powerpoint/2010/main" val="2487999070"/>
-      </p:ext>
-    </p:extLst>
-  </p:cSld>
-  <p:clrMapOvr>
-    <a:masterClrMapping/>
-  </p:clrMapOvr>
-</p:sld>
-</file>
-
-<file path=ppt/slides/slide21.xml><?xml version="1.0" encoding="utf-8"?>
-<p:sld xmlns:a="http://schemas.openxmlformats.org/drawingml/2006/main" xmlns:r="http://schemas.openxmlformats.org/officeDocument/2006/relationships" xmlns:p="http://schemas.openxmlformats.org/presentationml/2006/main">
-  <p:cSld>
-    <p:spTree>
-      <p:nvGrpSpPr>
-        <p:cNvPr id="1" name=""/>
-        <p:cNvGrpSpPr/>
-        <p:nvPr/>
-      </p:nvGrpSpPr>
-      <p:grpSpPr>
-        <a:xfrm>
-          <a:off x="0" y="0"/>
-          <a:ext cx="0" cy="0"/>
-          <a:chOff x="0" y="0"/>
-          <a:chExt cx="0" cy="0"/>
-        </a:xfrm>
-      </p:grpSpPr>
-      <p:sp>
-        <p:nvSpPr>
-          <p:cNvPr id="2" name="Titel 1"/>
-          <p:cNvSpPr>
-            <a:spLocks noGrp="1"/>
-          </p:cNvSpPr>
-          <p:nvPr>
-            <p:ph type="title"/>
-          </p:nvPr>
-        </p:nvSpPr>
-        <p:spPr/>
-        <p:txBody>
-          <a:bodyPr/>
-          <a:lstStyle/>
-          <a:p>
-            <a:r>
-              <a:rPr lang="de-DE" dirty="0"/>
-              <a:t>Das Weihnachtsmannproblem</a:t>
-            </a:r>
-          </a:p>
-        </p:txBody>
-      </p:sp>
-      <p:sp>
-        <p:nvSpPr>
-          <p:cNvPr id="3" name="Inhaltsplatzhalter 2"/>
-          <p:cNvSpPr>
-            <a:spLocks noGrp="1"/>
-          </p:cNvSpPr>
-          <p:nvPr>
-            <p:ph idx="1"/>
-          </p:nvPr>
-        </p:nvSpPr>
-        <p:spPr/>
-        <p:txBody>
-          <a:bodyPr>
-            <a:normAutofit/>
-          </a:bodyPr>
-          <a:lstStyle/>
-          <a:p>
-            <a:pPr marL="0" indent="0" algn="ctr">
-              <a:buNone/>
-            </a:pPr>
-            <a:endParaRPr lang="de-DE" dirty="0"/>
-          </a:p>
-          <a:p>
-            <a:pPr marL="0" indent="0" algn="ctr">
-              <a:buNone/>
-            </a:pPr>
-            <a:endParaRPr lang="de-DE" dirty="0"/>
-          </a:p>
-          <a:p>
-            <a:pPr marL="0" indent="0" algn="ctr">
-              <a:buNone/>
-            </a:pPr>
-            <a:endParaRPr lang="de-DE" sz="4800" dirty="0"/>
-          </a:p>
-          <a:p>
-            <a:pPr marL="0" indent="0" algn="ctr">
-              <a:buNone/>
-            </a:pPr>
-            <a:r>
-              <a:rPr lang="de-DE" sz="4800" dirty="0"/>
-              <a:t>Demo Zeit!</a:t>
-            </a:r>
-          </a:p>
-          <a:p>
-            <a:pPr marL="0" indent="0" algn="ctr">
-              <a:buNone/>
-            </a:pPr>
-            <a:endParaRPr lang="de-DE" sz="4800" dirty="0"/>
-          </a:p>
-          <a:p>
-            <a:pPr marL="0" indent="0" algn="ctr">
-              <a:buNone/>
-            </a:pPr>
-            <a:r>
-              <a:rPr lang="de-DE" sz="3500" dirty="0"/>
-              <a:t>Repository: https://github.com/Goriar/ws16-17_santa</a:t>
-            </a:r>
-          </a:p>
-        </p:txBody>
-      </p:sp>
-    </p:spTree>
-    <p:extLst>
-      <p:ext uri="{BB962C8B-B14F-4D97-AF65-F5344CB8AC3E}">
-        <p14:creationId xmlns:p14="http://schemas.microsoft.com/office/powerpoint/2010/main" val="1315481260"/>
-      </p:ext>
-    </p:extLst>
-  </p:cSld>
-  <p:clrMapOvr>
-    <a:masterClrMapping/>
-  </p:clrMapOvr>
-</p:sld>
-</file>
-
-<file path=ppt/slides/slide3.xml><?xml version="1.0" encoding="utf-8"?>
-<p:sld xmlns:a="http://schemas.openxmlformats.org/drawingml/2006/main" xmlns:r="http://schemas.openxmlformats.org/officeDocument/2006/relationships" xmlns:p="http://schemas.openxmlformats.org/presentationml/2006/main">
-  <p:cSld>
-    <p:spTree>
-      <p:nvGrpSpPr>
-        <p:cNvPr id="1" name=""/>
-        <p:cNvGrpSpPr/>
-        <p:nvPr/>
-      </p:nvGrpSpPr>
-      <p:grpSpPr>
-        <a:xfrm>
-          <a:off x="0" y="0"/>
-          <a:ext cx="0" cy="0"/>
-          <a:chOff x="0" y="0"/>
-          <a:chExt cx="0" cy="0"/>
-        </a:xfrm>
-      </p:grpSpPr>
       <p:sp>
         <p:nvSpPr>
           <p:cNvPr id="2" name="Titel 1"/>
@@ -16786,7 +14510,7 @@
           <a:p>
             <a:r>
               <a:rPr lang="de-DE" dirty="0"/>
-              <a:t>C++…</a:t>
+              <a:t>C++</a:t>
             </a:r>
           </a:p>
         </p:txBody>
@@ -16910,7 +14634,7 @@
 </p:sld>
 </file>
 
-<file path=ppt/slides/slide4.xml><?xml version="1.0" encoding="utf-8"?>
+<file path=ppt/slides/slide20.xml><?xml version="1.0" encoding="utf-8"?>
 <p:sld xmlns:a="http://schemas.openxmlformats.org/drawingml/2006/main" xmlns:r="http://schemas.openxmlformats.org/officeDocument/2006/relationships" xmlns:p="http://schemas.openxmlformats.org/presentationml/2006/main">
   <p:cSld>
     <p:spTree>
@@ -16943,8 +14667,2087 @@
           <a:lstStyle/>
           <a:p>
             <a:r>
+              <a:rPr lang="de-DE" dirty="0" err="1"/>
+              <a:t>Boost.Lockfree</a:t>
+            </a:r>
+            <a:endParaRPr lang="de-DE" dirty="0"/>
+          </a:p>
+        </p:txBody>
+      </p:sp>
+      <p:sp>
+        <p:nvSpPr>
+          <p:cNvPr id="3" name="Inhaltsplatzhalter 2"/>
+          <p:cNvSpPr>
+            <a:spLocks noGrp="1"/>
+          </p:cNvSpPr>
+          <p:nvPr>
+            <p:ph idx="1"/>
+          </p:nvPr>
+        </p:nvSpPr>
+        <p:spPr>
+          <a:xfrm>
+            <a:off x="1097280" y="1870095"/>
+            <a:ext cx="10256520" cy="4291781"/>
+          </a:xfrm>
+        </p:spPr>
+        <p:txBody>
+          <a:bodyPr numCol="2">
+            <a:normAutofit fontScale="25000" lnSpcReduction="20000"/>
+          </a:bodyPr>
+          <a:lstStyle/>
+          <a:p>
+            <a:pPr marL="0" indent="0">
+              <a:lnSpc>
+                <a:spcPct val="107000"/>
+              </a:lnSpc>
+              <a:spcAft>
+                <a:spcPts val="0"/>
+              </a:spcAft>
+              <a:buNone/>
+            </a:pPr>
+            <a:r>
+              <a:rPr lang="de-DE" sz="8000" dirty="0" err="1">
+                <a:solidFill>
+                  <a:srgbClr val="000000"/>
+                </a:solidFill>
+                <a:highlight>
+                  <a:srgbClr val="FFFFFF"/>
+                </a:highlight>
+                <a:latin typeface="Courier New" panose="02070309020205020404" pitchFamily="49" charset="0"/>
+                <a:ea typeface="Yu Mincho" panose="02020400000000000000" pitchFamily="18" charset="-128"/>
+                <a:cs typeface="Times New Roman" panose="02020603050405020304" pitchFamily="18" charset="0"/>
+              </a:rPr>
+              <a:t>boost</a:t>
+            </a:r>
+            <a:r>
+              <a:rPr lang="de-DE" sz="8000" b="1" dirty="0">
+                <a:solidFill>
+                  <a:srgbClr val="000080"/>
+                </a:solidFill>
+                <a:highlight>
+                  <a:srgbClr val="FFFFFF"/>
+                </a:highlight>
+                <a:latin typeface="Courier New" panose="02070309020205020404" pitchFamily="49" charset="0"/>
+                <a:ea typeface="Yu Mincho" panose="02020400000000000000" pitchFamily="18" charset="-128"/>
+                <a:cs typeface="Times New Roman" panose="02020603050405020304" pitchFamily="18" charset="0"/>
+              </a:rPr>
+              <a:t>::</a:t>
+            </a:r>
+            <a:r>
+              <a:rPr lang="de-DE" sz="8000" dirty="0" err="1">
+                <a:solidFill>
+                  <a:srgbClr val="000000"/>
+                </a:solidFill>
+                <a:highlight>
+                  <a:srgbClr val="FFFFFF"/>
+                </a:highlight>
+                <a:latin typeface="Courier New" panose="02070309020205020404" pitchFamily="49" charset="0"/>
+                <a:ea typeface="Yu Mincho" panose="02020400000000000000" pitchFamily="18" charset="-128"/>
+                <a:cs typeface="Times New Roman" panose="02020603050405020304" pitchFamily="18" charset="0"/>
+              </a:rPr>
+              <a:t>lockfree</a:t>
+            </a:r>
+            <a:r>
+              <a:rPr lang="de-DE" sz="8000" b="1" dirty="0">
+                <a:solidFill>
+                  <a:srgbClr val="000080"/>
+                </a:solidFill>
+                <a:highlight>
+                  <a:srgbClr val="FFFFFF"/>
+                </a:highlight>
+                <a:latin typeface="Courier New" panose="02070309020205020404" pitchFamily="49" charset="0"/>
+                <a:ea typeface="Yu Mincho" panose="02020400000000000000" pitchFamily="18" charset="-128"/>
+                <a:cs typeface="Times New Roman" panose="02020603050405020304" pitchFamily="18" charset="0"/>
+              </a:rPr>
+              <a:t>::</a:t>
+            </a:r>
+            <a:r>
+              <a:rPr lang="de-DE" sz="8000" dirty="0" err="1">
+                <a:solidFill>
+                  <a:srgbClr val="000000"/>
+                </a:solidFill>
+                <a:highlight>
+                  <a:srgbClr val="FFFFFF"/>
+                </a:highlight>
+                <a:latin typeface="Courier New" panose="02070309020205020404" pitchFamily="49" charset="0"/>
+                <a:ea typeface="Yu Mincho" panose="02020400000000000000" pitchFamily="18" charset="-128"/>
+                <a:cs typeface="Times New Roman" panose="02020603050405020304" pitchFamily="18" charset="0"/>
+              </a:rPr>
+              <a:t>queue</a:t>
+            </a:r>
+            <a:r>
+              <a:rPr lang="de-DE" sz="8000" b="1" dirty="0">
+                <a:solidFill>
+                  <a:srgbClr val="000080"/>
+                </a:solidFill>
+                <a:highlight>
+                  <a:srgbClr val="FFFFFF"/>
+                </a:highlight>
+                <a:latin typeface="Courier New" panose="02070309020205020404" pitchFamily="49" charset="0"/>
+                <a:ea typeface="Yu Mincho" panose="02020400000000000000" pitchFamily="18" charset="-128"/>
+                <a:cs typeface="Times New Roman" panose="02020603050405020304" pitchFamily="18" charset="0"/>
+              </a:rPr>
+              <a:t>&lt;</a:t>
+            </a:r>
+            <a:r>
+              <a:rPr lang="de-DE" sz="8000" dirty="0" err="1">
+                <a:solidFill>
+                  <a:srgbClr val="8000FF"/>
+                </a:solidFill>
+                <a:highlight>
+                  <a:srgbClr val="FFFFFF"/>
+                </a:highlight>
+                <a:latin typeface="Courier New" panose="02070309020205020404" pitchFamily="49" charset="0"/>
+                <a:ea typeface="Yu Mincho" panose="02020400000000000000" pitchFamily="18" charset="-128"/>
+                <a:cs typeface="Times New Roman" panose="02020603050405020304" pitchFamily="18" charset="0"/>
+              </a:rPr>
+              <a:t>int</a:t>
+            </a:r>
+            <a:r>
+              <a:rPr lang="de-DE" sz="8000" b="1" dirty="0">
+                <a:solidFill>
+                  <a:srgbClr val="000080"/>
+                </a:solidFill>
+                <a:highlight>
+                  <a:srgbClr val="FFFFFF"/>
+                </a:highlight>
+                <a:latin typeface="Courier New" panose="02070309020205020404" pitchFamily="49" charset="0"/>
+                <a:ea typeface="Yu Mincho" panose="02020400000000000000" pitchFamily="18" charset="-128"/>
+                <a:cs typeface="Times New Roman" panose="02020603050405020304" pitchFamily="18" charset="0"/>
+              </a:rPr>
+              <a:t>&gt;</a:t>
+            </a:r>
+            <a:r>
+              <a:rPr lang="de-DE" sz="8000" dirty="0">
+                <a:solidFill>
+                  <a:srgbClr val="000000"/>
+                </a:solidFill>
+                <a:highlight>
+                  <a:srgbClr val="FFFFFF"/>
+                </a:highlight>
+                <a:latin typeface="Courier New" panose="02070309020205020404" pitchFamily="49" charset="0"/>
+                <a:ea typeface="Yu Mincho" panose="02020400000000000000" pitchFamily="18" charset="-128"/>
+                <a:cs typeface="Times New Roman" panose="02020603050405020304" pitchFamily="18" charset="0"/>
+              </a:rPr>
+              <a:t> q</a:t>
+            </a:r>
+            <a:r>
+              <a:rPr lang="de-DE" sz="8000" b="1" dirty="0">
+                <a:solidFill>
+                  <a:srgbClr val="000080"/>
+                </a:solidFill>
+                <a:highlight>
+                  <a:srgbClr val="FFFFFF"/>
+                </a:highlight>
+                <a:latin typeface="Courier New" panose="02070309020205020404" pitchFamily="49" charset="0"/>
+                <a:ea typeface="Yu Mincho" panose="02020400000000000000" pitchFamily="18" charset="-128"/>
+                <a:cs typeface="Times New Roman" panose="02020603050405020304" pitchFamily="18" charset="0"/>
+              </a:rPr>
+              <a:t>{</a:t>
+            </a:r>
+            <a:r>
+              <a:rPr lang="de-DE" sz="8000" dirty="0">
+                <a:solidFill>
+                  <a:srgbClr val="FF8000"/>
+                </a:solidFill>
+                <a:highlight>
+                  <a:srgbClr val="FFFFFF"/>
+                </a:highlight>
+                <a:latin typeface="Courier New" panose="02070309020205020404" pitchFamily="49" charset="0"/>
+                <a:ea typeface="Yu Mincho" panose="02020400000000000000" pitchFamily="18" charset="-128"/>
+                <a:cs typeface="Times New Roman" panose="02020603050405020304" pitchFamily="18" charset="0"/>
+              </a:rPr>
+              <a:t>100</a:t>
+            </a:r>
+            <a:r>
+              <a:rPr lang="de-DE" sz="8000" b="1" dirty="0">
+                <a:solidFill>
+                  <a:srgbClr val="000080"/>
+                </a:solidFill>
+                <a:highlight>
+                  <a:srgbClr val="FFFFFF"/>
+                </a:highlight>
+                <a:latin typeface="Courier New" panose="02070309020205020404" pitchFamily="49" charset="0"/>
+                <a:ea typeface="Yu Mincho" panose="02020400000000000000" pitchFamily="18" charset="-128"/>
+                <a:cs typeface="Times New Roman" panose="02020603050405020304" pitchFamily="18" charset="0"/>
+              </a:rPr>
+              <a:t>};</a:t>
+            </a:r>
+            <a:endParaRPr lang="de-DE" sz="12800" dirty="0">
+              <a:effectLst/>
+              <a:latin typeface="Calibri" panose="020F0502020204030204" pitchFamily="34" charset="0"/>
+              <a:ea typeface="Yu Mincho" panose="02020400000000000000" pitchFamily="18" charset="-128"/>
+              <a:cs typeface="Times New Roman" panose="02020603050405020304" pitchFamily="18" charset="0"/>
+            </a:endParaRPr>
+          </a:p>
+          <a:p>
+            <a:pPr marL="0" indent="0">
+              <a:lnSpc>
+                <a:spcPct val="107000"/>
+              </a:lnSpc>
+              <a:spcAft>
+                <a:spcPts val="0"/>
+              </a:spcAft>
+              <a:buNone/>
+            </a:pPr>
+            <a:r>
+              <a:rPr lang="de-DE" sz="8000" dirty="0" err="1">
+                <a:solidFill>
+                  <a:srgbClr val="000000"/>
+                </a:solidFill>
+                <a:highlight>
+                  <a:srgbClr val="FFFFFF"/>
+                </a:highlight>
+                <a:latin typeface="Courier New" panose="02070309020205020404" pitchFamily="49" charset="0"/>
+                <a:ea typeface="Yu Mincho" panose="02020400000000000000" pitchFamily="18" charset="-128"/>
+                <a:cs typeface="Times New Roman" panose="02020603050405020304" pitchFamily="18" charset="0"/>
+              </a:rPr>
+              <a:t>std</a:t>
+            </a:r>
+            <a:r>
+              <a:rPr lang="de-DE" sz="8000" b="1" dirty="0">
+                <a:solidFill>
+                  <a:srgbClr val="000080"/>
+                </a:solidFill>
+                <a:highlight>
+                  <a:srgbClr val="FFFFFF"/>
+                </a:highlight>
+                <a:latin typeface="Courier New" panose="02070309020205020404" pitchFamily="49" charset="0"/>
+                <a:ea typeface="Yu Mincho" panose="02020400000000000000" pitchFamily="18" charset="-128"/>
+                <a:cs typeface="Times New Roman" panose="02020603050405020304" pitchFamily="18" charset="0"/>
+              </a:rPr>
+              <a:t>::</a:t>
+            </a:r>
+            <a:r>
+              <a:rPr lang="de-DE" sz="8000" dirty="0" err="1">
+                <a:solidFill>
+                  <a:srgbClr val="000000"/>
+                </a:solidFill>
+                <a:highlight>
+                  <a:srgbClr val="FFFFFF"/>
+                </a:highlight>
+                <a:latin typeface="Courier New" panose="02070309020205020404" pitchFamily="49" charset="0"/>
+                <a:ea typeface="Yu Mincho" panose="02020400000000000000" pitchFamily="18" charset="-128"/>
+                <a:cs typeface="Times New Roman" panose="02020603050405020304" pitchFamily="18" charset="0"/>
+              </a:rPr>
+              <a:t>atomic</a:t>
+            </a:r>
+            <a:r>
+              <a:rPr lang="de-DE" sz="8000" b="1" dirty="0">
+                <a:solidFill>
+                  <a:srgbClr val="000080"/>
+                </a:solidFill>
+                <a:highlight>
+                  <a:srgbClr val="FFFFFF"/>
+                </a:highlight>
+                <a:latin typeface="Courier New" panose="02070309020205020404" pitchFamily="49" charset="0"/>
+                <a:ea typeface="Yu Mincho" panose="02020400000000000000" pitchFamily="18" charset="-128"/>
+                <a:cs typeface="Times New Roman" panose="02020603050405020304" pitchFamily="18" charset="0"/>
+              </a:rPr>
+              <a:t>&lt;</a:t>
+            </a:r>
+            <a:r>
+              <a:rPr lang="de-DE" sz="8000" dirty="0" err="1">
+                <a:solidFill>
+                  <a:srgbClr val="8000FF"/>
+                </a:solidFill>
+                <a:highlight>
+                  <a:srgbClr val="FFFFFF"/>
+                </a:highlight>
+                <a:latin typeface="Courier New" panose="02070309020205020404" pitchFamily="49" charset="0"/>
+                <a:ea typeface="Yu Mincho" panose="02020400000000000000" pitchFamily="18" charset="-128"/>
+                <a:cs typeface="Times New Roman" panose="02020603050405020304" pitchFamily="18" charset="0"/>
+              </a:rPr>
+              <a:t>int</a:t>
+            </a:r>
+            <a:r>
+              <a:rPr lang="de-DE" sz="8000" b="1" dirty="0">
+                <a:solidFill>
+                  <a:srgbClr val="000080"/>
+                </a:solidFill>
+                <a:highlight>
+                  <a:srgbClr val="FFFFFF"/>
+                </a:highlight>
+                <a:latin typeface="Courier New" panose="02070309020205020404" pitchFamily="49" charset="0"/>
+                <a:ea typeface="Yu Mincho" panose="02020400000000000000" pitchFamily="18" charset="-128"/>
+                <a:cs typeface="Times New Roman" panose="02020603050405020304" pitchFamily="18" charset="0"/>
+              </a:rPr>
+              <a:t>&gt;</a:t>
+            </a:r>
+            <a:r>
+              <a:rPr lang="de-DE" sz="8000" dirty="0">
+                <a:solidFill>
+                  <a:srgbClr val="000000"/>
+                </a:solidFill>
+                <a:highlight>
+                  <a:srgbClr val="FFFFFF"/>
+                </a:highlight>
+                <a:latin typeface="Courier New" panose="02070309020205020404" pitchFamily="49" charset="0"/>
+                <a:ea typeface="Yu Mincho" panose="02020400000000000000" pitchFamily="18" charset="-128"/>
+                <a:cs typeface="Times New Roman" panose="02020603050405020304" pitchFamily="18" charset="0"/>
+              </a:rPr>
+              <a:t> </a:t>
+            </a:r>
+            <a:r>
+              <a:rPr lang="de-DE" sz="8000" dirty="0" err="1">
+                <a:solidFill>
+                  <a:srgbClr val="000000"/>
+                </a:solidFill>
+                <a:highlight>
+                  <a:srgbClr val="FFFFFF"/>
+                </a:highlight>
+                <a:latin typeface="Courier New" panose="02070309020205020404" pitchFamily="49" charset="0"/>
+                <a:ea typeface="Yu Mincho" panose="02020400000000000000" pitchFamily="18" charset="-128"/>
+                <a:cs typeface="Times New Roman" panose="02020603050405020304" pitchFamily="18" charset="0"/>
+              </a:rPr>
+              <a:t>sum</a:t>
+            </a:r>
+            <a:r>
+              <a:rPr lang="de-DE" sz="8000" b="1" dirty="0">
+                <a:solidFill>
+                  <a:srgbClr val="000080"/>
+                </a:solidFill>
+                <a:highlight>
+                  <a:srgbClr val="FFFFFF"/>
+                </a:highlight>
+                <a:latin typeface="Courier New" panose="02070309020205020404" pitchFamily="49" charset="0"/>
+                <a:ea typeface="Yu Mincho" panose="02020400000000000000" pitchFamily="18" charset="-128"/>
+                <a:cs typeface="Times New Roman" panose="02020603050405020304" pitchFamily="18" charset="0"/>
+              </a:rPr>
+              <a:t>{</a:t>
+            </a:r>
+            <a:r>
+              <a:rPr lang="de-DE" sz="8000" dirty="0">
+                <a:solidFill>
+                  <a:srgbClr val="FF8000"/>
+                </a:solidFill>
+                <a:highlight>
+                  <a:srgbClr val="FFFFFF"/>
+                </a:highlight>
+                <a:latin typeface="Courier New" panose="02070309020205020404" pitchFamily="49" charset="0"/>
+                <a:ea typeface="Yu Mincho" panose="02020400000000000000" pitchFamily="18" charset="-128"/>
+                <a:cs typeface="Times New Roman" panose="02020603050405020304" pitchFamily="18" charset="0"/>
+              </a:rPr>
+              <a:t>0</a:t>
+            </a:r>
+            <a:r>
+              <a:rPr lang="de-DE" sz="8000" b="1" dirty="0">
+                <a:solidFill>
+                  <a:srgbClr val="000080"/>
+                </a:solidFill>
+                <a:highlight>
+                  <a:srgbClr val="FFFFFF"/>
+                </a:highlight>
+                <a:latin typeface="Courier New" panose="02070309020205020404" pitchFamily="49" charset="0"/>
+                <a:ea typeface="Yu Mincho" panose="02020400000000000000" pitchFamily="18" charset="-128"/>
+                <a:cs typeface="Times New Roman" panose="02020603050405020304" pitchFamily="18" charset="0"/>
+              </a:rPr>
+              <a:t>};</a:t>
+            </a:r>
+          </a:p>
+          <a:p>
+            <a:pPr marL="0" indent="0">
+              <a:lnSpc>
+                <a:spcPct val="107000"/>
+              </a:lnSpc>
+              <a:spcAft>
+                <a:spcPts val="0"/>
+              </a:spcAft>
+              <a:buNone/>
+            </a:pPr>
+            <a:endParaRPr lang="de-DE" sz="12800" dirty="0">
+              <a:effectLst/>
+              <a:latin typeface="Calibri" panose="020F0502020204030204" pitchFamily="34" charset="0"/>
+              <a:ea typeface="Yu Mincho" panose="02020400000000000000" pitchFamily="18" charset="-128"/>
+              <a:cs typeface="Times New Roman" panose="02020603050405020304" pitchFamily="18" charset="0"/>
+            </a:endParaRPr>
+          </a:p>
+          <a:p>
+            <a:pPr marL="0" indent="0">
+              <a:lnSpc>
+                <a:spcPct val="107000"/>
+              </a:lnSpc>
+              <a:spcAft>
+                <a:spcPts val="0"/>
+              </a:spcAft>
+              <a:buNone/>
+            </a:pPr>
+            <a:r>
+              <a:rPr lang="de-DE" sz="8000" dirty="0" err="1">
+                <a:solidFill>
+                  <a:srgbClr val="8000FF"/>
+                </a:solidFill>
+                <a:highlight>
+                  <a:srgbClr val="FFFFFF"/>
+                </a:highlight>
+                <a:latin typeface="Courier New" panose="02070309020205020404" pitchFamily="49" charset="0"/>
+                <a:ea typeface="Yu Mincho" panose="02020400000000000000" pitchFamily="18" charset="-128"/>
+                <a:cs typeface="Times New Roman" panose="02020603050405020304" pitchFamily="18" charset="0"/>
+              </a:rPr>
+              <a:t>void</a:t>
+            </a:r>
+            <a:r>
+              <a:rPr lang="de-DE" sz="8000" dirty="0">
+                <a:solidFill>
+                  <a:srgbClr val="000000"/>
+                </a:solidFill>
+                <a:highlight>
+                  <a:srgbClr val="FFFFFF"/>
+                </a:highlight>
+                <a:latin typeface="Courier New" panose="02070309020205020404" pitchFamily="49" charset="0"/>
+                <a:ea typeface="Yu Mincho" panose="02020400000000000000" pitchFamily="18" charset="-128"/>
+                <a:cs typeface="Times New Roman" panose="02020603050405020304" pitchFamily="18" charset="0"/>
+              </a:rPr>
+              <a:t> </a:t>
+            </a:r>
+            <a:r>
+              <a:rPr lang="de-DE" sz="8000" dirty="0" err="1">
+                <a:solidFill>
+                  <a:srgbClr val="000000"/>
+                </a:solidFill>
+                <a:highlight>
+                  <a:srgbClr val="FFFFFF"/>
+                </a:highlight>
+                <a:latin typeface="Courier New" panose="02070309020205020404" pitchFamily="49" charset="0"/>
+                <a:ea typeface="Yu Mincho" panose="02020400000000000000" pitchFamily="18" charset="-128"/>
+                <a:cs typeface="Times New Roman" panose="02020603050405020304" pitchFamily="18" charset="0"/>
+              </a:rPr>
+              <a:t>produce</a:t>
+            </a:r>
+            <a:r>
+              <a:rPr lang="de-DE" sz="8000" b="1" dirty="0">
+                <a:solidFill>
+                  <a:srgbClr val="000080"/>
+                </a:solidFill>
+                <a:highlight>
+                  <a:srgbClr val="FFFFFF"/>
+                </a:highlight>
+                <a:latin typeface="Courier New" panose="02070309020205020404" pitchFamily="49" charset="0"/>
+                <a:ea typeface="Yu Mincho" panose="02020400000000000000" pitchFamily="18" charset="-128"/>
+                <a:cs typeface="Times New Roman" panose="02020603050405020304" pitchFamily="18" charset="0"/>
+              </a:rPr>
+              <a:t>()</a:t>
+            </a:r>
+            <a:endParaRPr lang="de-DE" sz="12800" dirty="0">
+              <a:effectLst/>
+              <a:latin typeface="Calibri" panose="020F0502020204030204" pitchFamily="34" charset="0"/>
+              <a:ea typeface="Yu Mincho" panose="02020400000000000000" pitchFamily="18" charset="-128"/>
+              <a:cs typeface="Times New Roman" panose="02020603050405020304" pitchFamily="18" charset="0"/>
+            </a:endParaRPr>
+          </a:p>
+          <a:p>
+            <a:pPr marL="0" indent="0">
+              <a:lnSpc>
+                <a:spcPct val="107000"/>
+              </a:lnSpc>
+              <a:spcAft>
+                <a:spcPts val="0"/>
+              </a:spcAft>
+              <a:buNone/>
+            </a:pPr>
+            <a:r>
+              <a:rPr lang="de-DE" sz="8000" b="1" dirty="0">
+                <a:solidFill>
+                  <a:srgbClr val="000080"/>
+                </a:solidFill>
+                <a:highlight>
+                  <a:srgbClr val="FFFFFF"/>
+                </a:highlight>
+                <a:latin typeface="Courier New" panose="02070309020205020404" pitchFamily="49" charset="0"/>
+                <a:ea typeface="Yu Mincho" panose="02020400000000000000" pitchFamily="18" charset="-128"/>
+                <a:cs typeface="Times New Roman" panose="02020603050405020304" pitchFamily="18" charset="0"/>
+              </a:rPr>
+              <a:t>{</a:t>
+            </a:r>
+            <a:endParaRPr lang="de-DE" sz="12800" dirty="0">
+              <a:effectLst/>
+              <a:latin typeface="Calibri" panose="020F0502020204030204" pitchFamily="34" charset="0"/>
+              <a:ea typeface="Yu Mincho" panose="02020400000000000000" pitchFamily="18" charset="-128"/>
+              <a:cs typeface="Times New Roman" panose="02020603050405020304" pitchFamily="18" charset="0"/>
+            </a:endParaRPr>
+          </a:p>
+          <a:p>
+            <a:pPr marL="0" indent="0">
+              <a:lnSpc>
+                <a:spcPct val="107000"/>
+              </a:lnSpc>
+              <a:spcAft>
+                <a:spcPts val="0"/>
+              </a:spcAft>
+              <a:buNone/>
+            </a:pPr>
+            <a:r>
+              <a:rPr lang="de-DE" sz="8000" dirty="0">
+                <a:solidFill>
+                  <a:srgbClr val="000000"/>
+                </a:solidFill>
+                <a:highlight>
+                  <a:srgbClr val="FFFFFF"/>
+                </a:highlight>
+                <a:latin typeface="Courier New" panose="02070309020205020404" pitchFamily="49" charset="0"/>
+                <a:ea typeface="Yu Mincho" panose="02020400000000000000" pitchFamily="18" charset="-128"/>
+                <a:cs typeface="Times New Roman" panose="02020603050405020304" pitchFamily="18" charset="0"/>
+              </a:rPr>
+              <a:t>  </a:t>
+            </a:r>
+            <a:r>
+              <a:rPr lang="de-DE" sz="8000" b="1" dirty="0" err="1">
+                <a:solidFill>
+                  <a:srgbClr val="0000FF"/>
+                </a:solidFill>
+                <a:highlight>
+                  <a:srgbClr val="FFFFFF"/>
+                </a:highlight>
+                <a:latin typeface="Courier New" panose="02070309020205020404" pitchFamily="49" charset="0"/>
+                <a:ea typeface="Yu Mincho" panose="02020400000000000000" pitchFamily="18" charset="-128"/>
+                <a:cs typeface="Times New Roman" panose="02020603050405020304" pitchFamily="18" charset="0"/>
+              </a:rPr>
+              <a:t>for</a:t>
+            </a:r>
+            <a:r>
+              <a:rPr lang="de-DE" sz="8000" dirty="0">
+                <a:solidFill>
+                  <a:srgbClr val="000000"/>
+                </a:solidFill>
+                <a:highlight>
+                  <a:srgbClr val="FFFFFF"/>
+                </a:highlight>
+                <a:latin typeface="Courier New" panose="02070309020205020404" pitchFamily="49" charset="0"/>
+                <a:ea typeface="Yu Mincho" panose="02020400000000000000" pitchFamily="18" charset="-128"/>
+                <a:cs typeface="Times New Roman" panose="02020603050405020304" pitchFamily="18" charset="0"/>
+              </a:rPr>
+              <a:t> </a:t>
+            </a:r>
+            <a:r>
+              <a:rPr lang="de-DE" sz="8000" b="1" dirty="0">
+                <a:solidFill>
+                  <a:srgbClr val="000080"/>
+                </a:solidFill>
+                <a:highlight>
+                  <a:srgbClr val="FFFFFF"/>
+                </a:highlight>
+                <a:latin typeface="Courier New" panose="02070309020205020404" pitchFamily="49" charset="0"/>
+                <a:ea typeface="Yu Mincho" panose="02020400000000000000" pitchFamily="18" charset="-128"/>
+                <a:cs typeface="Times New Roman" panose="02020603050405020304" pitchFamily="18" charset="0"/>
+              </a:rPr>
+              <a:t>(</a:t>
+            </a:r>
+            <a:r>
+              <a:rPr lang="de-DE" sz="8000" dirty="0" err="1">
+                <a:solidFill>
+                  <a:srgbClr val="8000FF"/>
+                </a:solidFill>
+                <a:highlight>
+                  <a:srgbClr val="FFFFFF"/>
+                </a:highlight>
+                <a:latin typeface="Courier New" panose="02070309020205020404" pitchFamily="49" charset="0"/>
+                <a:ea typeface="Yu Mincho" panose="02020400000000000000" pitchFamily="18" charset="-128"/>
+                <a:cs typeface="Times New Roman" panose="02020603050405020304" pitchFamily="18" charset="0"/>
+              </a:rPr>
+              <a:t>int</a:t>
+            </a:r>
+            <a:r>
+              <a:rPr lang="de-DE" sz="8000" dirty="0">
+                <a:solidFill>
+                  <a:srgbClr val="000000"/>
+                </a:solidFill>
+                <a:highlight>
+                  <a:srgbClr val="FFFFFF"/>
+                </a:highlight>
+                <a:latin typeface="Courier New" panose="02070309020205020404" pitchFamily="49" charset="0"/>
+                <a:ea typeface="Yu Mincho" panose="02020400000000000000" pitchFamily="18" charset="-128"/>
+                <a:cs typeface="Times New Roman" panose="02020603050405020304" pitchFamily="18" charset="0"/>
+              </a:rPr>
+              <a:t> i </a:t>
+            </a:r>
+            <a:r>
+              <a:rPr lang="de-DE" sz="8000" b="1" dirty="0">
+                <a:solidFill>
+                  <a:srgbClr val="000080"/>
+                </a:solidFill>
+                <a:highlight>
+                  <a:srgbClr val="FFFFFF"/>
+                </a:highlight>
+                <a:latin typeface="Courier New" panose="02070309020205020404" pitchFamily="49" charset="0"/>
+                <a:ea typeface="Yu Mincho" panose="02020400000000000000" pitchFamily="18" charset="-128"/>
+                <a:cs typeface="Times New Roman" panose="02020603050405020304" pitchFamily="18" charset="0"/>
+              </a:rPr>
+              <a:t>=</a:t>
+            </a:r>
+            <a:r>
+              <a:rPr lang="de-DE" sz="8000" dirty="0">
+                <a:solidFill>
+                  <a:srgbClr val="000000"/>
+                </a:solidFill>
+                <a:highlight>
+                  <a:srgbClr val="FFFFFF"/>
+                </a:highlight>
+                <a:latin typeface="Courier New" panose="02070309020205020404" pitchFamily="49" charset="0"/>
+                <a:ea typeface="Yu Mincho" panose="02020400000000000000" pitchFamily="18" charset="-128"/>
+                <a:cs typeface="Times New Roman" panose="02020603050405020304" pitchFamily="18" charset="0"/>
+              </a:rPr>
+              <a:t> </a:t>
+            </a:r>
+            <a:r>
+              <a:rPr lang="de-DE" sz="8000" dirty="0">
+                <a:solidFill>
+                  <a:srgbClr val="FF8000"/>
+                </a:solidFill>
+                <a:highlight>
+                  <a:srgbClr val="FFFFFF"/>
+                </a:highlight>
+                <a:latin typeface="Courier New" panose="02070309020205020404" pitchFamily="49" charset="0"/>
+                <a:ea typeface="Yu Mincho" panose="02020400000000000000" pitchFamily="18" charset="-128"/>
+                <a:cs typeface="Times New Roman" panose="02020603050405020304" pitchFamily="18" charset="0"/>
+              </a:rPr>
+              <a:t>1</a:t>
+            </a:r>
+            <a:r>
+              <a:rPr lang="de-DE" sz="8000" b="1" dirty="0">
+                <a:solidFill>
+                  <a:srgbClr val="000080"/>
+                </a:solidFill>
+                <a:highlight>
+                  <a:srgbClr val="FFFFFF"/>
+                </a:highlight>
+                <a:latin typeface="Courier New" panose="02070309020205020404" pitchFamily="49" charset="0"/>
+                <a:ea typeface="Yu Mincho" panose="02020400000000000000" pitchFamily="18" charset="-128"/>
+                <a:cs typeface="Times New Roman" panose="02020603050405020304" pitchFamily="18" charset="0"/>
+              </a:rPr>
+              <a:t>;</a:t>
+            </a:r>
+            <a:r>
+              <a:rPr lang="de-DE" sz="8000" dirty="0">
+                <a:solidFill>
+                  <a:srgbClr val="000000"/>
+                </a:solidFill>
+                <a:highlight>
+                  <a:srgbClr val="FFFFFF"/>
+                </a:highlight>
+                <a:latin typeface="Courier New" panose="02070309020205020404" pitchFamily="49" charset="0"/>
+                <a:ea typeface="Yu Mincho" panose="02020400000000000000" pitchFamily="18" charset="-128"/>
+                <a:cs typeface="Times New Roman" panose="02020603050405020304" pitchFamily="18" charset="0"/>
+              </a:rPr>
+              <a:t> i </a:t>
+            </a:r>
+            <a:r>
+              <a:rPr lang="de-DE" sz="8000" b="1" dirty="0">
+                <a:solidFill>
+                  <a:srgbClr val="000080"/>
+                </a:solidFill>
+                <a:highlight>
+                  <a:srgbClr val="FFFFFF"/>
+                </a:highlight>
+                <a:latin typeface="Courier New" panose="02070309020205020404" pitchFamily="49" charset="0"/>
+                <a:ea typeface="Yu Mincho" panose="02020400000000000000" pitchFamily="18" charset="-128"/>
+                <a:cs typeface="Times New Roman" panose="02020603050405020304" pitchFamily="18" charset="0"/>
+              </a:rPr>
+              <a:t>&lt;=</a:t>
+            </a:r>
+            <a:r>
+              <a:rPr lang="de-DE" sz="8000" dirty="0">
+                <a:solidFill>
+                  <a:srgbClr val="000000"/>
+                </a:solidFill>
+                <a:highlight>
+                  <a:srgbClr val="FFFFFF"/>
+                </a:highlight>
+                <a:latin typeface="Courier New" panose="02070309020205020404" pitchFamily="49" charset="0"/>
+                <a:ea typeface="Yu Mincho" panose="02020400000000000000" pitchFamily="18" charset="-128"/>
+                <a:cs typeface="Times New Roman" panose="02020603050405020304" pitchFamily="18" charset="0"/>
+              </a:rPr>
+              <a:t> </a:t>
+            </a:r>
+            <a:r>
+              <a:rPr lang="de-DE" sz="8000" dirty="0">
+                <a:solidFill>
+                  <a:srgbClr val="FF8000"/>
+                </a:solidFill>
+                <a:highlight>
+                  <a:srgbClr val="FFFFFF"/>
+                </a:highlight>
+                <a:latin typeface="Courier New" panose="02070309020205020404" pitchFamily="49" charset="0"/>
+                <a:ea typeface="Yu Mincho" panose="02020400000000000000" pitchFamily="18" charset="-128"/>
+                <a:cs typeface="Times New Roman" panose="02020603050405020304" pitchFamily="18" charset="0"/>
+              </a:rPr>
+              <a:t>10000</a:t>
+            </a:r>
+            <a:r>
+              <a:rPr lang="de-DE" sz="8000" b="1" dirty="0">
+                <a:solidFill>
+                  <a:srgbClr val="000080"/>
+                </a:solidFill>
+                <a:highlight>
+                  <a:srgbClr val="FFFFFF"/>
+                </a:highlight>
+                <a:latin typeface="Courier New" panose="02070309020205020404" pitchFamily="49" charset="0"/>
+                <a:ea typeface="Yu Mincho" panose="02020400000000000000" pitchFamily="18" charset="-128"/>
+                <a:cs typeface="Times New Roman" panose="02020603050405020304" pitchFamily="18" charset="0"/>
+              </a:rPr>
+              <a:t>;</a:t>
+            </a:r>
+            <a:r>
+              <a:rPr lang="de-DE" sz="8000" dirty="0">
+                <a:solidFill>
+                  <a:srgbClr val="000000"/>
+                </a:solidFill>
+                <a:highlight>
+                  <a:srgbClr val="FFFFFF"/>
+                </a:highlight>
+                <a:latin typeface="Courier New" panose="02070309020205020404" pitchFamily="49" charset="0"/>
+                <a:ea typeface="Yu Mincho" panose="02020400000000000000" pitchFamily="18" charset="-128"/>
+                <a:cs typeface="Times New Roman" panose="02020603050405020304" pitchFamily="18" charset="0"/>
+              </a:rPr>
+              <a:t> </a:t>
+            </a:r>
+            <a:r>
+              <a:rPr lang="de-DE" sz="8000" b="1" dirty="0">
+                <a:solidFill>
+                  <a:srgbClr val="000080"/>
+                </a:solidFill>
+                <a:highlight>
+                  <a:srgbClr val="FFFFFF"/>
+                </a:highlight>
+                <a:latin typeface="Courier New" panose="02070309020205020404" pitchFamily="49" charset="0"/>
+                <a:ea typeface="Yu Mincho" panose="02020400000000000000" pitchFamily="18" charset="-128"/>
+                <a:cs typeface="Times New Roman" panose="02020603050405020304" pitchFamily="18" charset="0"/>
+              </a:rPr>
+              <a:t>++</a:t>
+            </a:r>
+            <a:r>
+              <a:rPr lang="de-DE" sz="8000" dirty="0">
+                <a:solidFill>
+                  <a:srgbClr val="000000"/>
+                </a:solidFill>
+                <a:highlight>
+                  <a:srgbClr val="FFFFFF"/>
+                </a:highlight>
+                <a:latin typeface="Courier New" panose="02070309020205020404" pitchFamily="49" charset="0"/>
+                <a:ea typeface="Yu Mincho" panose="02020400000000000000" pitchFamily="18" charset="-128"/>
+                <a:cs typeface="Times New Roman" panose="02020603050405020304" pitchFamily="18" charset="0"/>
+              </a:rPr>
+              <a:t>i</a:t>
+            </a:r>
+            <a:r>
+              <a:rPr lang="de-DE" sz="8000" b="1" dirty="0">
+                <a:solidFill>
+                  <a:srgbClr val="000080"/>
+                </a:solidFill>
+                <a:highlight>
+                  <a:srgbClr val="FFFFFF"/>
+                </a:highlight>
+                <a:latin typeface="Courier New" panose="02070309020205020404" pitchFamily="49" charset="0"/>
+                <a:ea typeface="Yu Mincho" panose="02020400000000000000" pitchFamily="18" charset="-128"/>
+                <a:cs typeface="Times New Roman" panose="02020603050405020304" pitchFamily="18" charset="0"/>
+              </a:rPr>
+              <a:t>)</a:t>
+            </a:r>
+            <a:endParaRPr lang="de-DE" sz="12800" dirty="0">
+              <a:effectLst/>
+              <a:latin typeface="Calibri" panose="020F0502020204030204" pitchFamily="34" charset="0"/>
+              <a:ea typeface="Yu Mincho" panose="02020400000000000000" pitchFamily="18" charset="-128"/>
+              <a:cs typeface="Times New Roman" panose="02020603050405020304" pitchFamily="18" charset="0"/>
+            </a:endParaRPr>
+          </a:p>
+          <a:p>
+            <a:pPr marL="0" indent="0">
+              <a:lnSpc>
+                <a:spcPct val="107000"/>
+              </a:lnSpc>
+              <a:spcAft>
+                <a:spcPts val="0"/>
+              </a:spcAft>
+              <a:buNone/>
+            </a:pPr>
+            <a:r>
+              <a:rPr lang="de-DE" sz="8000" dirty="0">
+                <a:solidFill>
+                  <a:srgbClr val="000000"/>
+                </a:solidFill>
+                <a:highlight>
+                  <a:srgbClr val="FFFFFF"/>
+                </a:highlight>
+                <a:latin typeface="Courier New" panose="02070309020205020404" pitchFamily="49" charset="0"/>
+                <a:ea typeface="Yu Mincho" panose="02020400000000000000" pitchFamily="18" charset="-128"/>
+                <a:cs typeface="Times New Roman" panose="02020603050405020304" pitchFamily="18" charset="0"/>
+              </a:rPr>
+              <a:t>    </a:t>
+            </a:r>
+            <a:r>
+              <a:rPr lang="de-DE" sz="8000" dirty="0" err="1">
+                <a:solidFill>
+                  <a:srgbClr val="000000"/>
+                </a:solidFill>
+                <a:highlight>
+                  <a:srgbClr val="FFFFFF"/>
+                </a:highlight>
+                <a:latin typeface="Courier New" panose="02070309020205020404" pitchFamily="49" charset="0"/>
+                <a:ea typeface="Yu Mincho" panose="02020400000000000000" pitchFamily="18" charset="-128"/>
+                <a:cs typeface="Times New Roman" panose="02020603050405020304" pitchFamily="18" charset="0"/>
+              </a:rPr>
+              <a:t>q</a:t>
+            </a:r>
+            <a:r>
+              <a:rPr lang="de-DE" sz="8000" b="1" dirty="0" err="1">
+                <a:solidFill>
+                  <a:srgbClr val="000080"/>
+                </a:solidFill>
+                <a:highlight>
+                  <a:srgbClr val="FFFFFF"/>
+                </a:highlight>
+                <a:latin typeface="Courier New" panose="02070309020205020404" pitchFamily="49" charset="0"/>
+                <a:ea typeface="Yu Mincho" panose="02020400000000000000" pitchFamily="18" charset="-128"/>
+                <a:cs typeface="Times New Roman" panose="02020603050405020304" pitchFamily="18" charset="0"/>
+              </a:rPr>
+              <a:t>.</a:t>
+            </a:r>
+            <a:r>
+              <a:rPr lang="de-DE" sz="8000" dirty="0" err="1">
+                <a:solidFill>
+                  <a:srgbClr val="000000"/>
+                </a:solidFill>
+                <a:highlight>
+                  <a:srgbClr val="FFFFFF"/>
+                </a:highlight>
+                <a:latin typeface="Courier New" panose="02070309020205020404" pitchFamily="49" charset="0"/>
+                <a:ea typeface="Yu Mincho" panose="02020400000000000000" pitchFamily="18" charset="-128"/>
+                <a:cs typeface="Times New Roman" panose="02020603050405020304" pitchFamily="18" charset="0"/>
+              </a:rPr>
+              <a:t>push</a:t>
+            </a:r>
+            <a:r>
+              <a:rPr lang="de-DE" sz="8000" b="1" dirty="0">
+                <a:solidFill>
+                  <a:srgbClr val="000080"/>
+                </a:solidFill>
+                <a:highlight>
+                  <a:srgbClr val="FFFFFF"/>
+                </a:highlight>
+                <a:latin typeface="Courier New" panose="02070309020205020404" pitchFamily="49" charset="0"/>
+                <a:ea typeface="Yu Mincho" panose="02020400000000000000" pitchFamily="18" charset="-128"/>
+                <a:cs typeface="Times New Roman" panose="02020603050405020304" pitchFamily="18" charset="0"/>
+              </a:rPr>
+              <a:t>(</a:t>
+            </a:r>
+            <a:r>
+              <a:rPr lang="de-DE" sz="8000" dirty="0">
+                <a:solidFill>
+                  <a:srgbClr val="000000"/>
+                </a:solidFill>
+                <a:highlight>
+                  <a:srgbClr val="FFFFFF"/>
+                </a:highlight>
+                <a:latin typeface="Courier New" panose="02070309020205020404" pitchFamily="49" charset="0"/>
+                <a:ea typeface="Yu Mincho" panose="02020400000000000000" pitchFamily="18" charset="-128"/>
+                <a:cs typeface="Times New Roman" panose="02020603050405020304" pitchFamily="18" charset="0"/>
+              </a:rPr>
+              <a:t>i</a:t>
+            </a:r>
+            <a:r>
+              <a:rPr lang="de-DE" sz="8000" b="1" dirty="0">
+                <a:solidFill>
+                  <a:srgbClr val="000080"/>
+                </a:solidFill>
+                <a:highlight>
+                  <a:srgbClr val="FFFFFF"/>
+                </a:highlight>
+                <a:latin typeface="Courier New" panose="02070309020205020404" pitchFamily="49" charset="0"/>
+                <a:ea typeface="Yu Mincho" panose="02020400000000000000" pitchFamily="18" charset="-128"/>
+                <a:cs typeface="Times New Roman" panose="02020603050405020304" pitchFamily="18" charset="0"/>
+              </a:rPr>
+              <a:t>);</a:t>
+            </a:r>
+            <a:endParaRPr lang="de-DE" sz="12800" dirty="0">
+              <a:effectLst/>
+              <a:latin typeface="Calibri" panose="020F0502020204030204" pitchFamily="34" charset="0"/>
+              <a:ea typeface="Yu Mincho" panose="02020400000000000000" pitchFamily="18" charset="-128"/>
+              <a:cs typeface="Times New Roman" panose="02020603050405020304" pitchFamily="18" charset="0"/>
+            </a:endParaRPr>
+          </a:p>
+          <a:p>
+            <a:pPr marL="0" indent="0">
+              <a:lnSpc>
+                <a:spcPct val="107000"/>
+              </a:lnSpc>
+              <a:spcAft>
+                <a:spcPts val="0"/>
+              </a:spcAft>
+              <a:buNone/>
+            </a:pPr>
+            <a:r>
+              <a:rPr lang="de-DE" sz="8000" b="1" dirty="0">
+                <a:solidFill>
+                  <a:srgbClr val="000080"/>
+                </a:solidFill>
+                <a:highlight>
+                  <a:srgbClr val="FFFFFF"/>
+                </a:highlight>
+                <a:latin typeface="Courier New" panose="02070309020205020404" pitchFamily="49" charset="0"/>
+                <a:ea typeface="Yu Mincho" panose="02020400000000000000" pitchFamily="18" charset="-128"/>
+                <a:cs typeface="Times New Roman" panose="02020603050405020304" pitchFamily="18" charset="0"/>
+              </a:rPr>
+              <a:t>}</a:t>
+            </a:r>
+            <a:endParaRPr lang="de-DE" sz="12800" dirty="0">
+              <a:highlight>
+                <a:srgbClr val="FFFFFF"/>
+              </a:highlight>
+              <a:latin typeface="Calibri" panose="020F0502020204030204" pitchFamily="34" charset="0"/>
+              <a:ea typeface="Yu Mincho" panose="02020400000000000000" pitchFamily="18" charset="-128"/>
+              <a:cs typeface="Times New Roman" panose="02020603050405020304" pitchFamily="18" charset="0"/>
+            </a:endParaRPr>
+          </a:p>
+          <a:p>
+            <a:pPr marL="0" indent="0">
+              <a:lnSpc>
+                <a:spcPct val="107000"/>
+              </a:lnSpc>
+              <a:spcAft>
+                <a:spcPts val="0"/>
+              </a:spcAft>
+              <a:buNone/>
+            </a:pPr>
+            <a:endParaRPr lang="de-DE" sz="12800" dirty="0">
+              <a:solidFill>
+                <a:srgbClr val="8000FF"/>
+              </a:solidFill>
+              <a:highlight>
+                <a:srgbClr val="FFFFFF"/>
+              </a:highlight>
+              <a:latin typeface="Calibri" panose="020F0502020204030204" pitchFamily="34" charset="0"/>
+              <a:ea typeface="Yu Mincho" panose="02020400000000000000" pitchFamily="18" charset="-128"/>
+              <a:cs typeface="Times New Roman" panose="02020603050405020304" pitchFamily="18" charset="0"/>
+            </a:endParaRPr>
+          </a:p>
+          <a:p>
+            <a:pPr marL="0" indent="0">
+              <a:lnSpc>
+                <a:spcPct val="107000"/>
+              </a:lnSpc>
+              <a:spcAft>
+                <a:spcPts val="0"/>
+              </a:spcAft>
+              <a:buNone/>
+            </a:pPr>
+            <a:endParaRPr lang="de-DE" sz="8000" dirty="0">
+              <a:solidFill>
+                <a:srgbClr val="8000FF"/>
+              </a:solidFill>
+              <a:highlight>
+                <a:srgbClr val="FFFFFF"/>
+              </a:highlight>
+              <a:latin typeface="Courier New" panose="02070309020205020404" pitchFamily="49" charset="0"/>
+              <a:ea typeface="Yu Mincho" panose="02020400000000000000" pitchFamily="18" charset="-128"/>
+              <a:cs typeface="Times New Roman" panose="02020603050405020304" pitchFamily="18" charset="0"/>
+            </a:endParaRPr>
+          </a:p>
+          <a:p>
+            <a:pPr marL="0" indent="0">
+              <a:lnSpc>
+                <a:spcPct val="107000"/>
+              </a:lnSpc>
+              <a:spcAft>
+                <a:spcPts val="0"/>
+              </a:spcAft>
+              <a:buNone/>
+            </a:pPr>
+            <a:r>
+              <a:rPr lang="de-DE" sz="8000" dirty="0" err="1">
+                <a:solidFill>
+                  <a:srgbClr val="8000FF"/>
+                </a:solidFill>
+                <a:highlight>
+                  <a:srgbClr val="FFFFFF"/>
+                </a:highlight>
+                <a:latin typeface="Courier New" panose="02070309020205020404" pitchFamily="49" charset="0"/>
+                <a:ea typeface="Yu Mincho" panose="02020400000000000000" pitchFamily="18" charset="-128"/>
+                <a:cs typeface="Times New Roman" panose="02020603050405020304" pitchFamily="18" charset="0"/>
+              </a:rPr>
+              <a:t>void</a:t>
+            </a:r>
+            <a:r>
+              <a:rPr lang="de-DE" sz="8000" dirty="0">
+                <a:solidFill>
+                  <a:srgbClr val="000000"/>
+                </a:solidFill>
+                <a:highlight>
+                  <a:srgbClr val="FFFFFF"/>
+                </a:highlight>
+                <a:latin typeface="Courier New" panose="02070309020205020404" pitchFamily="49" charset="0"/>
+                <a:ea typeface="Yu Mincho" panose="02020400000000000000" pitchFamily="18" charset="-128"/>
+                <a:cs typeface="Times New Roman" panose="02020603050405020304" pitchFamily="18" charset="0"/>
+              </a:rPr>
+              <a:t> </a:t>
+            </a:r>
+            <a:r>
+              <a:rPr lang="de-DE" sz="8000" dirty="0" err="1">
+                <a:solidFill>
+                  <a:srgbClr val="000000"/>
+                </a:solidFill>
+                <a:highlight>
+                  <a:srgbClr val="FFFFFF"/>
+                </a:highlight>
+                <a:latin typeface="Courier New" panose="02070309020205020404" pitchFamily="49" charset="0"/>
+                <a:ea typeface="Yu Mincho" panose="02020400000000000000" pitchFamily="18" charset="-128"/>
+                <a:cs typeface="Times New Roman" panose="02020603050405020304" pitchFamily="18" charset="0"/>
+              </a:rPr>
+              <a:t>consume</a:t>
+            </a:r>
+            <a:r>
+              <a:rPr lang="de-DE" sz="8000" b="1" dirty="0">
+                <a:solidFill>
+                  <a:srgbClr val="000080"/>
+                </a:solidFill>
+                <a:highlight>
+                  <a:srgbClr val="FFFFFF"/>
+                </a:highlight>
+                <a:latin typeface="Courier New" panose="02070309020205020404" pitchFamily="49" charset="0"/>
+                <a:ea typeface="Yu Mincho" panose="02020400000000000000" pitchFamily="18" charset="-128"/>
+                <a:cs typeface="Times New Roman" panose="02020603050405020304" pitchFamily="18" charset="0"/>
+              </a:rPr>
+              <a:t>()</a:t>
+            </a:r>
+            <a:endParaRPr lang="de-DE" sz="12800" dirty="0">
+              <a:effectLst/>
+              <a:latin typeface="Calibri" panose="020F0502020204030204" pitchFamily="34" charset="0"/>
+              <a:ea typeface="Yu Mincho" panose="02020400000000000000" pitchFamily="18" charset="-128"/>
+              <a:cs typeface="Times New Roman" panose="02020603050405020304" pitchFamily="18" charset="0"/>
+            </a:endParaRPr>
+          </a:p>
+          <a:p>
+            <a:pPr marL="0" indent="0">
+              <a:lnSpc>
+                <a:spcPct val="107000"/>
+              </a:lnSpc>
+              <a:spcAft>
+                <a:spcPts val="0"/>
+              </a:spcAft>
+              <a:buNone/>
+            </a:pPr>
+            <a:r>
+              <a:rPr lang="de-DE" sz="8000" b="1" dirty="0">
+                <a:solidFill>
+                  <a:srgbClr val="000080"/>
+                </a:solidFill>
+                <a:highlight>
+                  <a:srgbClr val="FFFFFF"/>
+                </a:highlight>
+                <a:latin typeface="Courier New" panose="02070309020205020404" pitchFamily="49" charset="0"/>
+                <a:ea typeface="Yu Mincho" panose="02020400000000000000" pitchFamily="18" charset="-128"/>
+                <a:cs typeface="Times New Roman" panose="02020603050405020304" pitchFamily="18" charset="0"/>
+              </a:rPr>
+              <a:t>{</a:t>
+            </a:r>
+            <a:r>
+              <a:rPr lang="de-DE" sz="12800" dirty="0">
+                <a:highlight>
+                  <a:srgbClr val="FFFFFF"/>
+                </a:highlight>
+                <a:latin typeface="Calibri" panose="020F0502020204030204" pitchFamily="34" charset="0"/>
+                <a:ea typeface="Yu Mincho" panose="02020400000000000000" pitchFamily="18" charset="-128"/>
+                <a:cs typeface="Times New Roman" panose="02020603050405020304" pitchFamily="18" charset="0"/>
+              </a:rPr>
+              <a:t>  </a:t>
+            </a:r>
+            <a:r>
+              <a:rPr lang="de-DE" sz="8000" dirty="0" err="1">
+                <a:solidFill>
+                  <a:srgbClr val="8000FF"/>
+                </a:solidFill>
+                <a:highlight>
+                  <a:srgbClr val="FFFFFF"/>
+                </a:highlight>
+                <a:latin typeface="Courier New" panose="02070309020205020404" pitchFamily="49" charset="0"/>
+                <a:ea typeface="Yu Mincho" panose="02020400000000000000" pitchFamily="18" charset="-128"/>
+                <a:cs typeface="Times New Roman" panose="02020603050405020304" pitchFamily="18" charset="0"/>
+              </a:rPr>
+              <a:t>int</a:t>
+            </a:r>
+            <a:r>
+              <a:rPr lang="de-DE" sz="8000" dirty="0">
+                <a:solidFill>
+                  <a:srgbClr val="000000"/>
+                </a:solidFill>
+                <a:highlight>
+                  <a:srgbClr val="FFFFFF"/>
+                </a:highlight>
+                <a:latin typeface="Courier New" panose="02070309020205020404" pitchFamily="49" charset="0"/>
+                <a:ea typeface="Yu Mincho" panose="02020400000000000000" pitchFamily="18" charset="-128"/>
+                <a:cs typeface="Times New Roman" panose="02020603050405020304" pitchFamily="18" charset="0"/>
+              </a:rPr>
+              <a:t> i</a:t>
+            </a:r>
+            <a:r>
+              <a:rPr lang="de-DE" sz="8000" b="1" dirty="0">
+                <a:solidFill>
+                  <a:srgbClr val="000080"/>
+                </a:solidFill>
+                <a:highlight>
+                  <a:srgbClr val="FFFFFF"/>
+                </a:highlight>
+                <a:latin typeface="Courier New" panose="02070309020205020404" pitchFamily="49" charset="0"/>
+                <a:ea typeface="Yu Mincho" panose="02020400000000000000" pitchFamily="18" charset="-128"/>
+                <a:cs typeface="Times New Roman" panose="02020603050405020304" pitchFamily="18" charset="0"/>
+              </a:rPr>
+              <a:t>;</a:t>
+            </a:r>
+            <a:endParaRPr lang="de-DE" sz="12800" dirty="0">
+              <a:effectLst/>
+              <a:latin typeface="Calibri" panose="020F0502020204030204" pitchFamily="34" charset="0"/>
+              <a:ea typeface="Yu Mincho" panose="02020400000000000000" pitchFamily="18" charset="-128"/>
+              <a:cs typeface="Times New Roman" panose="02020603050405020304" pitchFamily="18" charset="0"/>
+            </a:endParaRPr>
+          </a:p>
+          <a:p>
+            <a:pPr marL="0" indent="0">
+              <a:lnSpc>
+                <a:spcPct val="107000"/>
+              </a:lnSpc>
+              <a:spcAft>
+                <a:spcPts val="0"/>
+              </a:spcAft>
+              <a:buNone/>
+            </a:pPr>
+            <a:r>
+              <a:rPr lang="de-DE" sz="8000" dirty="0">
+                <a:solidFill>
+                  <a:srgbClr val="000000"/>
+                </a:solidFill>
+                <a:highlight>
+                  <a:srgbClr val="FFFFFF"/>
+                </a:highlight>
+                <a:latin typeface="Courier New" panose="02070309020205020404" pitchFamily="49" charset="0"/>
+                <a:ea typeface="Yu Mincho" panose="02020400000000000000" pitchFamily="18" charset="-128"/>
+                <a:cs typeface="Times New Roman" panose="02020603050405020304" pitchFamily="18" charset="0"/>
+              </a:rPr>
+              <a:t>  </a:t>
+            </a:r>
+            <a:r>
+              <a:rPr lang="de-DE" sz="8000" b="1" dirty="0" err="1">
+                <a:solidFill>
+                  <a:srgbClr val="0000FF"/>
+                </a:solidFill>
+                <a:highlight>
+                  <a:srgbClr val="FFFFFF"/>
+                </a:highlight>
+                <a:latin typeface="Courier New" panose="02070309020205020404" pitchFamily="49" charset="0"/>
+                <a:ea typeface="Yu Mincho" panose="02020400000000000000" pitchFamily="18" charset="-128"/>
+                <a:cs typeface="Times New Roman" panose="02020603050405020304" pitchFamily="18" charset="0"/>
+              </a:rPr>
+              <a:t>while</a:t>
+            </a:r>
+            <a:r>
+              <a:rPr lang="de-DE" sz="8000" dirty="0">
+                <a:solidFill>
+                  <a:srgbClr val="000000"/>
+                </a:solidFill>
+                <a:highlight>
+                  <a:srgbClr val="FFFFFF"/>
+                </a:highlight>
+                <a:latin typeface="Courier New" panose="02070309020205020404" pitchFamily="49" charset="0"/>
+                <a:ea typeface="Yu Mincho" panose="02020400000000000000" pitchFamily="18" charset="-128"/>
+                <a:cs typeface="Times New Roman" panose="02020603050405020304" pitchFamily="18" charset="0"/>
+              </a:rPr>
+              <a:t> </a:t>
+            </a:r>
+            <a:r>
+              <a:rPr lang="de-DE" sz="8000" b="1" dirty="0">
+                <a:solidFill>
+                  <a:srgbClr val="000080"/>
+                </a:solidFill>
+                <a:highlight>
+                  <a:srgbClr val="FFFFFF"/>
+                </a:highlight>
+                <a:latin typeface="Courier New" panose="02070309020205020404" pitchFamily="49" charset="0"/>
+                <a:ea typeface="Yu Mincho" panose="02020400000000000000" pitchFamily="18" charset="-128"/>
+                <a:cs typeface="Times New Roman" panose="02020603050405020304" pitchFamily="18" charset="0"/>
+              </a:rPr>
+              <a:t>(</a:t>
+            </a:r>
+            <a:r>
+              <a:rPr lang="de-DE" sz="8000" dirty="0" err="1">
+                <a:solidFill>
+                  <a:srgbClr val="000000"/>
+                </a:solidFill>
+                <a:highlight>
+                  <a:srgbClr val="FFFFFF"/>
+                </a:highlight>
+                <a:latin typeface="Courier New" panose="02070309020205020404" pitchFamily="49" charset="0"/>
+                <a:ea typeface="Yu Mincho" panose="02020400000000000000" pitchFamily="18" charset="-128"/>
+                <a:cs typeface="Times New Roman" panose="02020603050405020304" pitchFamily="18" charset="0"/>
+              </a:rPr>
+              <a:t>q</a:t>
+            </a:r>
+            <a:r>
+              <a:rPr lang="de-DE" sz="8000" b="1" dirty="0" err="1">
+                <a:solidFill>
+                  <a:srgbClr val="000080"/>
+                </a:solidFill>
+                <a:highlight>
+                  <a:srgbClr val="FFFFFF"/>
+                </a:highlight>
+                <a:latin typeface="Courier New" panose="02070309020205020404" pitchFamily="49" charset="0"/>
+                <a:ea typeface="Yu Mincho" panose="02020400000000000000" pitchFamily="18" charset="-128"/>
+                <a:cs typeface="Times New Roman" panose="02020603050405020304" pitchFamily="18" charset="0"/>
+              </a:rPr>
+              <a:t>.</a:t>
+            </a:r>
+            <a:r>
+              <a:rPr lang="de-DE" sz="8000" dirty="0" err="1">
+                <a:solidFill>
+                  <a:srgbClr val="000000"/>
+                </a:solidFill>
+                <a:highlight>
+                  <a:srgbClr val="FFFFFF"/>
+                </a:highlight>
+                <a:latin typeface="Courier New" panose="02070309020205020404" pitchFamily="49" charset="0"/>
+                <a:ea typeface="Yu Mincho" panose="02020400000000000000" pitchFamily="18" charset="-128"/>
+                <a:cs typeface="Times New Roman" panose="02020603050405020304" pitchFamily="18" charset="0"/>
+              </a:rPr>
+              <a:t>pop</a:t>
+            </a:r>
+            <a:r>
+              <a:rPr lang="de-DE" sz="8000" b="1" dirty="0">
+                <a:solidFill>
+                  <a:srgbClr val="000080"/>
+                </a:solidFill>
+                <a:highlight>
+                  <a:srgbClr val="FFFFFF"/>
+                </a:highlight>
+                <a:latin typeface="Courier New" panose="02070309020205020404" pitchFamily="49" charset="0"/>
+                <a:ea typeface="Yu Mincho" panose="02020400000000000000" pitchFamily="18" charset="-128"/>
+                <a:cs typeface="Times New Roman" panose="02020603050405020304" pitchFamily="18" charset="0"/>
+              </a:rPr>
+              <a:t>(</a:t>
+            </a:r>
+            <a:r>
+              <a:rPr lang="de-DE" sz="8000" dirty="0">
+                <a:solidFill>
+                  <a:srgbClr val="000000"/>
+                </a:solidFill>
+                <a:highlight>
+                  <a:srgbClr val="FFFFFF"/>
+                </a:highlight>
+                <a:latin typeface="Courier New" panose="02070309020205020404" pitchFamily="49" charset="0"/>
+                <a:ea typeface="Yu Mincho" panose="02020400000000000000" pitchFamily="18" charset="-128"/>
+                <a:cs typeface="Times New Roman" panose="02020603050405020304" pitchFamily="18" charset="0"/>
+              </a:rPr>
+              <a:t>i</a:t>
+            </a:r>
+            <a:r>
+              <a:rPr lang="de-DE" sz="8000" b="1" dirty="0">
+                <a:solidFill>
+                  <a:srgbClr val="000080"/>
+                </a:solidFill>
+                <a:highlight>
+                  <a:srgbClr val="FFFFFF"/>
+                </a:highlight>
+                <a:latin typeface="Courier New" panose="02070309020205020404" pitchFamily="49" charset="0"/>
+                <a:ea typeface="Yu Mincho" panose="02020400000000000000" pitchFamily="18" charset="-128"/>
+                <a:cs typeface="Times New Roman" panose="02020603050405020304" pitchFamily="18" charset="0"/>
+              </a:rPr>
+              <a:t>))</a:t>
+            </a:r>
+            <a:endParaRPr lang="de-DE" sz="12800" dirty="0">
+              <a:effectLst/>
+              <a:latin typeface="Calibri" panose="020F0502020204030204" pitchFamily="34" charset="0"/>
+              <a:ea typeface="Yu Mincho" panose="02020400000000000000" pitchFamily="18" charset="-128"/>
+              <a:cs typeface="Times New Roman" panose="02020603050405020304" pitchFamily="18" charset="0"/>
+            </a:endParaRPr>
+          </a:p>
+          <a:p>
+            <a:pPr marL="0" indent="0">
+              <a:lnSpc>
+                <a:spcPct val="107000"/>
+              </a:lnSpc>
+              <a:spcAft>
+                <a:spcPts val="0"/>
+              </a:spcAft>
+              <a:buNone/>
+            </a:pPr>
+            <a:r>
+              <a:rPr lang="de-DE" sz="8000" dirty="0">
+                <a:solidFill>
+                  <a:srgbClr val="000000"/>
+                </a:solidFill>
+                <a:highlight>
+                  <a:srgbClr val="FFFFFF"/>
+                </a:highlight>
+                <a:latin typeface="Courier New" panose="02070309020205020404" pitchFamily="49" charset="0"/>
+                <a:ea typeface="Yu Mincho" panose="02020400000000000000" pitchFamily="18" charset="-128"/>
+                <a:cs typeface="Times New Roman" panose="02020603050405020304" pitchFamily="18" charset="0"/>
+              </a:rPr>
+              <a:t>    </a:t>
+            </a:r>
+            <a:r>
+              <a:rPr lang="de-DE" sz="8000" dirty="0" err="1">
+                <a:solidFill>
+                  <a:srgbClr val="000000"/>
+                </a:solidFill>
+                <a:highlight>
+                  <a:srgbClr val="FFFFFF"/>
+                </a:highlight>
+                <a:latin typeface="Courier New" panose="02070309020205020404" pitchFamily="49" charset="0"/>
+                <a:ea typeface="Yu Mincho" panose="02020400000000000000" pitchFamily="18" charset="-128"/>
+                <a:cs typeface="Times New Roman" panose="02020603050405020304" pitchFamily="18" charset="0"/>
+              </a:rPr>
+              <a:t>sum</a:t>
+            </a:r>
+            <a:r>
+              <a:rPr lang="de-DE" sz="8000" dirty="0">
+                <a:solidFill>
+                  <a:srgbClr val="000000"/>
+                </a:solidFill>
+                <a:highlight>
+                  <a:srgbClr val="FFFFFF"/>
+                </a:highlight>
+                <a:latin typeface="Courier New" panose="02070309020205020404" pitchFamily="49" charset="0"/>
+                <a:ea typeface="Yu Mincho" panose="02020400000000000000" pitchFamily="18" charset="-128"/>
+                <a:cs typeface="Times New Roman" panose="02020603050405020304" pitchFamily="18" charset="0"/>
+              </a:rPr>
+              <a:t> </a:t>
+            </a:r>
+            <a:r>
+              <a:rPr lang="de-DE" sz="8000" b="1" dirty="0">
+                <a:solidFill>
+                  <a:srgbClr val="000080"/>
+                </a:solidFill>
+                <a:highlight>
+                  <a:srgbClr val="FFFFFF"/>
+                </a:highlight>
+                <a:latin typeface="Courier New" panose="02070309020205020404" pitchFamily="49" charset="0"/>
+                <a:ea typeface="Yu Mincho" panose="02020400000000000000" pitchFamily="18" charset="-128"/>
+                <a:cs typeface="Times New Roman" panose="02020603050405020304" pitchFamily="18" charset="0"/>
+              </a:rPr>
+              <a:t>+=</a:t>
+            </a:r>
+            <a:r>
+              <a:rPr lang="de-DE" sz="8000" dirty="0">
+                <a:solidFill>
+                  <a:srgbClr val="000000"/>
+                </a:solidFill>
+                <a:highlight>
+                  <a:srgbClr val="FFFFFF"/>
+                </a:highlight>
+                <a:latin typeface="Courier New" panose="02070309020205020404" pitchFamily="49" charset="0"/>
+                <a:ea typeface="Yu Mincho" panose="02020400000000000000" pitchFamily="18" charset="-128"/>
+                <a:cs typeface="Times New Roman" panose="02020603050405020304" pitchFamily="18" charset="0"/>
+              </a:rPr>
+              <a:t> i</a:t>
+            </a:r>
+            <a:r>
+              <a:rPr lang="de-DE" sz="8000" b="1" dirty="0">
+                <a:solidFill>
+                  <a:srgbClr val="000080"/>
+                </a:solidFill>
+                <a:highlight>
+                  <a:srgbClr val="FFFFFF"/>
+                </a:highlight>
+                <a:latin typeface="Courier New" panose="02070309020205020404" pitchFamily="49" charset="0"/>
+                <a:ea typeface="Yu Mincho" panose="02020400000000000000" pitchFamily="18" charset="-128"/>
+                <a:cs typeface="Times New Roman" panose="02020603050405020304" pitchFamily="18" charset="0"/>
+              </a:rPr>
+              <a:t>;</a:t>
+            </a:r>
+          </a:p>
+          <a:p>
+            <a:pPr marL="0" indent="0">
+              <a:lnSpc>
+                <a:spcPct val="107000"/>
+              </a:lnSpc>
+              <a:spcAft>
+                <a:spcPts val="0"/>
+              </a:spcAft>
+              <a:buNone/>
+            </a:pPr>
+            <a:r>
+              <a:rPr lang="de-DE" sz="8000" b="1" dirty="0">
+                <a:solidFill>
+                  <a:srgbClr val="000080"/>
+                </a:solidFill>
+                <a:highlight>
+                  <a:srgbClr val="FFFFFF"/>
+                </a:highlight>
+                <a:latin typeface="Courier New" panose="02070309020205020404" pitchFamily="49" charset="0"/>
+                <a:ea typeface="Yu Mincho" panose="02020400000000000000" pitchFamily="18" charset="-128"/>
+                <a:cs typeface="Times New Roman" panose="02020603050405020304" pitchFamily="18" charset="0"/>
+              </a:rPr>
+              <a:t>}</a:t>
+            </a:r>
+            <a:r>
+              <a:rPr lang="de-DE" sz="8000" dirty="0">
+                <a:solidFill>
+                  <a:srgbClr val="000000"/>
+                </a:solidFill>
+                <a:highlight>
+                  <a:srgbClr val="FFFFFF"/>
+                </a:highlight>
+                <a:latin typeface="Courier New" panose="02070309020205020404" pitchFamily="49" charset="0"/>
+                <a:ea typeface="Yu Mincho" panose="02020400000000000000" pitchFamily="18" charset="-128"/>
+                <a:cs typeface="Times New Roman" panose="02020603050405020304" pitchFamily="18" charset="0"/>
+              </a:rPr>
+              <a:t> </a:t>
+            </a:r>
+            <a:endParaRPr lang="de-DE" sz="12800" dirty="0">
+              <a:effectLst/>
+              <a:latin typeface="Calibri" panose="020F0502020204030204" pitchFamily="34" charset="0"/>
+              <a:ea typeface="Yu Mincho" panose="02020400000000000000" pitchFamily="18" charset="-128"/>
+              <a:cs typeface="Times New Roman" panose="02020603050405020304" pitchFamily="18" charset="0"/>
+            </a:endParaRPr>
+          </a:p>
+          <a:p>
+            <a:pPr marL="0" indent="0">
+              <a:lnSpc>
+                <a:spcPct val="107000"/>
+              </a:lnSpc>
+              <a:spcAft>
+                <a:spcPts val="0"/>
+              </a:spcAft>
+              <a:buNone/>
+            </a:pPr>
+            <a:r>
+              <a:rPr lang="de-DE" sz="8000" dirty="0" err="1">
+                <a:solidFill>
+                  <a:srgbClr val="8000FF"/>
+                </a:solidFill>
+                <a:highlight>
+                  <a:srgbClr val="FFFFFF"/>
+                </a:highlight>
+                <a:latin typeface="Courier New" panose="02070309020205020404" pitchFamily="49" charset="0"/>
+                <a:ea typeface="Yu Mincho" panose="02020400000000000000" pitchFamily="18" charset="-128"/>
+                <a:cs typeface="Times New Roman" panose="02020603050405020304" pitchFamily="18" charset="0"/>
+              </a:rPr>
+              <a:t>int</a:t>
+            </a:r>
+            <a:r>
+              <a:rPr lang="de-DE" sz="8000" dirty="0">
+                <a:solidFill>
+                  <a:srgbClr val="000000"/>
+                </a:solidFill>
+                <a:highlight>
+                  <a:srgbClr val="FFFFFF"/>
+                </a:highlight>
+                <a:latin typeface="Courier New" panose="02070309020205020404" pitchFamily="49" charset="0"/>
+                <a:ea typeface="Yu Mincho" panose="02020400000000000000" pitchFamily="18" charset="-128"/>
+                <a:cs typeface="Times New Roman" panose="02020603050405020304" pitchFamily="18" charset="0"/>
+              </a:rPr>
+              <a:t> </a:t>
+            </a:r>
+            <a:r>
+              <a:rPr lang="de-DE" sz="8000" dirty="0" err="1">
+                <a:solidFill>
+                  <a:srgbClr val="000000"/>
+                </a:solidFill>
+                <a:highlight>
+                  <a:srgbClr val="FFFFFF"/>
+                </a:highlight>
+                <a:latin typeface="Courier New" panose="02070309020205020404" pitchFamily="49" charset="0"/>
+                <a:ea typeface="Yu Mincho" panose="02020400000000000000" pitchFamily="18" charset="-128"/>
+                <a:cs typeface="Times New Roman" panose="02020603050405020304" pitchFamily="18" charset="0"/>
+              </a:rPr>
+              <a:t>main</a:t>
+            </a:r>
+            <a:r>
+              <a:rPr lang="de-DE" sz="8000" b="1" dirty="0">
+                <a:solidFill>
+                  <a:srgbClr val="000080"/>
+                </a:solidFill>
+                <a:highlight>
+                  <a:srgbClr val="FFFFFF"/>
+                </a:highlight>
+                <a:latin typeface="Courier New" panose="02070309020205020404" pitchFamily="49" charset="0"/>
+                <a:ea typeface="Yu Mincho" panose="02020400000000000000" pitchFamily="18" charset="-128"/>
+                <a:cs typeface="Times New Roman" panose="02020603050405020304" pitchFamily="18" charset="0"/>
+              </a:rPr>
+              <a:t>()</a:t>
+            </a:r>
+            <a:endParaRPr lang="de-DE" sz="12800" dirty="0">
+              <a:effectLst/>
+              <a:latin typeface="Calibri" panose="020F0502020204030204" pitchFamily="34" charset="0"/>
+              <a:ea typeface="Yu Mincho" panose="02020400000000000000" pitchFamily="18" charset="-128"/>
+              <a:cs typeface="Times New Roman" panose="02020603050405020304" pitchFamily="18" charset="0"/>
+            </a:endParaRPr>
+          </a:p>
+          <a:p>
+            <a:pPr marL="0" indent="0">
+              <a:lnSpc>
+                <a:spcPct val="107000"/>
+              </a:lnSpc>
+              <a:spcAft>
+                <a:spcPts val="0"/>
+              </a:spcAft>
+              <a:buNone/>
+            </a:pPr>
+            <a:r>
+              <a:rPr lang="de-DE" sz="8000" b="1" dirty="0">
+                <a:solidFill>
+                  <a:srgbClr val="000080"/>
+                </a:solidFill>
+                <a:highlight>
+                  <a:srgbClr val="FFFFFF"/>
+                </a:highlight>
+                <a:latin typeface="Courier New" panose="02070309020205020404" pitchFamily="49" charset="0"/>
+                <a:ea typeface="Yu Mincho" panose="02020400000000000000" pitchFamily="18" charset="-128"/>
+                <a:cs typeface="Times New Roman" panose="02020603050405020304" pitchFamily="18" charset="0"/>
+              </a:rPr>
+              <a:t>{ </a:t>
+            </a:r>
+            <a:r>
+              <a:rPr lang="de-DE" sz="8000" dirty="0" err="1">
+                <a:solidFill>
+                  <a:srgbClr val="000000"/>
+                </a:solidFill>
+                <a:highlight>
+                  <a:srgbClr val="FFFFFF"/>
+                </a:highlight>
+                <a:latin typeface="Courier New" panose="02070309020205020404" pitchFamily="49" charset="0"/>
+                <a:ea typeface="Yu Mincho" panose="02020400000000000000" pitchFamily="18" charset="-128"/>
+                <a:cs typeface="Times New Roman" panose="02020603050405020304" pitchFamily="18" charset="0"/>
+              </a:rPr>
+              <a:t>std</a:t>
+            </a:r>
+            <a:r>
+              <a:rPr lang="de-DE" sz="8000" b="1" dirty="0">
+                <a:solidFill>
+                  <a:srgbClr val="000080"/>
+                </a:solidFill>
+                <a:highlight>
+                  <a:srgbClr val="FFFFFF"/>
+                </a:highlight>
+                <a:latin typeface="Courier New" panose="02070309020205020404" pitchFamily="49" charset="0"/>
+                <a:ea typeface="Yu Mincho" panose="02020400000000000000" pitchFamily="18" charset="-128"/>
+                <a:cs typeface="Times New Roman" panose="02020603050405020304" pitchFamily="18" charset="0"/>
+              </a:rPr>
+              <a:t>::</a:t>
+            </a:r>
+            <a:r>
+              <a:rPr lang="de-DE" sz="8000" dirty="0" err="1">
+                <a:solidFill>
+                  <a:srgbClr val="000000"/>
+                </a:solidFill>
+                <a:highlight>
+                  <a:srgbClr val="FFFFFF"/>
+                </a:highlight>
+                <a:latin typeface="Courier New" panose="02070309020205020404" pitchFamily="49" charset="0"/>
+                <a:ea typeface="Yu Mincho" panose="02020400000000000000" pitchFamily="18" charset="-128"/>
+                <a:cs typeface="Times New Roman" panose="02020603050405020304" pitchFamily="18" charset="0"/>
+              </a:rPr>
+              <a:t>thread</a:t>
+            </a:r>
+            <a:r>
+              <a:rPr lang="de-DE" sz="8000" dirty="0">
+                <a:solidFill>
+                  <a:srgbClr val="000000"/>
+                </a:solidFill>
+                <a:highlight>
+                  <a:srgbClr val="FFFFFF"/>
+                </a:highlight>
+                <a:latin typeface="Courier New" panose="02070309020205020404" pitchFamily="49" charset="0"/>
+                <a:ea typeface="Yu Mincho" panose="02020400000000000000" pitchFamily="18" charset="-128"/>
+                <a:cs typeface="Times New Roman" panose="02020603050405020304" pitchFamily="18" charset="0"/>
+              </a:rPr>
+              <a:t> t1</a:t>
+            </a:r>
+            <a:r>
+              <a:rPr lang="de-DE" sz="8000" b="1" dirty="0">
+                <a:solidFill>
+                  <a:srgbClr val="000080"/>
+                </a:solidFill>
+                <a:highlight>
+                  <a:srgbClr val="FFFFFF"/>
+                </a:highlight>
+                <a:latin typeface="Courier New" panose="02070309020205020404" pitchFamily="49" charset="0"/>
+                <a:ea typeface="Yu Mincho" panose="02020400000000000000" pitchFamily="18" charset="-128"/>
+                <a:cs typeface="Times New Roman" panose="02020603050405020304" pitchFamily="18" charset="0"/>
+              </a:rPr>
+              <a:t>{</a:t>
+            </a:r>
+            <a:r>
+              <a:rPr lang="de-DE" sz="8000" dirty="0" err="1">
+                <a:solidFill>
+                  <a:srgbClr val="000000"/>
+                </a:solidFill>
+                <a:highlight>
+                  <a:srgbClr val="FFFFFF"/>
+                </a:highlight>
+                <a:latin typeface="Courier New" panose="02070309020205020404" pitchFamily="49" charset="0"/>
+                <a:ea typeface="Yu Mincho" panose="02020400000000000000" pitchFamily="18" charset="-128"/>
+                <a:cs typeface="Times New Roman" panose="02020603050405020304" pitchFamily="18" charset="0"/>
+              </a:rPr>
+              <a:t>produce</a:t>
+            </a:r>
+            <a:r>
+              <a:rPr lang="de-DE" sz="8000" b="1" dirty="0">
+                <a:solidFill>
+                  <a:srgbClr val="000080"/>
+                </a:solidFill>
+                <a:highlight>
+                  <a:srgbClr val="FFFFFF"/>
+                </a:highlight>
+                <a:latin typeface="Courier New" panose="02070309020205020404" pitchFamily="49" charset="0"/>
+                <a:ea typeface="Yu Mincho" panose="02020400000000000000" pitchFamily="18" charset="-128"/>
+                <a:cs typeface="Times New Roman" panose="02020603050405020304" pitchFamily="18" charset="0"/>
+              </a:rPr>
+              <a:t>};</a:t>
+            </a:r>
+            <a:endParaRPr lang="de-DE" sz="12800" dirty="0">
+              <a:effectLst/>
+              <a:latin typeface="Calibri" panose="020F0502020204030204" pitchFamily="34" charset="0"/>
+              <a:ea typeface="Yu Mincho" panose="02020400000000000000" pitchFamily="18" charset="-128"/>
+              <a:cs typeface="Times New Roman" panose="02020603050405020304" pitchFamily="18" charset="0"/>
+            </a:endParaRPr>
+          </a:p>
+          <a:p>
+            <a:pPr marL="0" indent="0">
+              <a:lnSpc>
+                <a:spcPct val="107000"/>
+              </a:lnSpc>
+              <a:spcAft>
+                <a:spcPts val="0"/>
+              </a:spcAft>
+              <a:buNone/>
+            </a:pPr>
+            <a:r>
+              <a:rPr lang="de-DE" sz="8000" dirty="0">
+                <a:solidFill>
+                  <a:srgbClr val="000000"/>
+                </a:solidFill>
+                <a:highlight>
+                  <a:srgbClr val="FFFFFF"/>
+                </a:highlight>
+                <a:latin typeface="Courier New" panose="02070309020205020404" pitchFamily="49" charset="0"/>
+                <a:ea typeface="Yu Mincho" panose="02020400000000000000" pitchFamily="18" charset="-128"/>
+                <a:cs typeface="Times New Roman" panose="02020603050405020304" pitchFamily="18" charset="0"/>
+              </a:rPr>
+              <a:t>  </a:t>
+            </a:r>
+            <a:r>
+              <a:rPr lang="de-DE" sz="8000" dirty="0" err="1">
+                <a:solidFill>
+                  <a:srgbClr val="000000"/>
+                </a:solidFill>
+                <a:highlight>
+                  <a:srgbClr val="FFFFFF"/>
+                </a:highlight>
+                <a:latin typeface="Courier New" panose="02070309020205020404" pitchFamily="49" charset="0"/>
+                <a:ea typeface="Yu Mincho" panose="02020400000000000000" pitchFamily="18" charset="-128"/>
+                <a:cs typeface="Times New Roman" panose="02020603050405020304" pitchFamily="18" charset="0"/>
+              </a:rPr>
+              <a:t>std</a:t>
+            </a:r>
+            <a:r>
+              <a:rPr lang="de-DE" sz="8000" b="1" dirty="0">
+                <a:solidFill>
+                  <a:srgbClr val="000080"/>
+                </a:solidFill>
+                <a:highlight>
+                  <a:srgbClr val="FFFFFF"/>
+                </a:highlight>
+                <a:latin typeface="Courier New" panose="02070309020205020404" pitchFamily="49" charset="0"/>
+                <a:ea typeface="Yu Mincho" panose="02020400000000000000" pitchFamily="18" charset="-128"/>
+                <a:cs typeface="Times New Roman" panose="02020603050405020304" pitchFamily="18" charset="0"/>
+              </a:rPr>
+              <a:t>::</a:t>
+            </a:r>
+            <a:r>
+              <a:rPr lang="de-DE" sz="8000" dirty="0" err="1">
+                <a:solidFill>
+                  <a:srgbClr val="000000"/>
+                </a:solidFill>
+                <a:highlight>
+                  <a:srgbClr val="FFFFFF"/>
+                </a:highlight>
+                <a:latin typeface="Courier New" panose="02070309020205020404" pitchFamily="49" charset="0"/>
+                <a:ea typeface="Yu Mincho" panose="02020400000000000000" pitchFamily="18" charset="-128"/>
+                <a:cs typeface="Times New Roman" panose="02020603050405020304" pitchFamily="18" charset="0"/>
+              </a:rPr>
+              <a:t>thread</a:t>
+            </a:r>
+            <a:r>
+              <a:rPr lang="de-DE" sz="8000" dirty="0">
+                <a:solidFill>
+                  <a:srgbClr val="000000"/>
+                </a:solidFill>
+                <a:highlight>
+                  <a:srgbClr val="FFFFFF"/>
+                </a:highlight>
+                <a:latin typeface="Courier New" panose="02070309020205020404" pitchFamily="49" charset="0"/>
+                <a:ea typeface="Yu Mincho" panose="02020400000000000000" pitchFamily="18" charset="-128"/>
+                <a:cs typeface="Times New Roman" panose="02020603050405020304" pitchFamily="18" charset="0"/>
+              </a:rPr>
+              <a:t> t2</a:t>
+            </a:r>
+            <a:r>
+              <a:rPr lang="de-DE" sz="8000" b="1" dirty="0">
+                <a:solidFill>
+                  <a:srgbClr val="000080"/>
+                </a:solidFill>
+                <a:highlight>
+                  <a:srgbClr val="FFFFFF"/>
+                </a:highlight>
+                <a:latin typeface="Courier New" panose="02070309020205020404" pitchFamily="49" charset="0"/>
+                <a:ea typeface="Yu Mincho" panose="02020400000000000000" pitchFamily="18" charset="-128"/>
+                <a:cs typeface="Times New Roman" panose="02020603050405020304" pitchFamily="18" charset="0"/>
+              </a:rPr>
+              <a:t>{</a:t>
+            </a:r>
+            <a:r>
+              <a:rPr lang="de-DE" sz="8000" dirty="0" err="1">
+                <a:solidFill>
+                  <a:srgbClr val="000000"/>
+                </a:solidFill>
+                <a:highlight>
+                  <a:srgbClr val="FFFFFF"/>
+                </a:highlight>
+                <a:latin typeface="Courier New" panose="02070309020205020404" pitchFamily="49" charset="0"/>
+                <a:ea typeface="Yu Mincho" panose="02020400000000000000" pitchFamily="18" charset="-128"/>
+                <a:cs typeface="Times New Roman" panose="02020603050405020304" pitchFamily="18" charset="0"/>
+              </a:rPr>
+              <a:t>consume</a:t>
+            </a:r>
+            <a:r>
+              <a:rPr lang="de-DE" sz="8000" b="1" dirty="0">
+                <a:solidFill>
+                  <a:srgbClr val="000080"/>
+                </a:solidFill>
+                <a:highlight>
+                  <a:srgbClr val="FFFFFF"/>
+                </a:highlight>
+                <a:latin typeface="Courier New" panose="02070309020205020404" pitchFamily="49" charset="0"/>
+                <a:ea typeface="Yu Mincho" panose="02020400000000000000" pitchFamily="18" charset="-128"/>
+                <a:cs typeface="Times New Roman" panose="02020603050405020304" pitchFamily="18" charset="0"/>
+              </a:rPr>
+              <a:t>};</a:t>
+            </a:r>
+            <a:endParaRPr lang="de-DE" sz="12800" dirty="0">
+              <a:effectLst/>
+              <a:latin typeface="Calibri" panose="020F0502020204030204" pitchFamily="34" charset="0"/>
+              <a:ea typeface="Yu Mincho" panose="02020400000000000000" pitchFamily="18" charset="-128"/>
+              <a:cs typeface="Times New Roman" panose="02020603050405020304" pitchFamily="18" charset="0"/>
+            </a:endParaRPr>
+          </a:p>
+          <a:p>
+            <a:pPr marL="0" indent="0">
+              <a:lnSpc>
+                <a:spcPct val="107000"/>
+              </a:lnSpc>
+              <a:spcAft>
+                <a:spcPts val="0"/>
+              </a:spcAft>
+              <a:buNone/>
+            </a:pPr>
+            <a:r>
+              <a:rPr lang="de-DE" sz="8000" dirty="0">
+                <a:solidFill>
+                  <a:srgbClr val="000000"/>
+                </a:solidFill>
+                <a:highlight>
+                  <a:srgbClr val="FFFFFF"/>
+                </a:highlight>
+                <a:latin typeface="Courier New" panose="02070309020205020404" pitchFamily="49" charset="0"/>
+                <a:ea typeface="Yu Mincho" panose="02020400000000000000" pitchFamily="18" charset="-128"/>
+                <a:cs typeface="Times New Roman" panose="02020603050405020304" pitchFamily="18" charset="0"/>
+              </a:rPr>
+              <a:t>  </a:t>
+            </a:r>
+            <a:r>
+              <a:rPr lang="de-DE" sz="8000" dirty="0" err="1">
+                <a:solidFill>
+                  <a:srgbClr val="000000"/>
+                </a:solidFill>
+                <a:highlight>
+                  <a:srgbClr val="FFFFFF"/>
+                </a:highlight>
+                <a:latin typeface="Courier New" panose="02070309020205020404" pitchFamily="49" charset="0"/>
+                <a:ea typeface="Yu Mincho" panose="02020400000000000000" pitchFamily="18" charset="-128"/>
+                <a:cs typeface="Times New Roman" panose="02020603050405020304" pitchFamily="18" charset="0"/>
+              </a:rPr>
+              <a:t>std</a:t>
+            </a:r>
+            <a:r>
+              <a:rPr lang="de-DE" sz="8000" b="1" dirty="0">
+                <a:solidFill>
+                  <a:srgbClr val="000080"/>
+                </a:solidFill>
+                <a:highlight>
+                  <a:srgbClr val="FFFFFF"/>
+                </a:highlight>
+                <a:latin typeface="Courier New" panose="02070309020205020404" pitchFamily="49" charset="0"/>
+                <a:ea typeface="Yu Mincho" panose="02020400000000000000" pitchFamily="18" charset="-128"/>
+                <a:cs typeface="Times New Roman" panose="02020603050405020304" pitchFamily="18" charset="0"/>
+              </a:rPr>
+              <a:t>::</a:t>
+            </a:r>
+            <a:r>
+              <a:rPr lang="de-DE" sz="8000" dirty="0" err="1">
+                <a:solidFill>
+                  <a:srgbClr val="000000"/>
+                </a:solidFill>
+                <a:highlight>
+                  <a:srgbClr val="FFFFFF"/>
+                </a:highlight>
+                <a:latin typeface="Courier New" panose="02070309020205020404" pitchFamily="49" charset="0"/>
+                <a:ea typeface="Yu Mincho" panose="02020400000000000000" pitchFamily="18" charset="-128"/>
+                <a:cs typeface="Times New Roman" panose="02020603050405020304" pitchFamily="18" charset="0"/>
+              </a:rPr>
+              <a:t>thread</a:t>
+            </a:r>
+            <a:r>
+              <a:rPr lang="de-DE" sz="8000" dirty="0">
+                <a:solidFill>
+                  <a:srgbClr val="000000"/>
+                </a:solidFill>
+                <a:highlight>
+                  <a:srgbClr val="FFFFFF"/>
+                </a:highlight>
+                <a:latin typeface="Courier New" panose="02070309020205020404" pitchFamily="49" charset="0"/>
+                <a:ea typeface="Yu Mincho" panose="02020400000000000000" pitchFamily="18" charset="-128"/>
+                <a:cs typeface="Times New Roman" panose="02020603050405020304" pitchFamily="18" charset="0"/>
+              </a:rPr>
+              <a:t> t3</a:t>
+            </a:r>
+            <a:r>
+              <a:rPr lang="de-DE" sz="8000" b="1" dirty="0">
+                <a:solidFill>
+                  <a:srgbClr val="000080"/>
+                </a:solidFill>
+                <a:highlight>
+                  <a:srgbClr val="FFFFFF"/>
+                </a:highlight>
+                <a:latin typeface="Courier New" panose="02070309020205020404" pitchFamily="49" charset="0"/>
+                <a:ea typeface="Yu Mincho" panose="02020400000000000000" pitchFamily="18" charset="-128"/>
+                <a:cs typeface="Times New Roman" panose="02020603050405020304" pitchFamily="18" charset="0"/>
+              </a:rPr>
+              <a:t>{</a:t>
+            </a:r>
+            <a:r>
+              <a:rPr lang="de-DE" sz="8000" dirty="0" err="1">
+                <a:solidFill>
+                  <a:srgbClr val="000000"/>
+                </a:solidFill>
+                <a:highlight>
+                  <a:srgbClr val="FFFFFF"/>
+                </a:highlight>
+                <a:latin typeface="Courier New" panose="02070309020205020404" pitchFamily="49" charset="0"/>
+                <a:ea typeface="Yu Mincho" panose="02020400000000000000" pitchFamily="18" charset="-128"/>
+                <a:cs typeface="Times New Roman" panose="02020603050405020304" pitchFamily="18" charset="0"/>
+              </a:rPr>
+              <a:t>consume</a:t>
+            </a:r>
+            <a:r>
+              <a:rPr lang="de-DE" sz="8000" b="1" dirty="0">
+                <a:solidFill>
+                  <a:srgbClr val="000080"/>
+                </a:solidFill>
+                <a:highlight>
+                  <a:srgbClr val="FFFFFF"/>
+                </a:highlight>
+                <a:latin typeface="Courier New" panose="02070309020205020404" pitchFamily="49" charset="0"/>
+                <a:ea typeface="Yu Mincho" panose="02020400000000000000" pitchFamily="18" charset="-128"/>
+                <a:cs typeface="Times New Roman" panose="02020603050405020304" pitchFamily="18" charset="0"/>
+              </a:rPr>
+              <a:t>};</a:t>
+            </a:r>
+          </a:p>
+          <a:p>
+            <a:pPr marL="0" indent="0">
+              <a:lnSpc>
+                <a:spcPct val="107000"/>
+              </a:lnSpc>
+              <a:spcAft>
+                <a:spcPts val="0"/>
+              </a:spcAft>
+              <a:buNone/>
+            </a:pPr>
+            <a:r>
+              <a:rPr lang="de-DE" sz="8000" b="1" dirty="0">
+                <a:solidFill>
+                  <a:srgbClr val="000080"/>
+                </a:solidFill>
+                <a:highlight>
+                  <a:srgbClr val="FFFFFF"/>
+                </a:highlight>
+                <a:latin typeface="Courier New" panose="02070309020205020404" pitchFamily="49" charset="0"/>
+                <a:ea typeface="Yu Mincho" panose="02020400000000000000" pitchFamily="18" charset="-128"/>
+                <a:cs typeface="Times New Roman" panose="02020603050405020304" pitchFamily="18" charset="0"/>
+              </a:rPr>
+              <a:t>}</a:t>
+            </a:r>
+            <a:endParaRPr lang="de-DE" sz="12800" dirty="0">
+              <a:effectLst/>
+              <a:latin typeface="Calibri" panose="020F0502020204030204" pitchFamily="34" charset="0"/>
+              <a:ea typeface="Yu Mincho" panose="02020400000000000000" pitchFamily="18" charset="-128"/>
+              <a:cs typeface="Times New Roman" panose="02020603050405020304" pitchFamily="18" charset="0"/>
+            </a:endParaRPr>
+          </a:p>
+          <a:p>
+            <a:pPr marL="0" indent="0">
+              <a:buNone/>
+            </a:pPr>
+            <a:endParaRPr lang="de-DE" dirty="0"/>
+          </a:p>
+        </p:txBody>
+      </p:sp>
+    </p:spTree>
+    <p:extLst>
+      <p:ext uri="{BB962C8B-B14F-4D97-AF65-F5344CB8AC3E}">
+        <p14:creationId xmlns:p14="http://schemas.microsoft.com/office/powerpoint/2010/main" val="2487999070"/>
+      </p:ext>
+    </p:extLst>
+  </p:cSld>
+  <p:clrMapOvr>
+    <a:masterClrMapping/>
+  </p:clrMapOvr>
+</p:sld>
+</file>
+
+<file path=ppt/slides/slide21.xml><?xml version="1.0" encoding="utf-8"?>
+<p:sld xmlns:a="http://schemas.openxmlformats.org/drawingml/2006/main" xmlns:r="http://schemas.openxmlformats.org/officeDocument/2006/relationships" xmlns:p="http://schemas.openxmlformats.org/presentationml/2006/main">
+  <p:cSld>
+    <p:spTree>
+      <p:nvGrpSpPr>
+        <p:cNvPr id="1" name=""/>
+        <p:cNvGrpSpPr/>
+        <p:nvPr/>
+      </p:nvGrpSpPr>
+      <p:grpSpPr>
+        <a:xfrm>
+          <a:off x="0" y="0"/>
+          <a:ext cx="0" cy="0"/>
+          <a:chOff x="0" y="0"/>
+          <a:chExt cx="0" cy="0"/>
+        </a:xfrm>
+      </p:grpSpPr>
+      <p:sp>
+        <p:nvSpPr>
+          <p:cNvPr id="2" name="Titel 1"/>
+          <p:cNvSpPr>
+            <a:spLocks noGrp="1"/>
+          </p:cNvSpPr>
+          <p:nvPr>
+            <p:ph type="title"/>
+          </p:nvPr>
+        </p:nvSpPr>
+        <p:spPr/>
+        <p:txBody>
+          <a:bodyPr/>
+          <a:lstStyle/>
+          <a:p>
+            <a:r>
               <a:rPr lang="de-DE" dirty="0"/>
-              <a:t>C++…</a:t>
+              <a:t>Das Weihnachtsmannproblem</a:t>
+            </a:r>
+          </a:p>
+        </p:txBody>
+      </p:sp>
+      <p:sp>
+        <p:nvSpPr>
+          <p:cNvPr id="3" name="Inhaltsplatzhalter 2"/>
+          <p:cNvSpPr>
+            <a:spLocks noGrp="1"/>
+          </p:cNvSpPr>
+          <p:nvPr>
+            <p:ph idx="1"/>
+          </p:nvPr>
+        </p:nvSpPr>
+        <p:spPr/>
+        <p:txBody>
+          <a:bodyPr>
+            <a:normAutofit/>
+          </a:bodyPr>
+          <a:lstStyle/>
+          <a:p>
+            <a:pPr marL="0" indent="0" algn="ctr">
+              <a:buNone/>
+            </a:pPr>
+            <a:endParaRPr lang="de-DE" dirty="0"/>
+          </a:p>
+          <a:p>
+            <a:pPr marL="0" indent="0" algn="ctr">
+              <a:buNone/>
+            </a:pPr>
+            <a:endParaRPr lang="de-DE" dirty="0"/>
+          </a:p>
+          <a:p>
+            <a:pPr marL="0" indent="0" algn="ctr">
+              <a:buNone/>
+            </a:pPr>
+            <a:endParaRPr lang="de-DE" sz="4800" dirty="0"/>
+          </a:p>
+          <a:p>
+            <a:pPr marL="0" indent="0" algn="ctr">
+              <a:buNone/>
+            </a:pPr>
+            <a:r>
+              <a:rPr lang="de-DE" sz="4800" dirty="0"/>
+              <a:t>Demo Zeit!</a:t>
+            </a:r>
+          </a:p>
+          <a:p>
+            <a:pPr marL="0" indent="0" algn="ctr">
+              <a:buNone/>
+            </a:pPr>
+            <a:endParaRPr lang="de-DE" sz="4800" dirty="0"/>
+          </a:p>
+          <a:p>
+            <a:pPr marL="0" indent="0" algn="ctr">
+              <a:buNone/>
+            </a:pPr>
+            <a:r>
+              <a:rPr lang="de-DE" sz="3500" dirty="0"/>
+              <a:t>Repository: https://github.com/Goriar/ws16-17_santa</a:t>
+            </a:r>
+          </a:p>
+        </p:txBody>
+      </p:sp>
+    </p:spTree>
+    <p:extLst>
+      <p:ext uri="{BB962C8B-B14F-4D97-AF65-F5344CB8AC3E}">
+        <p14:creationId xmlns:p14="http://schemas.microsoft.com/office/powerpoint/2010/main" val="1315481260"/>
+      </p:ext>
+    </p:extLst>
+  </p:cSld>
+  <p:clrMapOvr>
+    <a:masterClrMapping/>
+  </p:clrMapOvr>
+</p:sld>
+</file>
+
+<file path=ppt/slides/slide3.xml><?xml version="1.0" encoding="utf-8"?>
+<p:sld xmlns:a="http://schemas.openxmlformats.org/drawingml/2006/main" xmlns:r="http://schemas.openxmlformats.org/officeDocument/2006/relationships" xmlns:p="http://schemas.openxmlformats.org/presentationml/2006/main">
+  <p:cSld>
+    <p:spTree>
+      <p:nvGrpSpPr>
+        <p:cNvPr id="1" name=""/>
+        <p:cNvGrpSpPr/>
+        <p:nvPr/>
+      </p:nvGrpSpPr>
+      <p:grpSpPr>
+        <a:xfrm>
+          <a:off x="0" y="0"/>
+          <a:ext cx="0" cy="0"/>
+          <a:chOff x="0" y="0"/>
+          <a:chExt cx="0" cy="0"/>
+        </a:xfrm>
+      </p:grpSpPr>
+      <p:sp>
+        <p:nvSpPr>
+          <p:cNvPr id="2" name="Titel 1"/>
+          <p:cNvSpPr>
+            <a:spLocks noGrp="1"/>
+          </p:cNvSpPr>
+          <p:nvPr>
+            <p:ph type="title"/>
+          </p:nvPr>
+        </p:nvSpPr>
+        <p:spPr/>
+        <p:txBody>
+          <a:bodyPr/>
+          <a:lstStyle/>
+          <a:p>
+            <a:r>
+              <a:rPr lang="de-DE" dirty="0"/>
+              <a:t>C++</a:t>
             </a:r>
           </a:p>
         </p:txBody>
@@ -19019,6 +18822,221 @@
 </p:sld>
 </file>
 
+<file path=ppt/slides/slide4.xml><?xml version="1.0" encoding="utf-8"?>
+<p:sld xmlns:a="http://schemas.openxmlformats.org/drawingml/2006/main" xmlns:r="http://schemas.openxmlformats.org/officeDocument/2006/relationships" xmlns:p="http://schemas.openxmlformats.org/presentationml/2006/main">
+  <p:cSld>
+    <p:spTree>
+      <p:nvGrpSpPr>
+        <p:cNvPr id="1" name=""/>
+        <p:cNvGrpSpPr/>
+        <p:nvPr/>
+      </p:nvGrpSpPr>
+      <p:grpSpPr>
+        <a:xfrm>
+          <a:off x="0" y="0"/>
+          <a:ext cx="0" cy="0"/>
+          <a:chOff x="0" y="0"/>
+          <a:chExt cx="0" cy="0"/>
+        </a:xfrm>
+      </p:grpSpPr>
+      <p:pic>
+        <p:nvPicPr>
+          <p:cNvPr id="4" name="Grafik 3"/>
+          <p:cNvPicPr>
+            <a:picLocks noChangeAspect="1"/>
+          </p:cNvPicPr>
+          <p:nvPr/>
+        </p:nvPicPr>
+        <p:blipFill rotWithShape="1">
+          <a:blip r:embed="rId3">
+            <a:extLst>
+              <a:ext uri="{28A0092B-C50C-407E-A947-70E740481C1C}">
+                <a14:useLocalDpi xmlns:a14="http://schemas.microsoft.com/office/drawing/2010/main" val="0"/>
+              </a:ext>
+            </a:extLst>
+          </a:blip>
+          <a:srcRect r="7004" b="1"/>
+          <a:stretch/>
+        </p:blipFill>
+        <p:spPr>
+          <a:xfrm>
+            <a:off x="7191776" y="2001521"/>
+            <a:ext cx="4337608" cy="3498166"/>
+          </a:xfrm>
+          <a:prstGeom prst="rect">
+            <a:avLst/>
+          </a:prstGeom>
+          <a:ln>
+            <a:noFill/>
+          </a:ln>
+          <a:effectLst>
+            <a:outerShdw blurRad="190500" algn="tl" rotWithShape="0">
+              <a:srgbClr val="000000">
+                <a:alpha val="70000"/>
+              </a:srgbClr>
+            </a:outerShdw>
+          </a:effectLst>
+        </p:spPr>
+        <p:style>
+          <a:lnRef idx="0">
+            <a:schemeClr val="dk1"/>
+          </a:lnRef>
+          <a:fillRef idx="3">
+            <a:schemeClr val="dk1"/>
+          </a:fillRef>
+          <a:effectRef idx="3">
+            <a:schemeClr val="dk1"/>
+          </a:effectRef>
+          <a:fontRef idx="minor">
+            <a:schemeClr val="lt1"/>
+          </a:fontRef>
+        </p:style>
+      </p:pic>
+      <p:sp>
+        <p:nvSpPr>
+          <p:cNvPr id="2" name="Titel 1"/>
+          <p:cNvSpPr>
+            <a:spLocks noGrp="1"/>
+          </p:cNvSpPr>
+          <p:nvPr>
+            <p:ph type="title"/>
+          </p:nvPr>
+        </p:nvSpPr>
+        <p:spPr>
+          <a:xfrm>
+            <a:off x="1209367" y="0"/>
+            <a:ext cx="3667039" cy="1676603"/>
+          </a:xfrm>
+        </p:spPr>
+        <p:txBody>
+          <a:bodyPr>
+            <a:normAutofit/>
+          </a:bodyPr>
+          <a:lstStyle/>
+          <a:p>
+            <a:pPr>
+              <a:lnSpc>
+                <a:spcPct val="80000"/>
+              </a:lnSpc>
+            </a:pPr>
+            <a:r>
+              <a:rPr lang="de-DE" sz="3700" dirty="0"/>
+              <a:t>C++</a:t>
+            </a:r>
+          </a:p>
+        </p:txBody>
+      </p:sp>
+      <p:sp>
+        <p:nvSpPr>
+          <p:cNvPr id="3" name="Inhaltsplatzhalter 2"/>
+          <p:cNvSpPr>
+            <a:spLocks noGrp="1"/>
+          </p:cNvSpPr>
+          <p:nvPr>
+            <p:ph idx="1"/>
+          </p:nvPr>
+        </p:nvSpPr>
+        <p:spPr>
+          <a:xfrm>
+            <a:off x="410391" y="2001521"/>
+            <a:ext cx="6658455" cy="3785419"/>
+          </a:xfrm>
+        </p:spPr>
+        <p:txBody>
+          <a:bodyPr>
+            <a:normAutofit/>
+          </a:bodyPr>
+          <a:lstStyle/>
+          <a:p>
+            <a:pPr>
+              <a:buFont typeface="Arial" panose="020B0604020202020204" pitchFamily="34" charset="0"/>
+              <a:buChar char="•"/>
+            </a:pPr>
+            <a:r>
+              <a:rPr lang="de-DE" sz="2400" dirty="0"/>
+              <a:t>Entwickelt von Bjarne </a:t>
+            </a:r>
+            <a:r>
+              <a:rPr lang="de-DE" sz="2400" dirty="0" err="1"/>
+              <a:t>Stroustrup</a:t>
+            </a:r>
+            <a:r>
+              <a:rPr lang="de-DE" sz="2400" dirty="0"/>
+              <a:t> im Jahr 1979 als „C </a:t>
+            </a:r>
+            <a:r>
+              <a:rPr lang="de-DE" sz="2400" dirty="0" err="1"/>
+              <a:t>with</a:t>
+            </a:r>
+            <a:r>
+              <a:rPr lang="de-DE" sz="2400" dirty="0"/>
+              <a:t> </a:t>
+            </a:r>
+            <a:r>
+              <a:rPr lang="de-DE" sz="2400" dirty="0" err="1"/>
+              <a:t>Classes</a:t>
+            </a:r>
+            <a:r>
+              <a:rPr lang="de-DE" sz="2400" dirty="0"/>
+              <a:t>“</a:t>
+            </a:r>
+          </a:p>
+          <a:p>
+            <a:pPr>
+              <a:buFont typeface="Arial" panose="020B0604020202020204" pitchFamily="34" charset="0"/>
+              <a:buChar char="•"/>
+            </a:pPr>
+            <a:r>
+              <a:rPr lang="de-DE" sz="2400" dirty="0"/>
+              <a:t>Erster kommerzieller Release 1985</a:t>
+            </a:r>
+          </a:p>
+          <a:p>
+            <a:pPr>
+              <a:buFont typeface="Arial" panose="020B0604020202020204" pitchFamily="34" charset="0"/>
+              <a:buChar char="•"/>
+            </a:pPr>
+            <a:r>
+              <a:rPr lang="de-DE" sz="2400" dirty="0"/>
+              <a:t>Mix aus Low-Level und High-Level Programmierung </a:t>
+            </a:r>
+          </a:p>
+          <a:p>
+            <a:pPr>
+              <a:buFont typeface="Arial" panose="020B0604020202020204" pitchFamily="34" charset="0"/>
+              <a:buChar char="•"/>
+            </a:pPr>
+            <a:r>
+              <a:rPr lang="de-DE" sz="2400" dirty="0"/>
+              <a:t>Keine Interpretierung oder Run Time </a:t>
+            </a:r>
+            <a:r>
+              <a:rPr lang="de-DE" sz="2400" dirty="0" err="1"/>
+              <a:t>Enviroment</a:t>
+            </a:r>
+            <a:r>
+              <a:rPr lang="de-DE" sz="2400" dirty="0"/>
+              <a:t> nötig</a:t>
+            </a:r>
+          </a:p>
+          <a:p>
+            <a:endParaRPr lang="de-DE" sz="1800" dirty="0"/>
+          </a:p>
+        </p:txBody>
+      </p:sp>
+    </p:spTree>
+    <p:extLst>
+      <p:ext uri="{BB962C8B-B14F-4D97-AF65-F5344CB8AC3E}">
+        <p14:creationId xmlns:p14="http://schemas.microsoft.com/office/powerpoint/2010/main" val="2640121571"/>
+      </p:ext>
+    </p:extLst>
+  </p:cSld>
+  <p:clrMapOvr>
+    <a:masterClrMapping/>
+  </p:clrMapOvr>
+</p:sld>
+</file>
+
 <file path=ppt/slides/slide5.xml><?xml version="1.0" encoding="utf-8"?>
 <p:sld xmlns:a="http://schemas.openxmlformats.org/drawingml/2006/main" xmlns:r="http://schemas.openxmlformats.org/officeDocument/2006/relationships" xmlns:p="http://schemas.openxmlformats.org/presentationml/2006/main">
   <p:cSld>
@@ -19101,7 +19119,7 @@
         <p:spPr>
           <a:xfrm>
             <a:off x="1097280" y="1954622"/>
-            <a:ext cx="7155426" cy="2677656"/>
+            <a:ext cx="7155426" cy="2237536"/>
           </a:xfrm>
           <a:prstGeom prst="rect">
             <a:avLst/>
@@ -19114,32 +19132,92 @@
           </a:bodyPr>
           <a:lstStyle/>
           <a:p>
-            <a:pPr marL="285750" indent="-285750">
+            <a:pPr marL="91440" indent="-91440" defTabSz="914400">
+              <a:lnSpc>
+                <a:spcPct val="90000"/>
+              </a:lnSpc>
+              <a:spcBef>
+                <a:spcPts val="1200"/>
+              </a:spcBef>
+              <a:spcAft>
+                <a:spcPts val="200"/>
+              </a:spcAft>
+              <a:buClr>
+                <a:schemeClr val="accent1"/>
+              </a:buClr>
+              <a:buSzPct val="100000"/>
               <a:buFont typeface="Arial" panose="020B0604020202020204" pitchFamily="34" charset="0"/>
               <a:buChar char="•"/>
             </a:pPr>
             <a:r>
-              <a:rPr lang="de-DE" sz="2800" dirty="0"/>
+              <a:rPr lang="de-DE" sz="2400" dirty="0">
+                <a:solidFill>
+                  <a:schemeClr val="tx1">
+                    <a:lumMod val="75000"/>
+                    <a:lumOff val="25000"/>
+                  </a:schemeClr>
+                </a:solidFill>
+              </a:rPr>
               <a:t>Freie C++ Bibliothek</a:t>
             </a:r>
           </a:p>
           <a:p>
-            <a:pPr marL="285750" indent="-285750">
+            <a:pPr marL="91440" indent="-91440" defTabSz="914400">
+              <a:lnSpc>
+                <a:spcPct val="90000"/>
+              </a:lnSpc>
+              <a:spcBef>
+                <a:spcPts val="1200"/>
+              </a:spcBef>
+              <a:spcAft>
+                <a:spcPts val="200"/>
+              </a:spcAft>
+              <a:buClr>
+                <a:schemeClr val="accent1"/>
+              </a:buClr>
+              <a:buSzPct val="100000"/>
               <a:buFont typeface="Arial" panose="020B0604020202020204" pitchFamily="34" charset="0"/>
               <a:buChar char="•"/>
             </a:pPr>
             <a:r>
-              <a:rPr lang="de-DE" sz="2800" dirty="0"/>
+              <a:rPr lang="de-DE" sz="2400" dirty="0">
+                <a:solidFill>
+                  <a:schemeClr val="tx1">
+                    <a:lumMod val="75000"/>
+                    <a:lumOff val="25000"/>
+                  </a:schemeClr>
+                </a:solidFill>
+              </a:rPr>
               <a:t>Trägt regelmäßig zu Verbesserungen in der Standard Library bei</a:t>
             </a:r>
           </a:p>
           <a:p>
-            <a:pPr marL="285750" indent="-285750">
+            <a:pPr marL="91440" indent="-91440" defTabSz="914400">
+              <a:lnSpc>
+                <a:spcPct val="90000"/>
+              </a:lnSpc>
+              <a:spcBef>
+                <a:spcPts val="1200"/>
+              </a:spcBef>
+              <a:spcAft>
+                <a:spcPts val="200"/>
+              </a:spcAft>
+              <a:buClr>
+                <a:schemeClr val="accent1"/>
+              </a:buClr>
+              <a:buSzPct val="100000"/>
               <a:buFont typeface="Arial" panose="020B0604020202020204" pitchFamily="34" charset="0"/>
               <a:buChar char="•"/>
             </a:pPr>
             <a:r>
-              <a:rPr lang="de-DE" sz="2800" dirty="0"/>
+              <a:rPr lang="de-DE" sz="2400" dirty="0">
+                <a:solidFill>
+                  <a:schemeClr val="tx1">
+                    <a:lumMod val="75000"/>
+                    <a:lumOff val="25000"/>
+                  </a:schemeClr>
+                </a:solidFill>
+              </a:rPr>
               <a:t>Vielzahl an unterschiedlichen Anwendungsgebieten</a:t>
             </a:r>
           </a:p>
@@ -23060,25 +23138,25 @@
 
 <file path=customXml/item3.xml><?xml version="1.0" encoding="utf-8"?>
 <Control xmlns="http://schemas.microsoft.com/VisualStudio/2011/storyboarding/control">
-  <Id Name="System.Storyboarding.Icons.Lock" Revision="1" Stencil="System.Storyboarding.Icons" StencilVersion="0.1"/>
+  <Id Name="System.Storyboarding.Icons.Table" Revision="1" Stencil="System.Storyboarding.Icons" StencilVersion="0.1"/>
 </Control>
 </file>
 
 <file path=customXml/item4.xml><?xml version="1.0" encoding="utf-8"?>
 <Control xmlns="http://schemas.microsoft.com/VisualStudio/2011/storyboarding/control">
-  <Id Name="System.Storyboarding.Icons.Unlock" Revision="1" Stencil="System.Storyboarding.Icons" StencilVersion="0.1"/>
+  <Id Name="System.Storyboarding.Icons.Lock" Revision="1" Stencil="System.Storyboarding.Icons" StencilVersion="0.1"/>
 </Control>
 </file>
 
 <file path=customXml/item5.xml><?xml version="1.0" encoding="utf-8"?>
 <Control xmlns="http://schemas.microsoft.com/VisualStudio/2011/storyboarding/control">
-  <Id Name="System.Storyboarding.Icons.Lock" Revision="1" Stencil="System.Storyboarding.Icons" StencilVersion="0.1"/>
+  <Id Name="System.Storyboarding.Icons.Unlock" Revision="1" Stencil="System.Storyboarding.Icons" StencilVersion="0.1"/>
 </Control>
 </file>
 
 <file path=customXml/item6.xml><?xml version="1.0" encoding="utf-8"?>
 <Control xmlns="http://schemas.microsoft.com/VisualStudio/2011/storyboarding/control">
-  <Id Name="System.Storyboarding.Icons.Table" Revision="1" Stencil="System.Storyboarding.Icons" StencilVersion="0.1"/>
+  <Id Name="System.Storyboarding.Icons.Lock" Revision="1" Stencil="System.Storyboarding.Icons" StencilVersion="0.1"/>
 </Control>
 </file>
 
@@ -23089,6 +23167,14 @@
 </file>
 
 <file path=customXml/itemProps1.xml><?xml version="1.0" encoding="utf-8"?>
+<ds:datastoreItem xmlns:ds="http://schemas.openxmlformats.org/officeDocument/2006/customXml" ds:itemID="{2E565FCE-AC4E-459F-BBFD-5D3B455C037B}">
+  <ds:schemaRefs>
+    <ds:schemaRef ds:uri="http://schemas.microsoft.com/VisualStudio/2011/storyboarding/control"/>
+  </ds:schemaRefs>
+</ds:datastoreItem>
+</file>
+
+<file path=customXml/itemProps2.xml><?xml version="1.0" encoding="utf-8"?>
 <ds:datastoreItem xmlns:ds="http://schemas.openxmlformats.org/officeDocument/2006/customXml" ds:itemID="{B74AF1E7-2A5B-4AC1-A15A-42139C018839}">
   <ds:schemaRefs>
     <ds:schemaRef ds:uri="http://schemas.microsoft.com/VisualStudio/2011/storyboarding/control"/>
@@ -23096,16 +23182,8 @@
 </ds:datastoreItem>
 </file>
 
-<file path=customXml/itemProps2.xml><?xml version="1.0" encoding="utf-8"?>
-<ds:datastoreItem xmlns:ds="http://schemas.openxmlformats.org/officeDocument/2006/customXml" ds:itemID="{2E565FCE-AC4E-459F-BBFD-5D3B455C037B}">
-  <ds:schemaRefs>
-    <ds:schemaRef ds:uri="http://schemas.microsoft.com/VisualStudio/2011/storyboarding/control"/>
-  </ds:schemaRefs>
-</ds:datastoreItem>
-</file>
-
 <file path=customXml/itemProps3.xml><?xml version="1.0" encoding="utf-8"?>
-<ds:datastoreItem xmlns:ds="http://schemas.openxmlformats.org/officeDocument/2006/customXml" ds:itemID="{D62F0191-B3EB-4F95-9F79-528CA11EF011}">
+<ds:datastoreItem xmlns:ds="http://schemas.openxmlformats.org/officeDocument/2006/customXml" ds:itemID="{E07F0AD2-7B07-42A3-A732-87F21F3C74F7}">
   <ds:schemaRefs>
     <ds:schemaRef ds:uri="http://schemas.microsoft.com/VisualStudio/2011/storyboarding/control"/>
   </ds:schemaRefs>
@@ -23113,6 +23191,14 @@
 </file>
 
 <file path=customXml/itemProps4.xml><?xml version="1.0" encoding="utf-8"?>
+<ds:datastoreItem xmlns:ds="http://schemas.openxmlformats.org/officeDocument/2006/customXml" ds:itemID="{1EDF1A85-3B81-4653-9613-1174FEB21AA7}">
+  <ds:schemaRefs>
+    <ds:schemaRef ds:uri="http://schemas.microsoft.com/VisualStudio/2011/storyboarding/control"/>
+  </ds:schemaRefs>
+</ds:datastoreItem>
+</file>
+
+<file path=customXml/itemProps5.xml><?xml version="1.0" encoding="utf-8"?>
 <ds:datastoreItem xmlns:ds="http://schemas.openxmlformats.org/officeDocument/2006/customXml" ds:itemID="{3A742BCD-AB30-454C-92C2-28C72506F871}">
   <ds:schemaRefs>
     <ds:schemaRef ds:uri="http://schemas.microsoft.com/VisualStudio/2011/storyboarding/control"/>
@@ -23120,16 +23206,8 @@
 </ds:datastoreItem>
 </file>
 
-<file path=customXml/itemProps5.xml><?xml version="1.0" encoding="utf-8"?>
-<ds:datastoreItem xmlns:ds="http://schemas.openxmlformats.org/officeDocument/2006/customXml" ds:itemID="{1EDF1A85-3B81-4653-9613-1174FEB21AA7}">
-  <ds:schemaRefs>
-    <ds:schemaRef ds:uri="http://schemas.microsoft.com/VisualStudio/2011/storyboarding/control"/>
-  </ds:schemaRefs>
-</ds:datastoreItem>
-</file>
-
 <file path=customXml/itemProps6.xml><?xml version="1.0" encoding="utf-8"?>
-<ds:datastoreItem xmlns:ds="http://schemas.openxmlformats.org/officeDocument/2006/customXml" ds:itemID="{E07F0AD2-7B07-42A3-A732-87F21F3C74F7}">
+<ds:datastoreItem xmlns:ds="http://schemas.openxmlformats.org/officeDocument/2006/customXml" ds:itemID="{D62F0191-B3EB-4F95-9F79-528CA11EF011}">
   <ds:schemaRefs>
     <ds:schemaRef ds:uri="http://schemas.microsoft.com/VisualStudio/2011/storyboarding/control"/>
   </ds:schemaRefs>
